--- a/Application Documentation.pptx
+++ b/Application Documentation.pptx
@@ -118,6 +118,11 @@
       </a:defRPr>
     </a:lvl9pPr>
   </p:defaultTextStyle>
+  <p:extLst>
+    <p:ext uri="{EFAFB233-063F-42B5-8137-9DF3F51BA10A}">
+      <p15:sldGuideLst xmlns:p15="http://schemas.microsoft.com/office/powerpoint/2012/main"/>
+    </p:ext>
+  </p:extLst>
 </p:presentation>
 </file>
 
@@ -1002,7 +1007,7 @@
         <a:p>
           <a:r>
             <a:rPr lang="en-US" sz="1600" dirty="0" smtClean="0"/>
-            <a:t>Images</a:t>
+            <a:t>assets</a:t>
           </a:r>
           <a:endParaRPr lang="en-US" sz="1600" dirty="0"/>
         </a:p>
@@ -1039,7 +1044,7 @@
         <a:p>
           <a:r>
             <a:rPr lang="en-US" sz="1600" dirty="0" smtClean="0"/>
-            <a:t>Components</a:t>
+            <a:t>auth</a:t>
           </a:r>
           <a:endParaRPr lang="en-US" sz="1600" dirty="0"/>
         </a:p>
@@ -1067,7 +1072,7 @@
         </a:p>
       </dgm:t>
     </dgm:pt>
-    <dgm:pt modelId="{74807911-6319-4AC9-B32F-D49645EC4B7B}">
+    <dgm:pt modelId="{820A5344-945A-4506-8DCF-D087DF8C5BA9}">
       <dgm:prSet phldrT="[Text]" custT="1"/>
       <dgm:spPr/>
       <dgm:t>
@@ -1075,14 +1080,14 @@
         <a:lstStyle/>
         <a:p>
           <a:r>
-            <a:rPr lang="en-US" sz="1600" baseline="0" dirty="0" smtClean="0"/>
-            <a:t>AppPage.jsx</a:t>
+            <a:rPr lang="en-US" sz="1600" dirty="0" smtClean="0"/>
+            <a:t>components</a:t>
           </a:r>
-          <a:endParaRPr lang="en-US" sz="1600" baseline="0" dirty="0"/>
+          <a:endParaRPr lang="en-US" sz="1600" dirty="0"/>
         </a:p>
       </dgm:t>
     </dgm:pt>
-    <dgm:pt modelId="{42568ABC-6662-4EA6-8B12-2FB95462BFC5}" type="parTrans" cxnId="{0E3C7BB6-5757-4621-BA25-C47479C0BAE9}">
+    <dgm:pt modelId="{DD6C6DC0-DB60-4A8F-BE99-55C70652C518}" type="parTrans" cxnId="{08D35F44-EEEE-4D8C-B8FF-D3E96155CAC3}">
       <dgm:prSet/>
       <dgm:spPr/>
       <dgm:t>
@@ -1093,7 +1098,7 @@
         </a:p>
       </dgm:t>
     </dgm:pt>
-    <dgm:pt modelId="{2F50AC1E-B7C4-419D-ACE4-134042925034}" type="sibTrans" cxnId="{0E3C7BB6-5757-4621-BA25-C47479C0BAE9}">
+    <dgm:pt modelId="{B812DAA4-F91A-4659-BCEA-8D5F65E93096}" type="sibTrans" cxnId="{08D35F44-EEEE-4D8C-B8FF-D3E96155CAC3}">
       <dgm:prSet/>
       <dgm:spPr/>
       <dgm:t>
@@ -1104,7 +1109,7 @@
         </a:p>
       </dgm:t>
     </dgm:pt>
-    <dgm:pt modelId="{1F7EC729-DCBB-4270-BC50-72A74D131E47}">
+    <dgm:pt modelId="{1322398B-C56B-4B80-856B-9D1D84BD912E}">
       <dgm:prSet phldrT="[Text]" custT="1"/>
       <dgm:spPr/>
       <dgm:t>
@@ -1112,14 +1117,14 @@
         <a:lstStyle/>
         <a:p>
           <a:r>
-            <a:rPr lang="en-US" sz="1600" baseline="0" dirty="0" smtClean="0"/>
-            <a:t>EndPage.jsx</a:t>
+            <a:rPr lang="en-US" sz="1600" dirty="0" smtClean="0"/>
+            <a:t>helpers</a:t>
           </a:r>
-          <a:endParaRPr lang="en-US" sz="1600" baseline="0" dirty="0"/>
+          <a:endParaRPr lang="en-US" sz="1600" dirty="0"/>
         </a:p>
       </dgm:t>
     </dgm:pt>
-    <dgm:pt modelId="{FB1228BC-BEBC-4290-AD37-1D89951445ED}" type="parTrans" cxnId="{4379C880-FD31-4F8E-A0D3-B6F536888900}">
+    <dgm:pt modelId="{E73C7F11-817D-44E9-B453-371AF8DC9ECA}" type="parTrans" cxnId="{68835B76-DED4-44AA-B841-EE78E257C218}">
       <dgm:prSet/>
       <dgm:spPr/>
       <dgm:t>
@@ -1130,7 +1135,7 @@
         </a:p>
       </dgm:t>
     </dgm:pt>
-    <dgm:pt modelId="{5EBAB555-F772-4B50-B897-CEC07E31B465}" type="sibTrans" cxnId="{4379C880-FD31-4F8E-A0D3-B6F536888900}">
+    <dgm:pt modelId="{6A4F160D-1F50-4E68-B1B2-BB1A87F5BAD7}" type="sibTrans" cxnId="{68835B76-DED4-44AA-B841-EE78E257C218}">
       <dgm:prSet/>
       <dgm:spPr/>
       <dgm:t>
@@ -1141,7 +1146,7 @@
         </a:p>
       </dgm:t>
     </dgm:pt>
-    <dgm:pt modelId="{2DDBA43B-2D15-415A-8FA9-11D07302FA19}">
+    <dgm:pt modelId="{D7A049D7-1A80-4AB4-B3ED-DBA76FED7601}">
       <dgm:prSet phldrT="[Text]" custT="1"/>
       <dgm:spPr/>
       <dgm:t>
@@ -1149,14 +1154,14 @@
         <a:lstStyle/>
         <a:p>
           <a:r>
-            <a:rPr lang="en-US" sz="1600" baseline="0" dirty="0" smtClean="0"/>
-            <a:t>LoginPage.jsx</a:t>
+            <a:rPr lang="en-US" sz="1600" dirty="0" smtClean="0"/>
+            <a:t>pages</a:t>
           </a:r>
-          <a:endParaRPr lang="en-US" sz="1600" baseline="0" dirty="0"/>
+          <a:endParaRPr lang="en-US" sz="1600" dirty="0"/>
         </a:p>
       </dgm:t>
     </dgm:pt>
-    <dgm:pt modelId="{86ECC915-E123-4651-8F01-9BA077DBABF8}" type="parTrans" cxnId="{19BFB504-92C5-4A10-91A2-6FFCB70B6C9A}">
+    <dgm:pt modelId="{5033F54B-1DA7-4FCF-9698-98DBE566BAC5}" type="parTrans" cxnId="{A51A6FDA-1446-463D-AA47-919D406CFEE2}">
       <dgm:prSet/>
       <dgm:spPr/>
       <dgm:t>
@@ -1167,7 +1172,7 @@
         </a:p>
       </dgm:t>
     </dgm:pt>
-    <dgm:pt modelId="{E70B43B0-DD0F-4196-BDEE-A2B24BD4E529}" type="sibTrans" cxnId="{19BFB504-92C5-4A10-91A2-6FFCB70B6C9A}">
+    <dgm:pt modelId="{677F0CD2-A21D-4191-A139-B87FE06F642B}" type="sibTrans" cxnId="{A51A6FDA-1446-463D-AA47-919D406CFEE2}">
       <dgm:prSet/>
       <dgm:spPr/>
       <dgm:t>
@@ -1178,7 +1183,7 @@
         </a:p>
       </dgm:t>
     </dgm:pt>
-    <dgm:pt modelId="{FC997524-F6D1-45B9-ADBE-74DB01C11CE0}">
+    <dgm:pt modelId="{732FC4A4-A59E-4E50-8B1A-8FFB385EA9A5}">
       <dgm:prSet phldrT="[Text]" custT="1"/>
       <dgm:spPr/>
       <dgm:t>
@@ -1186,14 +1191,14 @@
         <a:lstStyle/>
         <a:p>
           <a:r>
-            <a:rPr lang="en-US" sz="1600" baseline="0" dirty="0" smtClean="0"/>
-            <a:t>command_components</a:t>
+            <a:rPr lang="en-US" sz="1600" dirty="0" smtClean="0"/>
+            <a:t>socket.io</a:t>
           </a:r>
-          <a:endParaRPr lang="en-US" sz="1600" baseline="0" dirty="0"/>
+          <a:endParaRPr lang="en-US" sz="1600" dirty="0"/>
         </a:p>
       </dgm:t>
     </dgm:pt>
-    <dgm:pt modelId="{5C8D42A9-75FB-4BE8-943B-BD163AE78AAD}" type="parTrans" cxnId="{CCFA4F59-D7E5-491C-AE10-14B0B9ED5C98}">
+    <dgm:pt modelId="{2942B610-A2A7-4B1B-8F9B-074F24F72A29}" type="parTrans" cxnId="{39D22ECC-9857-4DD7-8468-6624DFE7D95A}">
       <dgm:prSet/>
       <dgm:spPr/>
       <dgm:t>
@@ -1204,7 +1209,7 @@
         </a:p>
       </dgm:t>
     </dgm:pt>
-    <dgm:pt modelId="{43A3AD77-A0A0-4836-883B-59DA6DBC204E}" type="sibTrans" cxnId="{CCFA4F59-D7E5-491C-AE10-14B0B9ED5C98}">
+    <dgm:pt modelId="{75BF5880-D000-4952-A629-0518984AE365}" type="sibTrans" cxnId="{39D22ECC-9857-4DD7-8468-6624DFE7D95A}">
       <dgm:prSet/>
       <dgm:spPr/>
       <dgm:t>
@@ -1215,7 +1220,7 @@
         </a:p>
       </dgm:t>
     </dgm:pt>
-    <dgm:pt modelId="{A5C2E024-4E50-467B-906E-CBDAE20E94F5}">
+    <dgm:pt modelId="{416F5D14-6E9B-4169-AC47-12A3089A8D29}">
       <dgm:prSet phldrT="[Text]" custT="1"/>
       <dgm:spPr/>
       <dgm:t>
@@ -1223,14 +1228,14 @@
         <a:lstStyle/>
         <a:p>
           <a:r>
-            <a:rPr lang="en-US" sz="1600" baseline="0" dirty="0" smtClean="0"/>
-            <a:t>CompleteComponent.jsx</a:t>
+            <a:rPr lang="en-US" sz="1600" dirty="0" smtClean="0"/>
+            <a:t>utils</a:t>
           </a:r>
-          <a:endParaRPr lang="en-US" sz="1600" baseline="0" dirty="0"/>
+          <a:endParaRPr lang="en-US" sz="1600" dirty="0"/>
         </a:p>
       </dgm:t>
     </dgm:pt>
-    <dgm:pt modelId="{7E30431A-7150-427E-BC06-9DA78EFE0EE9}" type="parTrans" cxnId="{B9714A0B-5662-4C75-ADF1-DB4587C3A5FC}">
+    <dgm:pt modelId="{CF37D7AA-CC6E-4AAA-83C6-652FF697376D}" type="parTrans" cxnId="{602F32CB-E5E7-416B-AEA2-02176CC31C83}">
       <dgm:prSet/>
       <dgm:spPr/>
       <dgm:t>
@@ -1241,7 +1246,7 @@
         </a:p>
       </dgm:t>
     </dgm:pt>
-    <dgm:pt modelId="{D402938A-5DBA-418D-8392-04FD8BB3A398}" type="sibTrans" cxnId="{B9714A0B-5662-4C75-ADF1-DB4587C3A5FC}">
+    <dgm:pt modelId="{3FE07728-79F2-4B90-9C95-618BD34049D1}" type="sibTrans" cxnId="{602F32CB-E5E7-416B-AEA2-02176CC31C83}">
       <dgm:prSet/>
       <dgm:spPr/>
       <dgm:t>
@@ -1252,7 +1257,7 @@
         </a:p>
       </dgm:t>
     </dgm:pt>
-    <dgm:pt modelId="{78D83C7A-19B0-4654-A846-7A9E23C40A37}">
+    <dgm:pt modelId="{D35AA8C1-507B-4873-822E-2CB188B16A3A}">
       <dgm:prSet phldrT="[Text]" custT="1"/>
       <dgm:spPr/>
       <dgm:t>
@@ -1260,14 +1265,14 @@
         <a:lstStyle/>
         <a:p>
           <a:r>
-            <a:rPr lang="en-US" sz="1600" baseline="0" dirty="0" smtClean="0"/>
-            <a:t>DateComponent.jsx</a:t>
+            <a:rPr lang="en-US" sz="1600" dirty="0" smtClean="0"/>
+            <a:t>AppPage</a:t>
           </a:r>
-          <a:endParaRPr lang="en-US" sz="1600" baseline="0" dirty="0"/>
+          <a:endParaRPr lang="en-US" sz="1600" dirty="0"/>
         </a:p>
       </dgm:t>
     </dgm:pt>
-    <dgm:pt modelId="{7AE6C7CE-3220-4F00-A0D7-E3C429833FF8}" type="parTrans" cxnId="{80158AB6-5869-4C62-9654-E99421A7F45A}">
+    <dgm:pt modelId="{70BEDD04-D561-4A9C-88FD-21E3585B7BBE}" type="parTrans" cxnId="{F19F466E-7C89-40E3-82DC-DF350B7DE1A9}">
       <dgm:prSet/>
       <dgm:spPr/>
       <dgm:t>
@@ -1278,7 +1283,7 @@
         </a:p>
       </dgm:t>
     </dgm:pt>
-    <dgm:pt modelId="{66B77F3C-AD4F-4125-B227-BBF5F93214BF}" type="sibTrans" cxnId="{80158AB6-5869-4C62-9654-E99421A7F45A}">
+    <dgm:pt modelId="{145E6091-9030-4B51-8679-213D11E89675}" type="sibTrans" cxnId="{F19F466E-7C89-40E3-82DC-DF350B7DE1A9}">
       <dgm:prSet/>
       <dgm:spPr/>
       <dgm:t>
@@ -1289,7 +1294,7 @@
         </a:p>
       </dgm:t>
     </dgm:pt>
-    <dgm:pt modelId="{329EC37E-40CC-4C62-9C99-E161BE98A268}">
+    <dgm:pt modelId="{3D2EC017-2C6A-42FC-82D6-D15DE2812237}">
       <dgm:prSet phldrT="[Text]" custT="1"/>
       <dgm:spPr/>
       <dgm:t>
@@ -1297,14 +1302,14 @@
         <a:lstStyle/>
         <a:p>
           <a:r>
-            <a:rPr lang="en-US" sz="1600" baseline="0" dirty="0" smtClean="0"/>
-            <a:t>MapComponent.jsx</a:t>
+            <a:rPr lang="en-US" sz="1600" dirty="0" smtClean="0"/>
+            <a:t>EndPage</a:t>
           </a:r>
-          <a:endParaRPr lang="en-US" sz="1600" baseline="0" dirty="0"/>
+          <a:endParaRPr lang="en-US" sz="1600" dirty="0"/>
         </a:p>
       </dgm:t>
     </dgm:pt>
-    <dgm:pt modelId="{7439A4E4-469D-4770-ACB4-84F657D215B8}" type="parTrans" cxnId="{3C636B02-5AC5-4727-B76E-613176B698DF}">
+    <dgm:pt modelId="{E8E573A6-7DCD-4470-BAFA-8974D900BEEE}" type="parTrans" cxnId="{46A25A55-7D44-45A3-8C51-5665CABFDAD3}">
       <dgm:prSet/>
       <dgm:spPr/>
       <dgm:t>
@@ -1315,7 +1320,7 @@
         </a:p>
       </dgm:t>
     </dgm:pt>
-    <dgm:pt modelId="{5F64EEB8-D729-46D6-9BE5-A95BEED4EC88}" type="sibTrans" cxnId="{3C636B02-5AC5-4727-B76E-613176B698DF}">
+    <dgm:pt modelId="{DFF38C09-E276-423E-B5B6-B6D47FC709F0}" type="sibTrans" cxnId="{46A25A55-7D44-45A3-8C51-5665CABFDAD3}">
       <dgm:prSet/>
       <dgm:spPr/>
       <dgm:t>
@@ -1326,7 +1331,7 @@
         </a:p>
       </dgm:t>
     </dgm:pt>
-    <dgm:pt modelId="{C0F2CC00-A000-4147-9F36-D902E3C60AC6}">
+    <dgm:pt modelId="{62380B5D-4C1E-4FEA-87A2-FB313D5617DC}">
       <dgm:prSet phldrT="[Text]" custT="1"/>
       <dgm:spPr/>
       <dgm:t>
@@ -1334,14 +1339,14 @@
         <a:lstStyle/>
         <a:p>
           <a:r>
-            <a:rPr lang="en-US" sz="1600" baseline="0" dirty="0" smtClean="0"/>
-            <a:t>RateComponent.jsx</a:t>
+            <a:rPr lang="en-US" sz="1600" dirty="0" smtClean="0"/>
+            <a:t>LoginPage</a:t>
           </a:r>
-          <a:endParaRPr lang="en-US" sz="1600" baseline="0" dirty="0"/>
+          <a:endParaRPr lang="en-US" sz="1600" dirty="0"/>
         </a:p>
       </dgm:t>
     </dgm:pt>
-    <dgm:pt modelId="{0737EDFA-71A0-4AA7-9D98-0F5331568123}" type="parTrans" cxnId="{EDB27FAC-549E-4E57-A222-A165A23FE6F5}">
+    <dgm:pt modelId="{4F7EC12D-58B1-4DA0-8941-2E6EE5FA81A0}" type="parTrans" cxnId="{68B3E07F-255C-4FCA-AC0D-19926704C394}">
       <dgm:prSet/>
       <dgm:spPr/>
       <dgm:t>
@@ -1352,44 +1357,7 @@
         </a:p>
       </dgm:t>
     </dgm:pt>
-    <dgm:pt modelId="{D6A83E19-2103-4349-8ED1-0FFA62A0A813}" type="sibTrans" cxnId="{EDB27FAC-549E-4E57-A222-A165A23FE6F5}">
-      <dgm:prSet/>
-      <dgm:spPr/>
-      <dgm:t>
-        <a:bodyPr/>
-        <a:lstStyle/>
-        <a:p>
-          <a:endParaRPr lang="en-US"/>
-        </a:p>
-      </dgm:t>
-    </dgm:pt>
-    <dgm:pt modelId="{37D4D3F0-0F9F-4374-8E83-CFE419BEFD0A}">
-      <dgm:prSet phldrT="[Text]" custT="1"/>
-      <dgm:spPr/>
-      <dgm:t>
-        <a:bodyPr/>
-        <a:lstStyle/>
-        <a:p>
-          <a:r>
-            <a:rPr lang="en-US" sz="1600" baseline="0" dirty="0" smtClean="0"/>
-            <a:t>command_socket.js</a:t>
-          </a:r>
-          <a:endParaRPr lang="en-US" sz="1600" baseline="0" dirty="0"/>
-        </a:p>
-      </dgm:t>
-    </dgm:pt>
-    <dgm:pt modelId="{DE9806F2-E885-4A58-BBF1-0646327B8EAB}" type="parTrans" cxnId="{EC0E403D-234D-44DA-8ADF-7EE5BB5D8F92}">
-      <dgm:prSet/>
-      <dgm:spPr/>
-      <dgm:t>
-        <a:bodyPr/>
-        <a:lstStyle/>
-        <a:p>
-          <a:endParaRPr lang="en-US"/>
-        </a:p>
-      </dgm:t>
-    </dgm:pt>
-    <dgm:pt modelId="{61633D8F-ADDA-4BA9-92FB-71EA79A9C047}" type="sibTrans" cxnId="{EC0E403D-234D-44DA-8ADF-7EE5BB5D8F92}">
+    <dgm:pt modelId="{D918DF3D-340B-4008-81F4-036A6760605D}" type="sibTrans" cxnId="{68B3E07F-255C-4FCA-AC0D-19926704C394}">
       <dgm:prSet/>
       <dgm:spPr/>
       <dgm:t>
@@ -1412,234 +1380,6 @@
         </dgm:presLayoutVars>
       </dgm:prSet>
       <dgm:spPr/>
-    </dgm:pt>
-    <dgm:pt modelId="{F2CAC38A-C759-48A4-9FB0-1E0B3FC3A5EF}" type="pres">
-      <dgm:prSet presAssocID="{04D3410C-BF9F-47BC-A0C2-50FD7716D1CC}" presName="hierRoot1" presStyleCnt="0">
-        <dgm:presLayoutVars>
-          <dgm:hierBranch val="init"/>
-        </dgm:presLayoutVars>
-      </dgm:prSet>
-      <dgm:spPr/>
-    </dgm:pt>
-    <dgm:pt modelId="{48E15447-3E2E-4C01-BFD1-16D9C83E1454}" type="pres">
-      <dgm:prSet presAssocID="{04D3410C-BF9F-47BC-A0C2-50FD7716D1CC}" presName="rootComposite1" presStyleCnt="0"/>
-      <dgm:spPr/>
-    </dgm:pt>
-    <dgm:pt modelId="{01E94C18-8E6A-4DB8-8886-3FC5EB11D649}" type="pres">
-      <dgm:prSet presAssocID="{04D3410C-BF9F-47BC-A0C2-50FD7716D1CC}" presName="rootText1" presStyleLbl="node0" presStyleIdx="0" presStyleCnt="1">
-        <dgm:presLayoutVars>
-          <dgm:chPref val="3"/>
-        </dgm:presLayoutVars>
-      </dgm:prSet>
-      <dgm:spPr/>
-    </dgm:pt>
-    <dgm:pt modelId="{876E0281-E940-4803-9C21-FEC5F38DE21F}" type="pres">
-      <dgm:prSet presAssocID="{04D3410C-BF9F-47BC-A0C2-50FD7716D1CC}" presName="rootConnector1" presStyleLbl="node1" presStyleIdx="0" presStyleCnt="0"/>
-      <dgm:spPr/>
-    </dgm:pt>
-    <dgm:pt modelId="{64D5328D-4A33-4248-B87C-979DF934FB89}" type="pres">
-      <dgm:prSet presAssocID="{04D3410C-BF9F-47BC-A0C2-50FD7716D1CC}" presName="hierChild2" presStyleCnt="0"/>
-      <dgm:spPr/>
-    </dgm:pt>
-    <dgm:pt modelId="{3936AD59-22EF-48E1-9CCA-AE3DFF7DBF67}" type="pres">
-      <dgm:prSet presAssocID="{76D28552-E73F-4BF2-9784-A1FE76787246}" presName="Name37" presStyleLbl="parChTrans1D2" presStyleIdx="0" presStyleCnt="4"/>
-      <dgm:spPr/>
-    </dgm:pt>
-    <dgm:pt modelId="{EB03AB12-98CE-40CE-8219-477F13537372}" type="pres">
-      <dgm:prSet presAssocID="{B1538848-D4E9-4593-ABF5-D1C7B238EB9F}" presName="hierRoot2" presStyleCnt="0">
-        <dgm:presLayoutVars>
-          <dgm:hierBranch val="init"/>
-        </dgm:presLayoutVars>
-      </dgm:prSet>
-      <dgm:spPr/>
-    </dgm:pt>
-    <dgm:pt modelId="{BCD8C362-033F-49D5-8EDF-46732C710C16}" type="pres">
-      <dgm:prSet presAssocID="{B1538848-D4E9-4593-ABF5-D1C7B238EB9F}" presName="rootComposite" presStyleCnt="0"/>
-      <dgm:spPr/>
-    </dgm:pt>
-    <dgm:pt modelId="{2DEEA8C2-AABE-4A2D-A408-5AB2C6439BFC}" type="pres">
-      <dgm:prSet presAssocID="{B1538848-D4E9-4593-ABF5-D1C7B238EB9F}" presName="rootText" presStyleLbl="node2" presStyleIdx="0" presStyleCnt="4">
-        <dgm:presLayoutVars>
-          <dgm:chPref val="3"/>
-        </dgm:presLayoutVars>
-      </dgm:prSet>
-      <dgm:spPr/>
-    </dgm:pt>
-    <dgm:pt modelId="{1039F6A8-F34E-4A8A-B773-E49CC2D56F99}" type="pres">
-      <dgm:prSet presAssocID="{B1538848-D4E9-4593-ABF5-D1C7B238EB9F}" presName="rootConnector" presStyleLbl="node2" presStyleIdx="0" presStyleCnt="4"/>
-      <dgm:spPr/>
-    </dgm:pt>
-    <dgm:pt modelId="{15DE2BE3-7E75-4A3D-9BB0-E4E4C4E5255D}" type="pres">
-      <dgm:prSet presAssocID="{B1538848-D4E9-4593-ABF5-D1C7B238EB9F}" presName="hierChild4" presStyleCnt="0"/>
-      <dgm:spPr/>
-    </dgm:pt>
-    <dgm:pt modelId="{A1BC32F3-59C6-4E12-AB92-DC6353A0868D}" type="pres">
-      <dgm:prSet presAssocID="{B1538848-D4E9-4593-ABF5-D1C7B238EB9F}" presName="hierChild5" presStyleCnt="0"/>
-      <dgm:spPr/>
-    </dgm:pt>
-    <dgm:pt modelId="{F7C8F6DF-F708-4DF4-925A-03C362047FC2}" type="pres">
-      <dgm:prSet presAssocID="{6FA39A56-614D-40CE-A1B6-CCE7028C3E98}" presName="Name37" presStyleLbl="parChTrans1D2" presStyleIdx="1" presStyleCnt="4"/>
-      <dgm:spPr/>
-    </dgm:pt>
-    <dgm:pt modelId="{332632D0-1C27-4AB3-8F2B-71593AB9B2C4}" type="pres">
-      <dgm:prSet presAssocID="{CE40DEAC-FE4D-49FC-B78E-7685A69FC968}" presName="hierRoot2" presStyleCnt="0">
-        <dgm:presLayoutVars>
-          <dgm:hierBranch val="init"/>
-        </dgm:presLayoutVars>
-      </dgm:prSet>
-      <dgm:spPr/>
-    </dgm:pt>
-    <dgm:pt modelId="{2E33352E-2659-4CE8-AF99-C5978D4A6C8C}" type="pres">
-      <dgm:prSet presAssocID="{CE40DEAC-FE4D-49FC-B78E-7685A69FC968}" presName="rootComposite" presStyleCnt="0"/>
-      <dgm:spPr/>
-    </dgm:pt>
-    <dgm:pt modelId="{FA87C916-0CC1-414F-8E55-C72893B39D22}" type="pres">
-      <dgm:prSet presAssocID="{CE40DEAC-FE4D-49FC-B78E-7685A69FC968}" presName="rootText" presStyleLbl="node2" presStyleIdx="1" presStyleCnt="4">
-        <dgm:presLayoutVars>
-          <dgm:chPref val="3"/>
-        </dgm:presLayoutVars>
-      </dgm:prSet>
-      <dgm:spPr/>
-    </dgm:pt>
-    <dgm:pt modelId="{D5EDAC7C-D53B-4653-B850-92AD5DA8ABDF}" type="pres">
-      <dgm:prSet presAssocID="{CE40DEAC-FE4D-49FC-B78E-7685A69FC968}" presName="rootConnector" presStyleLbl="node2" presStyleIdx="1" presStyleCnt="4"/>
-      <dgm:spPr/>
-    </dgm:pt>
-    <dgm:pt modelId="{D78D4777-F6E0-4AC0-A374-A2196FF513B9}" type="pres">
-      <dgm:prSet presAssocID="{CE40DEAC-FE4D-49FC-B78E-7685A69FC968}" presName="hierChild4" presStyleCnt="0"/>
-      <dgm:spPr/>
-    </dgm:pt>
-    <dgm:pt modelId="{FFADCB60-59DF-4D2E-9D3C-B2AE8EB1CEF6}" type="pres">
-      <dgm:prSet presAssocID="{CE40DEAC-FE4D-49FC-B78E-7685A69FC968}" presName="hierChild5" presStyleCnt="0"/>
-      <dgm:spPr/>
-    </dgm:pt>
-    <dgm:pt modelId="{88A1D685-7B0C-4E71-843E-A4B5B82F522A}" type="pres">
-      <dgm:prSet presAssocID="{51175F27-C904-4E3F-A1CC-1BD37597E361}" presName="Name37" presStyleLbl="parChTrans1D2" presStyleIdx="2" presStyleCnt="4"/>
-      <dgm:spPr/>
-    </dgm:pt>
-    <dgm:pt modelId="{5B7D6E45-F4C8-4598-AA27-3F76961E3876}" type="pres">
-      <dgm:prSet presAssocID="{9C8AE78A-099D-493C-BDF2-4A8621511F91}" presName="hierRoot2" presStyleCnt="0">
-        <dgm:presLayoutVars>
-          <dgm:hierBranch val="init"/>
-        </dgm:presLayoutVars>
-      </dgm:prSet>
-      <dgm:spPr/>
-    </dgm:pt>
-    <dgm:pt modelId="{D7DF65D7-B37B-44A2-AD7B-4E55BFDB034E}" type="pres">
-      <dgm:prSet presAssocID="{9C8AE78A-099D-493C-BDF2-4A8621511F91}" presName="rootComposite" presStyleCnt="0"/>
-      <dgm:spPr/>
-    </dgm:pt>
-    <dgm:pt modelId="{EB18FACC-C862-4E04-B5BE-B088B959A098}" type="pres">
-      <dgm:prSet presAssocID="{9C8AE78A-099D-493C-BDF2-4A8621511F91}" presName="rootText" presStyleLbl="node2" presStyleIdx="2" presStyleCnt="4">
-        <dgm:presLayoutVars>
-          <dgm:chPref val="3"/>
-        </dgm:presLayoutVars>
-      </dgm:prSet>
-      <dgm:spPr/>
-    </dgm:pt>
-    <dgm:pt modelId="{B1E59E9F-AE07-49A0-916B-1B577317F7C8}" type="pres">
-      <dgm:prSet presAssocID="{9C8AE78A-099D-493C-BDF2-4A8621511F91}" presName="rootConnector" presStyleLbl="node2" presStyleIdx="2" presStyleCnt="4"/>
-      <dgm:spPr/>
-    </dgm:pt>
-    <dgm:pt modelId="{EAC3C356-43E1-4D91-8565-69D6DB0EB9B6}" type="pres">
-      <dgm:prSet presAssocID="{9C8AE78A-099D-493C-BDF2-4A8621511F91}" presName="hierChild4" presStyleCnt="0"/>
-      <dgm:spPr/>
-    </dgm:pt>
-    <dgm:pt modelId="{960A94FD-737C-496E-AC24-FEEA231F4442}" type="pres">
-      <dgm:prSet presAssocID="{9C8AE78A-099D-493C-BDF2-4A8621511F91}" presName="hierChild5" presStyleCnt="0"/>
-      <dgm:spPr/>
-    </dgm:pt>
-    <dgm:pt modelId="{1FA64379-D753-4737-9942-A7688B88D208}" type="pres">
-      <dgm:prSet presAssocID="{B41E4082-C60B-41E0-B867-265537A9C8E6}" presName="Name37" presStyleLbl="parChTrans1D2" presStyleIdx="3" presStyleCnt="4"/>
-      <dgm:spPr/>
-    </dgm:pt>
-    <dgm:pt modelId="{CDED78F3-16D9-4057-ADD8-32AE7B91AC90}" type="pres">
-      <dgm:prSet presAssocID="{B9BC5233-8B2F-4699-889D-C5EAF695ED84}" presName="hierRoot2" presStyleCnt="0">
-        <dgm:presLayoutVars>
-          <dgm:hierBranch val="init"/>
-        </dgm:presLayoutVars>
-      </dgm:prSet>
-      <dgm:spPr/>
-    </dgm:pt>
-    <dgm:pt modelId="{12394770-9A55-4E33-B2B1-6C3C539AD583}" type="pres">
-      <dgm:prSet presAssocID="{B9BC5233-8B2F-4699-889D-C5EAF695ED84}" presName="rootComposite" presStyleCnt="0"/>
-      <dgm:spPr/>
-    </dgm:pt>
-    <dgm:pt modelId="{CA36E5F1-7A30-421F-A31E-2C9E12BBF60E}" type="pres">
-      <dgm:prSet presAssocID="{B9BC5233-8B2F-4699-889D-C5EAF695ED84}" presName="rootText" presStyleLbl="node2" presStyleIdx="3" presStyleCnt="4" custScaleX="143316">
-        <dgm:presLayoutVars>
-          <dgm:chPref val="3"/>
-        </dgm:presLayoutVars>
-      </dgm:prSet>
-      <dgm:spPr/>
-    </dgm:pt>
-    <dgm:pt modelId="{E0F10D8B-CEF6-4F68-B9E6-192B9CD9019B}" type="pres">
-      <dgm:prSet presAssocID="{B9BC5233-8B2F-4699-889D-C5EAF695ED84}" presName="rootConnector" presStyleLbl="node2" presStyleIdx="3" presStyleCnt="4"/>
-      <dgm:spPr/>
-    </dgm:pt>
-    <dgm:pt modelId="{0AAD6D41-3B8C-41AC-9C96-AF763C29994C}" type="pres">
-      <dgm:prSet presAssocID="{B9BC5233-8B2F-4699-889D-C5EAF695ED84}" presName="hierChild4" presStyleCnt="0"/>
-      <dgm:spPr/>
-    </dgm:pt>
-    <dgm:pt modelId="{CBBAE366-6B86-4A52-AE41-06D091AEA270}" type="pres">
-      <dgm:prSet presAssocID="{86ECC915-E123-4651-8F01-9BA077DBABF8}" presName="Name37" presStyleLbl="parChTrans1D3" presStyleIdx="0" presStyleCnt="4"/>
-      <dgm:spPr/>
-    </dgm:pt>
-    <dgm:pt modelId="{82489E95-A747-4E74-9018-B926A8C2E827}" type="pres">
-      <dgm:prSet presAssocID="{2DDBA43B-2D15-415A-8FA9-11D07302FA19}" presName="hierRoot2" presStyleCnt="0">
-        <dgm:presLayoutVars>
-          <dgm:hierBranch val="init"/>
-        </dgm:presLayoutVars>
-      </dgm:prSet>
-      <dgm:spPr/>
-    </dgm:pt>
-    <dgm:pt modelId="{F6CE4022-2FF0-4368-B33C-9C8CAAFB7691}" type="pres">
-      <dgm:prSet presAssocID="{2DDBA43B-2D15-415A-8FA9-11D07302FA19}" presName="rootComposite" presStyleCnt="0"/>
-      <dgm:spPr/>
-    </dgm:pt>
-    <dgm:pt modelId="{24B878FF-06A4-4898-8D7A-CD5C812F8EC8}" type="pres">
-      <dgm:prSet presAssocID="{2DDBA43B-2D15-415A-8FA9-11D07302FA19}" presName="rootText" presStyleLbl="node3" presStyleIdx="0" presStyleCnt="4" custScaleX="219547">
-        <dgm:presLayoutVars>
-          <dgm:chPref val="3"/>
-        </dgm:presLayoutVars>
-      </dgm:prSet>
-      <dgm:spPr/>
-    </dgm:pt>
-    <dgm:pt modelId="{6F3785A1-2CBB-4BC7-82E4-7727C75FE890}" type="pres">
-      <dgm:prSet presAssocID="{2DDBA43B-2D15-415A-8FA9-11D07302FA19}" presName="rootConnector" presStyleLbl="node3" presStyleIdx="0" presStyleCnt="4"/>
-      <dgm:spPr/>
-    </dgm:pt>
-    <dgm:pt modelId="{6D78D300-98EF-4B8A-B374-9B225BF97B02}" type="pres">
-      <dgm:prSet presAssocID="{2DDBA43B-2D15-415A-8FA9-11D07302FA19}" presName="hierChild4" presStyleCnt="0"/>
-      <dgm:spPr/>
-    </dgm:pt>
-    <dgm:pt modelId="{FF6FEF03-B2B7-484A-B5B3-19B9781CABAA}" type="pres">
-      <dgm:prSet presAssocID="{2DDBA43B-2D15-415A-8FA9-11D07302FA19}" presName="hierChild5" presStyleCnt="0"/>
-      <dgm:spPr/>
-    </dgm:pt>
-    <dgm:pt modelId="{3E1AF988-A728-45AE-8E46-8B037389EC07}" type="pres">
-      <dgm:prSet presAssocID="{42568ABC-6662-4EA6-8B12-2FB95462BFC5}" presName="Name37" presStyleLbl="parChTrans1D3" presStyleIdx="1" presStyleCnt="4"/>
-      <dgm:spPr/>
-    </dgm:pt>
-    <dgm:pt modelId="{7AC6C3D8-C2D1-4D5A-8A93-733A00E0D930}" type="pres">
-      <dgm:prSet presAssocID="{74807911-6319-4AC9-B32F-D49645EC4B7B}" presName="hierRoot2" presStyleCnt="0">
-        <dgm:presLayoutVars>
-          <dgm:hierBranch val="init"/>
-        </dgm:presLayoutVars>
-      </dgm:prSet>
-      <dgm:spPr/>
-    </dgm:pt>
-    <dgm:pt modelId="{9378F2DE-9CD8-4451-AF18-8CCDD844ABBC}" type="pres">
-      <dgm:prSet presAssocID="{74807911-6319-4AC9-B32F-D49645EC4B7B}" presName="rootComposite" presStyleCnt="0"/>
-      <dgm:spPr/>
-    </dgm:pt>
-    <dgm:pt modelId="{54978E7B-A547-4CC2-8F72-311820A74969}" type="pres">
-      <dgm:prSet presAssocID="{74807911-6319-4AC9-B32F-D49645EC4B7B}" presName="rootText" presStyleLbl="node3" presStyleIdx="1" presStyleCnt="4" custScaleX="122494">
-        <dgm:presLayoutVars>
-          <dgm:chPref val="3"/>
-        </dgm:presLayoutVars>
-      </dgm:prSet>
-      <dgm:spPr/>
       <dgm:t>
         <a:bodyPr/>
         <a:lstStyle/>
@@ -1648,72 +1388,20 @@
         </a:p>
       </dgm:t>
     </dgm:pt>
-    <dgm:pt modelId="{5AC085FA-BDF9-4654-96B4-CB60B57DFB08}" type="pres">
-      <dgm:prSet presAssocID="{74807911-6319-4AC9-B32F-D49645EC4B7B}" presName="rootConnector" presStyleLbl="node3" presStyleIdx="1" presStyleCnt="4"/>
-      <dgm:spPr/>
-    </dgm:pt>
-    <dgm:pt modelId="{FA3E07DC-0517-4466-B6B8-B65058007BE8}" type="pres">
-      <dgm:prSet presAssocID="{74807911-6319-4AC9-B32F-D49645EC4B7B}" presName="hierChild4" presStyleCnt="0"/>
-      <dgm:spPr/>
-    </dgm:pt>
-    <dgm:pt modelId="{532F6B91-B27C-4D48-B704-EE55DB1F4B9A}" type="pres">
-      <dgm:prSet presAssocID="{74807911-6319-4AC9-B32F-D49645EC4B7B}" presName="hierChild5" presStyleCnt="0"/>
-      <dgm:spPr/>
-    </dgm:pt>
-    <dgm:pt modelId="{0213A523-DBE5-4D49-897B-0EAA321B8C00}" type="pres">
-      <dgm:prSet presAssocID="{FB1228BC-BEBC-4290-AD37-1D89951445ED}" presName="Name37" presStyleLbl="parChTrans1D3" presStyleIdx="2" presStyleCnt="4"/>
-      <dgm:spPr/>
-    </dgm:pt>
-    <dgm:pt modelId="{0BD4AAED-49EE-4CC3-8BC1-7814C99EA344}" type="pres">
-      <dgm:prSet presAssocID="{1F7EC729-DCBB-4270-BC50-72A74D131E47}" presName="hierRoot2" presStyleCnt="0">
+    <dgm:pt modelId="{F2CAC38A-C759-48A4-9FB0-1E0B3FC3A5EF}" type="pres">
+      <dgm:prSet presAssocID="{04D3410C-BF9F-47BC-A0C2-50FD7716D1CC}" presName="hierRoot1" presStyleCnt="0">
         <dgm:presLayoutVars>
           <dgm:hierBranch val="init"/>
         </dgm:presLayoutVars>
       </dgm:prSet>
       <dgm:spPr/>
     </dgm:pt>
-    <dgm:pt modelId="{F8641EAD-2C61-4659-B1F9-6BFF41A15ADC}" type="pres">
-      <dgm:prSet presAssocID="{1F7EC729-DCBB-4270-BC50-72A74D131E47}" presName="rootComposite" presStyleCnt="0"/>
-      <dgm:spPr/>
-    </dgm:pt>
-    <dgm:pt modelId="{811234D6-6D00-416A-B15E-7DDC9CAFBCEC}" type="pres">
-      <dgm:prSet presAssocID="{1F7EC729-DCBB-4270-BC50-72A74D131E47}" presName="rootText" presStyleLbl="node3" presStyleIdx="2" presStyleCnt="4" custScaleX="152130">
-        <dgm:presLayoutVars>
-          <dgm:chPref val="3"/>
-        </dgm:presLayoutVars>
-      </dgm:prSet>
-      <dgm:spPr/>
-    </dgm:pt>
-    <dgm:pt modelId="{DC694DA9-E3C5-4BB3-820A-C6747B925F78}" type="pres">
-      <dgm:prSet presAssocID="{1F7EC729-DCBB-4270-BC50-72A74D131E47}" presName="rootConnector" presStyleLbl="node3" presStyleIdx="2" presStyleCnt="4"/>
-      <dgm:spPr/>
-    </dgm:pt>
-    <dgm:pt modelId="{E6F6FB57-E036-4C0B-9354-16AB731D7A68}" type="pres">
-      <dgm:prSet presAssocID="{1F7EC729-DCBB-4270-BC50-72A74D131E47}" presName="hierChild4" presStyleCnt="0"/>
-      <dgm:spPr/>
-    </dgm:pt>
-    <dgm:pt modelId="{3E10A73B-D283-418B-A377-EEB77B906173}" type="pres">
-      <dgm:prSet presAssocID="{1F7EC729-DCBB-4270-BC50-72A74D131E47}" presName="hierChild5" presStyleCnt="0"/>
-      <dgm:spPr/>
-    </dgm:pt>
-    <dgm:pt modelId="{82CE0FD8-27AA-4E17-AE6C-23DEB95D897C}" type="pres">
-      <dgm:prSet presAssocID="{5C8D42A9-75FB-4BE8-943B-BD163AE78AAD}" presName="Name37" presStyleLbl="parChTrans1D3" presStyleIdx="3" presStyleCnt="4"/>
-      <dgm:spPr/>
-    </dgm:pt>
-    <dgm:pt modelId="{890E8A4A-9C25-4005-8163-7CFF38CBFD20}" type="pres">
-      <dgm:prSet presAssocID="{FC997524-F6D1-45B9-ADBE-74DB01C11CE0}" presName="hierRoot2" presStyleCnt="0">
-        <dgm:presLayoutVars>
-          <dgm:hierBranch val="init"/>
-        </dgm:presLayoutVars>
-      </dgm:prSet>
-      <dgm:spPr/>
-    </dgm:pt>
-    <dgm:pt modelId="{1A9D4FB6-8CBA-46FE-B5A5-C7E510FCF78F}" type="pres">
-      <dgm:prSet presAssocID="{FC997524-F6D1-45B9-ADBE-74DB01C11CE0}" presName="rootComposite" presStyleCnt="0"/>
-      <dgm:spPr/>
-    </dgm:pt>
-    <dgm:pt modelId="{A7C6F29D-BE36-4BAC-AEE0-F416F3A8D342}" type="pres">
-      <dgm:prSet presAssocID="{FC997524-F6D1-45B9-ADBE-74DB01C11CE0}" presName="rootText" presStyleLbl="node3" presStyleIdx="3" presStyleCnt="4" custScaleX="195567">
+    <dgm:pt modelId="{48E15447-3E2E-4C01-BFD1-16D9C83E1454}" type="pres">
+      <dgm:prSet presAssocID="{04D3410C-BF9F-47BC-A0C2-50FD7716D1CC}" presName="rootComposite1" presStyleCnt="0"/>
+      <dgm:spPr/>
+    </dgm:pt>
+    <dgm:pt modelId="{01E94C18-8E6A-4DB8-8886-3FC5EB11D649}" type="pres">
+      <dgm:prSet presAssocID="{04D3410C-BF9F-47BC-A0C2-50FD7716D1CC}" presName="rootText1" presStyleLbl="node0" presStyleIdx="0" presStyleCnt="1">
         <dgm:presLayoutVars>
           <dgm:chPref val="3"/>
         </dgm:presLayoutVars>
@@ -1727,36 +1415,8 @@
         </a:p>
       </dgm:t>
     </dgm:pt>
-    <dgm:pt modelId="{9FDE4E52-1BF3-434B-A649-557EEE2EA29B}" type="pres">
-      <dgm:prSet presAssocID="{FC997524-F6D1-45B9-ADBE-74DB01C11CE0}" presName="rootConnector" presStyleLbl="node3" presStyleIdx="3" presStyleCnt="4"/>
-      <dgm:spPr/>
-    </dgm:pt>
-    <dgm:pt modelId="{B44FDD72-F8CD-45DB-BDE4-CAD386E474A3}" type="pres">
-      <dgm:prSet presAssocID="{FC997524-F6D1-45B9-ADBE-74DB01C11CE0}" presName="hierChild4" presStyleCnt="0"/>
-      <dgm:spPr/>
-    </dgm:pt>
-    <dgm:pt modelId="{A25A9CAC-809B-4910-88B1-C25C24422B71}" type="pres">
-      <dgm:prSet presAssocID="{7E30431A-7150-427E-BC06-9DA78EFE0EE9}" presName="Name37" presStyleLbl="parChTrans1D4" presStyleIdx="0" presStyleCnt="5"/>
-      <dgm:spPr/>
-    </dgm:pt>
-    <dgm:pt modelId="{61C4F9DA-DD67-43FE-9F97-C155D373CBD3}" type="pres">
-      <dgm:prSet presAssocID="{A5C2E024-4E50-467B-906E-CBDAE20E94F5}" presName="hierRoot2" presStyleCnt="0">
-        <dgm:presLayoutVars>
-          <dgm:hierBranch val="init"/>
-        </dgm:presLayoutVars>
-      </dgm:prSet>
-      <dgm:spPr/>
-    </dgm:pt>
-    <dgm:pt modelId="{2011CE91-BD01-49D9-93B5-E39338594EA7}" type="pres">
-      <dgm:prSet presAssocID="{A5C2E024-4E50-467B-906E-CBDAE20E94F5}" presName="rootComposite" presStyleCnt="0"/>
-      <dgm:spPr/>
-    </dgm:pt>
-    <dgm:pt modelId="{2A8AE9FE-1C38-4CFF-9FDB-782F7CC5D64F}" type="pres">
-      <dgm:prSet presAssocID="{A5C2E024-4E50-467B-906E-CBDAE20E94F5}" presName="rootText" presStyleLbl="node4" presStyleIdx="0" presStyleCnt="5" custScaleX="274473">
-        <dgm:presLayoutVars>
-          <dgm:chPref val="3"/>
-        </dgm:presLayoutVars>
-      </dgm:prSet>
+    <dgm:pt modelId="{876E0281-E940-4803-9C21-FEC5F38DE21F}" type="pres">
+      <dgm:prSet presAssocID="{04D3410C-BF9F-47BC-A0C2-50FD7716D1CC}" presName="rootConnector1" presStyleLbl="node1" presStyleIdx="0" presStyleCnt="0"/>
       <dgm:spPr/>
       <dgm:t>
         <a:bodyPr/>
@@ -1766,148 +1426,12 @@
         </a:p>
       </dgm:t>
     </dgm:pt>
-    <dgm:pt modelId="{4BD48BBC-2587-41E3-BF29-47513F458CFB}" type="pres">
-      <dgm:prSet presAssocID="{A5C2E024-4E50-467B-906E-CBDAE20E94F5}" presName="rootConnector" presStyleLbl="node4" presStyleIdx="0" presStyleCnt="5"/>
-      <dgm:spPr/>
-    </dgm:pt>
-    <dgm:pt modelId="{A598B602-098A-4172-9584-2E27FDFBC279}" type="pres">
-      <dgm:prSet presAssocID="{A5C2E024-4E50-467B-906E-CBDAE20E94F5}" presName="hierChild4" presStyleCnt="0"/>
-      <dgm:spPr/>
-    </dgm:pt>
-    <dgm:pt modelId="{45B7FB1E-CC1C-4C6A-9BE0-85AA81542B17}" type="pres">
-      <dgm:prSet presAssocID="{A5C2E024-4E50-467B-906E-CBDAE20E94F5}" presName="hierChild5" presStyleCnt="0"/>
-      <dgm:spPr/>
-    </dgm:pt>
-    <dgm:pt modelId="{70243543-4008-46D3-866A-2DC5464600C3}" type="pres">
-      <dgm:prSet presAssocID="{7AE6C7CE-3220-4F00-A0D7-E3C429833FF8}" presName="Name37" presStyleLbl="parChTrans1D4" presStyleIdx="1" presStyleCnt="5"/>
-      <dgm:spPr/>
-    </dgm:pt>
-    <dgm:pt modelId="{1922CC25-A057-4D0A-AFC2-89B486213592}" type="pres">
-      <dgm:prSet presAssocID="{78D83C7A-19B0-4654-A846-7A9E23C40A37}" presName="hierRoot2" presStyleCnt="0">
-        <dgm:presLayoutVars>
-          <dgm:hierBranch val="init"/>
-        </dgm:presLayoutVars>
-      </dgm:prSet>
-      <dgm:spPr/>
-    </dgm:pt>
-    <dgm:pt modelId="{2A8E70C6-5957-4450-A8B3-F39F4B251098}" type="pres">
-      <dgm:prSet presAssocID="{78D83C7A-19B0-4654-A846-7A9E23C40A37}" presName="rootComposite" presStyleCnt="0"/>
-      <dgm:spPr/>
-    </dgm:pt>
-    <dgm:pt modelId="{D807AF80-1EDE-4A80-8A09-2CD0A20A38C6}" type="pres">
-      <dgm:prSet presAssocID="{78D83C7A-19B0-4654-A846-7A9E23C40A37}" presName="rootText" presStyleLbl="node4" presStyleIdx="1" presStyleCnt="5" custScaleX="274638">
-        <dgm:presLayoutVars>
-          <dgm:chPref val="3"/>
-        </dgm:presLayoutVars>
-      </dgm:prSet>
-      <dgm:spPr/>
-    </dgm:pt>
-    <dgm:pt modelId="{D80D98EB-65F6-4E2C-9C3B-9F54CBC882DF}" type="pres">
-      <dgm:prSet presAssocID="{78D83C7A-19B0-4654-A846-7A9E23C40A37}" presName="rootConnector" presStyleLbl="node4" presStyleIdx="1" presStyleCnt="5"/>
-      <dgm:spPr/>
-    </dgm:pt>
-    <dgm:pt modelId="{B1F59FA6-F28D-4E60-8F03-913A27EDC91E}" type="pres">
-      <dgm:prSet presAssocID="{78D83C7A-19B0-4654-A846-7A9E23C40A37}" presName="hierChild4" presStyleCnt="0"/>
-      <dgm:spPr/>
-    </dgm:pt>
-    <dgm:pt modelId="{A9335657-1D2A-4F81-B07E-10C01486AE7A}" type="pres">
-      <dgm:prSet presAssocID="{78D83C7A-19B0-4654-A846-7A9E23C40A37}" presName="hierChild5" presStyleCnt="0"/>
-      <dgm:spPr/>
-    </dgm:pt>
-    <dgm:pt modelId="{D4F46E87-6B0E-4067-B0E4-7CCF6DF38FA3}" type="pres">
-      <dgm:prSet presAssocID="{7439A4E4-469D-4770-ACB4-84F657D215B8}" presName="Name37" presStyleLbl="parChTrans1D4" presStyleIdx="2" presStyleCnt="5"/>
-      <dgm:spPr/>
-    </dgm:pt>
-    <dgm:pt modelId="{0376EC91-B026-4702-9B9B-330EA037B671}" type="pres">
-      <dgm:prSet presAssocID="{329EC37E-40CC-4C62-9C99-E161BE98A268}" presName="hierRoot2" presStyleCnt="0">
-        <dgm:presLayoutVars>
-          <dgm:hierBranch val="init"/>
-        </dgm:presLayoutVars>
-      </dgm:prSet>
-      <dgm:spPr/>
-    </dgm:pt>
-    <dgm:pt modelId="{A1CF3E04-B79B-46BE-AC6A-1D844F9EAEB4}" type="pres">
-      <dgm:prSet presAssocID="{329EC37E-40CC-4C62-9C99-E161BE98A268}" presName="rootComposite" presStyleCnt="0"/>
-      <dgm:spPr/>
-    </dgm:pt>
-    <dgm:pt modelId="{F5061BA5-6168-4A5B-A863-3B757437E7E4}" type="pres">
-      <dgm:prSet presAssocID="{329EC37E-40CC-4C62-9C99-E161BE98A268}" presName="rootText" presStyleLbl="node4" presStyleIdx="2" presStyleCnt="5" custScaleX="277348">
-        <dgm:presLayoutVars>
-          <dgm:chPref val="3"/>
-        </dgm:presLayoutVars>
-      </dgm:prSet>
-      <dgm:spPr/>
-    </dgm:pt>
-    <dgm:pt modelId="{72D68093-444F-46FB-97BE-2238EFF7535D}" type="pres">
-      <dgm:prSet presAssocID="{329EC37E-40CC-4C62-9C99-E161BE98A268}" presName="rootConnector" presStyleLbl="node4" presStyleIdx="2" presStyleCnt="5"/>
-      <dgm:spPr/>
-    </dgm:pt>
-    <dgm:pt modelId="{7AB3E5C7-BA90-45AF-A54E-C150A3F8B5C0}" type="pres">
-      <dgm:prSet presAssocID="{329EC37E-40CC-4C62-9C99-E161BE98A268}" presName="hierChild4" presStyleCnt="0"/>
-      <dgm:spPr/>
-    </dgm:pt>
-    <dgm:pt modelId="{82464122-7BC1-4CC6-8DF4-69497BDB2ADF}" type="pres">
-      <dgm:prSet presAssocID="{329EC37E-40CC-4C62-9C99-E161BE98A268}" presName="hierChild5" presStyleCnt="0"/>
-      <dgm:spPr/>
-    </dgm:pt>
-    <dgm:pt modelId="{33A5EB87-1B28-48FD-9C37-E338CFD8EF53}" type="pres">
-      <dgm:prSet presAssocID="{0737EDFA-71A0-4AA7-9D98-0F5331568123}" presName="Name37" presStyleLbl="parChTrans1D4" presStyleIdx="3" presStyleCnt="5"/>
-      <dgm:spPr/>
-    </dgm:pt>
-    <dgm:pt modelId="{C0E959F7-0EB8-4EF8-B89A-F5F4629CA3D0}" type="pres">
-      <dgm:prSet presAssocID="{C0F2CC00-A000-4147-9F36-D902E3C60AC6}" presName="hierRoot2" presStyleCnt="0">
-        <dgm:presLayoutVars>
-          <dgm:hierBranch val="init"/>
-        </dgm:presLayoutVars>
-      </dgm:prSet>
-      <dgm:spPr/>
-    </dgm:pt>
-    <dgm:pt modelId="{43148C3E-E524-4ACA-8774-E27603381E06}" type="pres">
-      <dgm:prSet presAssocID="{C0F2CC00-A000-4147-9F36-D902E3C60AC6}" presName="rootComposite" presStyleCnt="0"/>
-      <dgm:spPr/>
-    </dgm:pt>
-    <dgm:pt modelId="{2337CCE7-7254-4C76-B962-5FBBD0506301}" type="pres">
-      <dgm:prSet presAssocID="{C0F2CC00-A000-4147-9F36-D902E3C60AC6}" presName="rootText" presStyleLbl="node4" presStyleIdx="3" presStyleCnt="5" custScaleX="279596">
-        <dgm:presLayoutVars>
-          <dgm:chPref val="3"/>
-        </dgm:presLayoutVars>
-      </dgm:prSet>
-      <dgm:spPr/>
-    </dgm:pt>
-    <dgm:pt modelId="{5184EB54-4ED0-4C9C-9AA8-FE665D0E1186}" type="pres">
-      <dgm:prSet presAssocID="{C0F2CC00-A000-4147-9F36-D902E3C60AC6}" presName="rootConnector" presStyleLbl="node4" presStyleIdx="3" presStyleCnt="5"/>
-      <dgm:spPr/>
-    </dgm:pt>
-    <dgm:pt modelId="{7A0167B9-73D3-4AB8-8853-7B62509EF5E3}" type="pres">
-      <dgm:prSet presAssocID="{C0F2CC00-A000-4147-9F36-D902E3C60AC6}" presName="hierChild4" presStyleCnt="0"/>
-      <dgm:spPr/>
-    </dgm:pt>
-    <dgm:pt modelId="{07B734A0-1BD7-46B4-8311-B6D9FCE1799B}" type="pres">
-      <dgm:prSet presAssocID="{C0F2CC00-A000-4147-9F36-D902E3C60AC6}" presName="hierChild5" presStyleCnt="0"/>
-      <dgm:spPr/>
-    </dgm:pt>
-    <dgm:pt modelId="{D01C3B22-5091-4A54-8921-00CBF0F6983B}" type="pres">
-      <dgm:prSet presAssocID="{DE9806F2-E885-4A58-BBF1-0646327B8EAB}" presName="Name37" presStyleLbl="parChTrans1D4" presStyleIdx="4" presStyleCnt="5"/>
-      <dgm:spPr/>
-    </dgm:pt>
-    <dgm:pt modelId="{67B58192-976A-4629-8C82-EE8900D2D058}" type="pres">
-      <dgm:prSet presAssocID="{37D4D3F0-0F9F-4374-8E83-CFE419BEFD0A}" presName="hierRoot2" presStyleCnt="0">
-        <dgm:presLayoutVars>
-          <dgm:hierBranch val="init"/>
-        </dgm:presLayoutVars>
-      </dgm:prSet>
-      <dgm:spPr/>
-    </dgm:pt>
-    <dgm:pt modelId="{45A12947-3536-45B9-B99D-ADFFC4AB533D}" type="pres">
-      <dgm:prSet presAssocID="{37D4D3F0-0F9F-4374-8E83-CFE419BEFD0A}" presName="rootComposite" presStyleCnt="0"/>
-      <dgm:spPr/>
-    </dgm:pt>
-    <dgm:pt modelId="{5A22FB93-F2C6-48A2-AA8E-A48296F25735}" type="pres">
-      <dgm:prSet presAssocID="{37D4D3F0-0F9F-4374-8E83-CFE419BEFD0A}" presName="rootText" presStyleLbl="node4" presStyleIdx="4" presStyleCnt="5" custScaleX="281514">
-        <dgm:presLayoutVars>
-          <dgm:chPref val="3"/>
-        </dgm:presLayoutVars>
-      </dgm:prSet>
+    <dgm:pt modelId="{64D5328D-4A33-4248-B87C-979DF934FB89}" type="pres">
+      <dgm:prSet presAssocID="{04D3410C-BF9F-47BC-A0C2-50FD7716D1CC}" presName="hierChild2" presStyleCnt="0"/>
+      <dgm:spPr/>
+    </dgm:pt>
+    <dgm:pt modelId="{3936AD59-22EF-48E1-9CCA-AE3DFF7DBF67}" type="pres">
+      <dgm:prSet presAssocID="{76D28552-E73F-4BF2-9784-A1FE76787246}" presName="Name37" presStyleLbl="parChTrans1D2" presStyleIdx="0" presStyleCnt="9"/>
       <dgm:spPr/>
       <dgm:t>
         <a:bodyPr/>
@@ -1917,88 +1441,681 @@
         </a:p>
       </dgm:t>
     </dgm:pt>
-    <dgm:pt modelId="{1B0FD223-EED2-4215-9CF2-6466C535CD80}" type="pres">
-      <dgm:prSet presAssocID="{37D4D3F0-0F9F-4374-8E83-CFE419BEFD0A}" presName="rootConnector" presStyleLbl="node4" presStyleIdx="4" presStyleCnt="5"/>
-      <dgm:spPr/>
-    </dgm:pt>
-    <dgm:pt modelId="{D7A1A452-A5E7-47C1-9BD5-F5836764B630}" type="pres">
-      <dgm:prSet presAssocID="{37D4D3F0-0F9F-4374-8E83-CFE419BEFD0A}" presName="hierChild4" presStyleCnt="0"/>
-      <dgm:spPr/>
-    </dgm:pt>
-    <dgm:pt modelId="{0634158B-8D18-403B-A149-8EC04DD37D3D}" type="pres">
-      <dgm:prSet presAssocID="{37D4D3F0-0F9F-4374-8E83-CFE419BEFD0A}" presName="hierChild5" presStyleCnt="0"/>
-      <dgm:spPr/>
-    </dgm:pt>
-    <dgm:pt modelId="{A8AE1D60-22C1-4417-A3AA-A153305D1F5C}" type="pres">
-      <dgm:prSet presAssocID="{FC997524-F6D1-45B9-ADBE-74DB01C11CE0}" presName="hierChild5" presStyleCnt="0"/>
+    <dgm:pt modelId="{EB03AB12-98CE-40CE-8219-477F13537372}" type="pres">
+      <dgm:prSet presAssocID="{B1538848-D4E9-4593-ABF5-D1C7B238EB9F}" presName="hierRoot2" presStyleCnt="0">
+        <dgm:presLayoutVars>
+          <dgm:hierBranch val="init"/>
+        </dgm:presLayoutVars>
+      </dgm:prSet>
+      <dgm:spPr/>
+    </dgm:pt>
+    <dgm:pt modelId="{BCD8C362-033F-49D5-8EDF-46732C710C16}" type="pres">
+      <dgm:prSet presAssocID="{B1538848-D4E9-4593-ABF5-D1C7B238EB9F}" presName="rootComposite" presStyleCnt="0"/>
+      <dgm:spPr/>
+    </dgm:pt>
+    <dgm:pt modelId="{2DEEA8C2-AABE-4A2D-A408-5AB2C6439BFC}" type="pres">
+      <dgm:prSet presAssocID="{B1538848-D4E9-4593-ABF5-D1C7B238EB9F}" presName="rootText" presStyleLbl="node2" presStyleIdx="0" presStyleCnt="9">
+        <dgm:presLayoutVars>
+          <dgm:chPref val="3"/>
+        </dgm:presLayoutVars>
+      </dgm:prSet>
+      <dgm:spPr/>
+      <dgm:t>
+        <a:bodyPr/>
+        <a:lstStyle/>
+        <a:p>
+          <a:endParaRPr lang="en-US"/>
+        </a:p>
+      </dgm:t>
+    </dgm:pt>
+    <dgm:pt modelId="{1039F6A8-F34E-4A8A-B773-E49CC2D56F99}" type="pres">
+      <dgm:prSet presAssocID="{B1538848-D4E9-4593-ABF5-D1C7B238EB9F}" presName="rootConnector" presStyleLbl="node2" presStyleIdx="0" presStyleCnt="9"/>
+      <dgm:spPr/>
+      <dgm:t>
+        <a:bodyPr/>
+        <a:lstStyle/>
+        <a:p>
+          <a:endParaRPr lang="en-US"/>
+        </a:p>
+      </dgm:t>
+    </dgm:pt>
+    <dgm:pt modelId="{15DE2BE3-7E75-4A3D-9BB0-E4E4C4E5255D}" type="pres">
+      <dgm:prSet presAssocID="{B1538848-D4E9-4593-ABF5-D1C7B238EB9F}" presName="hierChild4" presStyleCnt="0"/>
+      <dgm:spPr/>
+    </dgm:pt>
+    <dgm:pt modelId="{A1BC32F3-59C6-4E12-AB92-DC6353A0868D}" type="pres">
+      <dgm:prSet presAssocID="{B1538848-D4E9-4593-ABF5-D1C7B238EB9F}" presName="hierChild5" presStyleCnt="0"/>
+      <dgm:spPr/>
+    </dgm:pt>
+    <dgm:pt modelId="{F7C8F6DF-F708-4DF4-925A-03C362047FC2}" type="pres">
+      <dgm:prSet presAssocID="{6FA39A56-614D-40CE-A1B6-CCE7028C3E98}" presName="Name37" presStyleLbl="parChTrans1D2" presStyleIdx="1" presStyleCnt="9"/>
+      <dgm:spPr/>
+      <dgm:t>
+        <a:bodyPr/>
+        <a:lstStyle/>
+        <a:p>
+          <a:endParaRPr lang="en-US"/>
+        </a:p>
+      </dgm:t>
+    </dgm:pt>
+    <dgm:pt modelId="{332632D0-1C27-4AB3-8F2B-71593AB9B2C4}" type="pres">
+      <dgm:prSet presAssocID="{CE40DEAC-FE4D-49FC-B78E-7685A69FC968}" presName="hierRoot2" presStyleCnt="0">
+        <dgm:presLayoutVars>
+          <dgm:hierBranch val="init"/>
+        </dgm:presLayoutVars>
+      </dgm:prSet>
+      <dgm:spPr/>
+    </dgm:pt>
+    <dgm:pt modelId="{2E33352E-2659-4CE8-AF99-C5978D4A6C8C}" type="pres">
+      <dgm:prSet presAssocID="{CE40DEAC-FE4D-49FC-B78E-7685A69FC968}" presName="rootComposite" presStyleCnt="0"/>
+      <dgm:spPr/>
+    </dgm:pt>
+    <dgm:pt modelId="{FA87C916-0CC1-414F-8E55-C72893B39D22}" type="pres">
+      <dgm:prSet presAssocID="{CE40DEAC-FE4D-49FC-B78E-7685A69FC968}" presName="rootText" presStyleLbl="node2" presStyleIdx="1" presStyleCnt="9">
+        <dgm:presLayoutVars>
+          <dgm:chPref val="3"/>
+        </dgm:presLayoutVars>
+      </dgm:prSet>
+      <dgm:spPr/>
+      <dgm:t>
+        <a:bodyPr/>
+        <a:lstStyle/>
+        <a:p>
+          <a:endParaRPr lang="en-US"/>
+        </a:p>
+      </dgm:t>
+    </dgm:pt>
+    <dgm:pt modelId="{D5EDAC7C-D53B-4653-B850-92AD5DA8ABDF}" type="pres">
+      <dgm:prSet presAssocID="{CE40DEAC-FE4D-49FC-B78E-7685A69FC968}" presName="rootConnector" presStyleLbl="node2" presStyleIdx="1" presStyleCnt="9"/>
+      <dgm:spPr/>
+      <dgm:t>
+        <a:bodyPr/>
+        <a:lstStyle/>
+        <a:p>
+          <a:endParaRPr lang="en-US"/>
+        </a:p>
+      </dgm:t>
+    </dgm:pt>
+    <dgm:pt modelId="{D78D4777-F6E0-4AC0-A374-A2196FF513B9}" type="pres">
+      <dgm:prSet presAssocID="{CE40DEAC-FE4D-49FC-B78E-7685A69FC968}" presName="hierChild4" presStyleCnt="0"/>
+      <dgm:spPr/>
+    </dgm:pt>
+    <dgm:pt modelId="{FFADCB60-59DF-4D2E-9D3C-B2AE8EB1CEF6}" type="pres">
+      <dgm:prSet presAssocID="{CE40DEAC-FE4D-49FC-B78E-7685A69FC968}" presName="hierChild5" presStyleCnt="0"/>
+      <dgm:spPr/>
+    </dgm:pt>
+    <dgm:pt modelId="{88A1D685-7B0C-4E71-843E-A4B5B82F522A}" type="pres">
+      <dgm:prSet presAssocID="{51175F27-C904-4E3F-A1CC-1BD37597E361}" presName="Name37" presStyleLbl="parChTrans1D2" presStyleIdx="2" presStyleCnt="9"/>
+      <dgm:spPr/>
+      <dgm:t>
+        <a:bodyPr/>
+        <a:lstStyle/>
+        <a:p>
+          <a:endParaRPr lang="en-US"/>
+        </a:p>
+      </dgm:t>
+    </dgm:pt>
+    <dgm:pt modelId="{5B7D6E45-F4C8-4598-AA27-3F76961E3876}" type="pres">
+      <dgm:prSet presAssocID="{9C8AE78A-099D-493C-BDF2-4A8621511F91}" presName="hierRoot2" presStyleCnt="0">
+        <dgm:presLayoutVars>
+          <dgm:hierBranch val="init"/>
+        </dgm:presLayoutVars>
+      </dgm:prSet>
+      <dgm:spPr/>
+    </dgm:pt>
+    <dgm:pt modelId="{D7DF65D7-B37B-44A2-AD7B-4E55BFDB034E}" type="pres">
+      <dgm:prSet presAssocID="{9C8AE78A-099D-493C-BDF2-4A8621511F91}" presName="rootComposite" presStyleCnt="0"/>
+      <dgm:spPr/>
+    </dgm:pt>
+    <dgm:pt modelId="{EB18FACC-C862-4E04-B5BE-B088B959A098}" type="pres">
+      <dgm:prSet presAssocID="{9C8AE78A-099D-493C-BDF2-4A8621511F91}" presName="rootText" presStyleLbl="node2" presStyleIdx="2" presStyleCnt="9">
+        <dgm:presLayoutVars>
+          <dgm:chPref val="3"/>
+        </dgm:presLayoutVars>
+      </dgm:prSet>
+      <dgm:spPr/>
+      <dgm:t>
+        <a:bodyPr/>
+        <a:lstStyle/>
+        <a:p>
+          <a:endParaRPr lang="en-US"/>
+        </a:p>
+      </dgm:t>
+    </dgm:pt>
+    <dgm:pt modelId="{B1E59E9F-AE07-49A0-916B-1B577317F7C8}" type="pres">
+      <dgm:prSet presAssocID="{9C8AE78A-099D-493C-BDF2-4A8621511F91}" presName="rootConnector" presStyleLbl="node2" presStyleIdx="2" presStyleCnt="9"/>
+      <dgm:spPr/>
+      <dgm:t>
+        <a:bodyPr/>
+        <a:lstStyle/>
+        <a:p>
+          <a:endParaRPr lang="en-US"/>
+        </a:p>
+      </dgm:t>
+    </dgm:pt>
+    <dgm:pt modelId="{EAC3C356-43E1-4D91-8565-69D6DB0EB9B6}" type="pres">
+      <dgm:prSet presAssocID="{9C8AE78A-099D-493C-BDF2-4A8621511F91}" presName="hierChild4" presStyleCnt="0"/>
+      <dgm:spPr/>
+    </dgm:pt>
+    <dgm:pt modelId="{960A94FD-737C-496E-AC24-FEEA231F4442}" type="pres">
+      <dgm:prSet presAssocID="{9C8AE78A-099D-493C-BDF2-4A8621511F91}" presName="hierChild5" presStyleCnt="0"/>
+      <dgm:spPr/>
+    </dgm:pt>
+    <dgm:pt modelId="{1FA64379-D753-4737-9942-A7688B88D208}" type="pres">
+      <dgm:prSet presAssocID="{B41E4082-C60B-41E0-B867-265537A9C8E6}" presName="Name37" presStyleLbl="parChTrans1D2" presStyleIdx="3" presStyleCnt="9"/>
+      <dgm:spPr/>
+      <dgm:t>
+        <a:bodyPr/>
+        <a:lstStyle/>
+        <a:p>
+          <a:endParaRPr lang="en-US"/>
+        </a:p>
+      </dgm:t>
+    </dgm:pt>
+    <dgm:pt modelId="{CDED78F3-16D9-4057-ADD8-32AE7B91AC90}" type="pres">
+      <dgm:prSet presAssocID="{B9BC5233-8B2F-4699-889D-C5EAF695ED84}" presName="hierRoot2" presStyleCnt="0">
+        <dgm:presLayoutVars>
+          <dgm:hierBranch val="init"/>
+        </dgm:presLayoutVars>
+      </dgm:prSet>
+      <dgm:spPr/>
+    </dgm:pt>
+    <dgm:pt modelId="{12394770-9A55-4E33-B2B1-6C3C539AD583}" type="pres">
+      <dgm:prSet presAssocID="{B9BC5233-8B2F-4699-889D-C5EAF695ED84}" presName="rootComposite" presStyleCnt="0"/>
+      <dgm:spPr/>
+    </dgm:pt>
+    <dgm:pt modelId="{CA36E5F1-7A30-421F-A31E-2C9E12BBF60E}" type="pres">
+      <dgm:prSet presAssocID="{B9BC5233-8B2F-4699-889D-C5EAF695ED84}" presName="rootText" presStyleLbl="node2" presStyleIdx="3" presStyleCnt="9" custScaleX="143316">
+        <dgm:presLayoutVars>
+          <dgm:chPref val="3"/>
+        </dgm:presLayoutVars>
+      </dgm:prSet>
+      <dgm:spPr/>
+      <dgm:t>
+        <a:bodyPr/>
+        <a:lstStyle/>
+        <a:p>
+          <a:endParaRPr lang="en-US"/>
+        </a:p>
+      </dgm:t>
+    </dgm:pt>
+    <dgm:pt modelId="{E0F10D8B-CEF6-4F68-B9E6-192B9CD9019B}" type="pres">
+      <dgm:prSet presAssocID="{B9BC5233-8B2F-4699-889D-C5EAF695ED84}" presName="rootConnector" presStyleLbl="node2" presStyleIdx="3" presStyleCnt="9"/>
+      <dgm:spPr/>
+      <dgm:t>
+        <a:bodyPr/>
+        <a:lstStyle/>
+        <a:p>
+          <a:endParaRPr lang="en-US"/>
+        </a:p>
+      </dgm:t>
+    </dgm:pt>
+    <dgm:pt modelId="{0AAD6D41-3B8C-41AC-9C96-AF763C29994C}" type="pres">
+      <dgm:prSet presAssocID="{B9BC5233-8B2F-4699-889D-C5EAF695ED84}" presName="hierChild4" presStyleCnt="0"/>
       <dgm:spPr/>
     </dgm:pt>
     <dgm:pt modelId="{783BA56E-D561-4043-AB9D-298738546E89}" type="pres">
       <dgm:prSet presAssocID="{B9BC5233-8B2F-4699-889D-C5EAF695ED84}" presName="hierChild5" presStyleCnt="0"/>
       <dgm:spPr/>
     </dgm:pt>
+    <dgm:pt modelId="{39BBF1D8-C6A6-4405-AF65-9DBB4DF9DA4E}" type="pres">
+      <dgm:prSet presAssocID="{DD6C6DC0-DB60-4A8F-BE99-55C70652C518}" presName="Name37" presStyleLbl="parChTrans1D2" presStyleIdx="4" presStyleCnt="9"/>
+      <dgm:spPr/>
+    </dgm:pt>
+    <dgm:pt modelId="{83B3227C-3EBF-40F4-8FFB-FF519379CF79}" type="pres">
+      <dgm:prSet presAssocID="{820A5344-945A-4506-8DCF-D087DF8C5BA9}" presName="hierRoot2" presStyleCnt="0">
+        <dgm:presLayoutVars>
+          <dgm:hierBranch val="init"/>
+        </dgm:presLayoutVars>
+      </dgm:prSet>
+      <dgm:spPr/>
+    </dgm:pt>
+    <dgm:pt modelId="{E92C56A5-DB76-420D-94D9-4FFFE30F6D7F}" type="pres">
+      <dgm:prSet presAssocID="{820A5344-945A-4506-8DCF-D087DF8C5BA9}" presName="rootComposite" presStyleCnt="0"/>
+      <dgm:spPr/>
+    </dgm:pt>
+    <dgm:pt modelId="{BE1E800F-5A81-46FA-BD58-9082539B75BC}" type="pres">
+      <dgm:prSet presAssocID="{820A5344-945A-4506-8DCF-D087DF8C5BA9}" presName="rootText" presStyleLbl="node2" presStyleIdx="4" presStyleCnt="9" custScaleX="165580">
+        <dgm:presLayoutVars>
+          <dgm:chPref val="3"/>
+        </dgm:presLayoutVars>
+      </dgm:prSet>
+      <dgm:spPr/>
+      <dgm:t>
+        <a:bodyPr/>
+        <a:lstStyle/>
+        <a:p>
+          <a:endParaRPr lang="en-US"/>
+        </a:p>
+      </dgm:t>
+    </dgm:pt>
+    <dgm:pt modelId="{C39B849D-750A-4C08-A2FD-C2C3A3AEABCE}" type="pres">
+      <dgm:prSet presAssocID="{820A5344-945A-4506-8DCF-D087DF8C5BA9}" presName="rootConnector" presStyleLbl="node2" presStyleIdx="4" presStyleCnt="9"/>
+      <dgm:spPr/>
+      <dgm:t>
+        <a:bodyPr/>
+        <a:lstStyle/>
+        <a:p>
+          <a:endParaRPr lang="en-US"/>
+        </a:p>
+      </dgm:t>
+    </dgm:pt>
+    <dgm:pt modelId="{E08A060C-7066-4D4F-8773-AF92FFBB8375}" type="pres">
+      <dgm:prSet presAssocID="{820A5344-945A-4506-8DCF-D087DF8C5BA9}" presName="hierChild4" presStyleCnt="0"/>
+      <dgm:spPr/>
+    </dgm:pt>
+    <dgm:pt modelId="{E6105A2F-0F10-429B-A4C1-15FC8F55B65B}" type="pres">
+      <dgm:prSet presAssocID="{820A5344-945A-4506-8DCF-D087DF8C5BA9}" presName="hierChild5" presStyleCnt="0"/>
+      <dgm:spPr/>
+    </dgm:pt>
+    <dgm:pt modelId="{30199E4C-50F6-4984-BEEA-629595632965}" type="pres">
+      <dgm:prSet presAssocID="{E73C7F11-817D-44E9-B453-371AF8DC9ECA}" presName="Name37" presStyleLbl="parChTrans1D2" presStyleIdx="5" presStyleCnt="9"/>
+      <dgm:spPr/>
+    </dgm:pt>
+    <dgm:pt modelId="{C3ADFE3E-456E-4F65-A178-D9AA06B13326}" type="pres">
+      <dgm:prSet presAssocID="{1322398B-C56B-4B80-856B-9D1D84BD912E}" presName="hierRoot2" presStyleCnt="0">
+        <dgm:presLayoutVars>
+          <dgm:hierBranch val="init"/>
+        </dgm:presLayoutVars>
+      </dgm:prSet>
+      <dgm:spPr/>
+    </dgm:pt>
+    <dgm:pt modelId="{EE23184A-0341-44AD-815A-AFF485270A4F}" type="pres">
+      <dgm:prSet presAssocID="{1322398B-C56B-4B80-856B-9D1D84BD912E}" presName="rootComposite" presStyleCnt="0"/>
+      <dgm:spPr/>
+    </dgm:pt>
+    <dgm:pt modelId="{3BC295ED-75FF-43BB-A151-5CA176ACAF97}" type="pres">
+      <dgm:prSet presAssocID="{1322398B-C56B-4B80-856B-9D1D84BD912E}" presName="rootText" presStyleLbl="node2" presStyleIdx="5" presStyleCnt="9">
+        <dgm:presLayoutVars>
+          <dgm:chPref val="3"/>
+        </dgm:presLayoutVars>
+      </dgm:prSet>
+      <dgm:spPr/>
+      <dgm:t>
+        <a:bodyPr/>
+        <a:lstStyle/>
+        <a:p>
+          <a:endParaRPr lang="en-US"/>
+        </a:p>
+      </dgm:t>
+    </dgm:pt>
+    <dgm:pt modelId="{68C39AD9-ECFB-412E-831A-0F8DE00753AB}" type="pres">
+      <dgm:prSet presAssocID="{1322398B-C56B-4B80-856B-9D1D84BD912E}" presName="rootConnector" presStyleLbl="node2" presStyleIdx="5" presStyleCnt="9"/>
+      <dgm:spPr/>
+      <dgm:t>
+        <a:bodyPr/>
+        <a:lstStyle/>
+        <a:p>
+          <a:endParaRPr lang="en-US"/>
+        </a:p>
+      </dgm:t>
+    </dgm:pt>
+    <dgm:pt modelId="{09F051FB-F47D-45D7-A775-9D8F58567A6E}" type="pres">
+      <dgm:prSet presAssocID="{1322398B-C56B-4B80-856B-9D1D84BD912E}" presName="hierChild4" presStyleCnt="0"/>
+      <dgm:spPr/>
+    </dgm:pt>
+    <dgm:pt modelId="{A4B53431-6A20-4EF4-9579-45B2CA3A79EE}" type="pres">
+      <dgm:prSet presAssocID="{1322398B-C56B-4B80-856B-9D1D84BD912E}" presName="hierChild5" presStyleCnt="0"/>
+      <dgm:spPr/>
+    </dgm:pt>
+    <dgm:pt modelId="{B26767DA-73EF-4423-9A7E-5BB2A3C04FF4}" type="pres">
+      <dgm:prSet presAssocID="{5033F54B-1DA7-4FCF-9698-98DBE566BAC5}" presName="Name37" presStyleLbl="parChTrans1D2" presStyleIdx="6" presStyleCnt="9"/>
+      <dgm:spPr/>
+    </dgm:pt>
+    <dgm:pt modelId="{4BBBCAA6-F086-449C-9F05-242ECB8BEEE5}" type="pres">
+      <dgm:prSet presAssocID="{D7A049D7-1A80-4AB4-B3ED-DBA76FED7601}" presName="hierRoot2" presStyleCnt="0">
+        <dgm:presLayoutVars>
+          <dgm:hierBranch val="init"/>
+        </dgm:presLayoutVars>
+      </dgm:prSet>
+      <dgm:spPr/>
+    </dgm:pt>
+    <dgm:pt modelId="{2590FCC8-4043-4EEA-B7F1-91644B138CC0}" type="pres">
+      <dgm:prSet presAssocID="{D7A049D7-1A80-4AB4-B3ED-DBA76FED7601}" presName="rootComposite" presStyleCnt="0"/>
+      <dgm:spPr/>
+    </dgm:pt>
+    <dgm:pt modelId="{8C2EE522-1CDE-4859-842F-03552F568042}" type="pres">
+      <dgm:prSet presAssocID="{D7A049D7-1A80-4AB4-B3ED-DBA76FED7601}" presName="rootText" presStyleLbl="node2" presStyleIdx="6" presStyleCnt="9">
+        <dgm:presLayoutVars>
+          <dgm:chPref val="3"/>
+        </dgm:presLayoutVars>
+      </dgm:prSet>
+      <dgm:spPr/>
+      <dgm:t>
+        <a:bodyPr/>
+        <a:lstStyle/>
+        <a:p>
+          <a:endParaRPr lang="en-US"/>
+        </a:p>
+      </dgm:t>
+    </dgm:pt>
+    <dgm:pt modelId="{6DD00628-E3F2-4C3A-A336-5977C4A95E56}" type="pres">
+      <dgm:prSet presAssocID="{D7A049D7-1A80-4AB4-B3ED-DBA76FED7601}" presName="rootConnector" presStyleLbl="node2" presStyleIdx="6" presStyleCnt="9"/>
+      <dgm:spPr/>
+      <dgm:t>
+        <a:bodyPr/>
+        <a:lstStyle/>
+        <a:p>
+          <a:endParaRPr lang="en-US"/>
+        </a:p>
+      </dgm:t>
+    </dgm:pt>
+    <dgm:pt modelId="{67299D7E-D355-4C56-BFE0-7BBA5D3CAD7D}" type="pres">
+      <dgm:prSet presAssocID="{D7A049D7-1A80-4AB4-B3ED-DBA76FED7601}" presName="hierChild4" presStyleCnt="0"/>
+      <dgm:spPr/>
+    </dgm:pt>
+    <dgm:pt modelId="{AF9014B8-263B-4D18-8FFD-23B56D561BF1}" type="pres">
+      <dgm:prSet presAssocID="{70BEDD04-D561-4A9C-88FD-21E3585B7BBE}" presName="Name37" presStyleLbl="parChTrans1D3" presStyleIdx="0" presStyleCnt="3"/>
+      <dgm:spPr/>
+    </dgm:pt>
+    <dgm:pt modelId="{AC599C4D-D987-4A3E-9518-0F2416935424}" type="pres">
+      <dgm:prSet presAssocID="{D35AA8C1-507B-4873-822E-2CB188B16A3A}" presName="hierRoot2" presStyleCnt="0">
+        <dgm:presLayoutVars>
+          <dgm:hierBranch val="init"/>
+        </dgm:presLayoutVars>
+      </dgm:prSet>
+      <dgm:spPr/>
+    </dgm:pt>
+    <dgm:pt modelId="{D22CD245-F1F3-401C-90BD-81299AC19754}" type="pres">
+      <dgm:prSet presAssocID="{D35AA8C1-507B-4873-822E-2CB188B16A3A}" presName="rootComposite" presStyleCnt="0"/>
+      <dgm:spPr/>
+    </dgm:pt>
+    <dgm:pt modelId="{A4689999-BB02-4CE5-B808-88A5865CAB11}" type="pres">
+      <dgm:prSet presAssocID="{D35AA8C1-507B-4873-822E-2CB188B16A3A}" presName="rootText" presStyleLbl="node3" presStyleIdx="0" presStyleCnt="3">
+        <dgm:presLayoutVars>
+          <dgm:chPref val="3"/>
+        </dgm:presLayoutVars>
+      </dgm:prSet>
+      <dgm:spPr/>
+      <dgm:t>
+        <a:bodyPr/>
+        <a:lstStyle/>
+        <a:p>
+          <a:endParaRPr lang="en-US"/>
+        </a:p>
+      </dgm:t>
+    </dgm:pt>
+    <dgm:pt modelId="{F50B8CA7-D555-44B6-AE98-D85EB8E5BA77}" type="pres">
+      <dgm:prSet presAssocID="{D35AA8C1-507B-4873-822E-2CB188B16A3A}" presName="rootConnector" presStyleLbl="node3" presStyleIdx="0" presStyleCnt="3"/>
+      <dgm:spPr/>
+      <dgm:t>
+        <a:bodyPr/>
+        <a:lstStyle/>
+        <a:p>
+          <a:endParaRPr lang="en-US"/>
+        </a:p>
+      </dgm:t>
+    </dgm:pt>
+    <dgm:pt modelId="{7856F3A5-2A63-47FF-A572-C6649DB32BC6}" type="pres">
+      <dgm:prSet presAssocID="{D35AA8C1-507B-4873-822E-2CB188B16A3A}" presName="hierChild4" presStyleCnt="0"/>
+      <dgm:spPr/>
+    </dgm:pt>
+    <dgm:pt modelId="{DC70348E-4998-40F2-9421-11431EB2C2E0}" type="pres">
+      <dgm:prSet presAssocID="{D35AA8C1-507B-4873-822E-2CB188B16A3A}" presName="hierChild5" presStyleCnt="0"/>
+      <dgm:spPr/>
+    </dgm:pt>
+    <dgm:pt modelId="{9EE71C07-9B32-4CD0-BC4A-81AB33D9F1A4}" type="pres">
+      <dgm:prSet presAssocID="{E8E573A6-7DCD-4470-BAFA-8974D900BEEE}" presName="Name37" presStyleLbl="parChTrans1D3" presStyleIdx="1" presStyleCnt="3"/>
+      <dgm:spPr/>
+    </dgm:pt>
+    <dgm:pt modelId="{9FC4DDE6-53B2-4870-9366-F6C436C9FEDD}" type="pres">
+      <dgm:prSet presAssocID="{3D2EC017-2C6A-42FC-82D6-D15DE2812237}" presName="hierRoot2" presStyleCnt="0">
+        <dgm:presLayoutVars>
+          <dgm:hierBranch val="init"/>
+        </dgm:presLayoutVars>
+      </dgm:prSet>
+      <dgm:spPr/>
+    </dgm:pt>
+    <dgm:pt modelId="{2AE62E14-51CE-4E77-81FC-655B272CA9E7}" type="pres">
+      <dgm:prSet presAssocID="{3D2EC017-2C6A-42FC-82D6-D15DE2812237}" presName="rootComposite" presStyleCnt="0"/>
+      <dgm:spPr/>
+    </dgm:pt>
+    <dgm:pt modelId="{FB0CB4E6-564B-433F-A35E-0AE652AFCAF2}" type="pres">
+      <dgm:prSet presAssocID="{3D2EC017-2C6A-42FC-82D6-D15DE2812237}" presName="rootText" presStyleLbl="node3" presStyleIdx="1" presStyleCnt="3">
+        <dgm:presLayoutVars>
+          <dgm:chPref val="3"/>
+        </dgm:presLayoutVars>
+      </dgm:prSet>
+      <dgm:spPr/>
+      <dgm:t>
+        <a:bodyPr/>
+        <a:lstStyle/>
+        <a:p>
+          <a:endParaRPr lang="en-US"/>
+        </a:p>
+      </dgm:t>
+    </dgm:pt>
+    <dgm:pt modelId="{10FBF359-4677-4914-8F62-C5EF2E6AB287}" type="pres">
+      <dgm:prSet presAssocID="{3D2EC017-2C6A-42FC-82D6-D15DE2812237}" presName="rootConnector" presStyleLbl="node3" presStyleIdx="1" presStyleCnt="3"/>
+      <dgm:spPr/>
+      <dgm:t>
+        <a:bodyPr/>
+        <a:lstStyle/>
+        <a:p>
+          <a:endParaRPr lang="en-US"/>
+        </a:p>
+      </dgm:t>
+    </dgm:pt>
+    <dgm:pt modelId="{D0103A5B-CFFE-4CD8-942E-363518428648}" type="pres">
+      <dgm:prSet presAssocID="{3D2EC017-2C6A-42FC-82D6-D15DE2812237}" presName="hierChild4" presStyleCnt="0"/>
+      <dgm:spPr/>
+    </dgm:pt>
+    <dgm:pt modelId="{52300726-6655-42D8-931E-9F44BC7A9549}" type="pres">
+      <dgm:prSet presAssocID="{3D2EC017-2C6A-42FC-82D6-D15DE2812237}" presName="hierChild5" presStyleCnt="0"/>
+      <dgm:spPr/>
+    </dgm:pt>
+    <dgm:pt modelId="{3770F94D-AAFC-444B-BEBF-B167A2193984}" type="pres">
+      <dgm:prSet presAssocID="{4F7EC12D-58B1-4DA0-8941-2E6EE5FA81A0}" presName="Name37" presStyleLbl="parChTrans1D3" presStyleIdx="2" presStyleCnt="3"/>
+      <dgm:spPr/>
+    </dgm:pt>
+    <dgm:pt modelId="{E5E635F2-CEE0-471C-8F9C-4634D3CBF987}" type="pres">
+      <dgm:prSet presAssocID="{62380B5D-4C1E-4FEA-87A2-FB313D5617DC}" presName="hierRoot2" presStyleCnt="0">
+        <dgm:presLayoutVars>
+          <dgm:hierBranch val="init"/>
+        </dgm:presLayoutVars>
+      </dgm:prSet>
+      <dgm:spPr/>
+    </dgm:pt>
+    <dgm:pt modelId="{8777E135-99B7-4A6C-B29A-11198F2BB168}" type="pres">
+      <dgm:prSet presAssocID="{62380B5D-4C1E-4FEA-87A2-FB313D5617DC}" presName="rootComposite" presStyleCnt="0"/>
+      <dgm:spPr/>
+    </dgm:pt>
+    <dgm:pt modelId="{42485A1E-F309-47BA-8BF0-F089F79A5226}" type="pres">
+      <dgm:prSet presAssocID="{62380B5D-4C1E-4FEA-87A2-FB313D5617DC}" presName="rootText" presStyleLbl="node3" presStyleIdx="2" presStyleCnt="3">
+        <dgm:presLayoutVars>
+          <dgm:chPref val="3"/>
+        </dgm:presLayoutVars>
+      </dgm:prSet>
+      <dgm:spPr/>
+      <dgm:t>
+        <a:bodyPr/>
+        <a:lstStyle/>
+        <a:p>
+          <a:endParaRPr lang="en-US"/>
+        </a:p>
+      </dgm:t>
+    </dgm:pt>
+    <dgm:pt modelId="{B9C1886F-0005-4481-A969-3BF7805AEC4E}" type="pres">
+      <dgm:prSet presAssocID="{62380B5D-4C1E-4FEA-87A2-FB313D5617DC}" presName="rootConnector" presStyleLbl="node3" presStyleIdx="2" presStyleCnt="3"/>
+      <dgm:spPr/>
+      <dgm:t>
+        <a:bodyPr/>
+        <a:lstStyle/>
+        <a:p>
+          <a:endParaRPr lang="en-US"/>
+        </a:p>
+      </dgm:t>
+    </dgm:pt>
+    <dgm:pt modelId="{499898F2-FED3-4E5C-A5C2-FAD25711ECD5}" type="pres">
+      <dgm:prSet presAssocID="{62380B5D-4C1E-4FEA-87A2-FB313D5617DC}" presName="hierChild4" presStyleCnt="0"/>
+      <dgm:spPr/>
+    </dgm:pt>
+    <dgm:pt modelId="{F0B9F7A0-513A-4B7C-98EF-1361F40C6D52}" type="pres">
+      <dgm:prSet presAssocID="{62380B5D-4C1E-4FEA-87A2-FB313D5617DC}" presName="hierChild5" presStyleCnt="0"/>
+      <dgm:spPr/>
+    </dgm:pt>
+    <dgm:pt modelId="{4AEAFDE2-2B2A-4D69-84E7-269BB3D5D423}" type="pres">
+      <dgm:prSet presAssocID="{D7A049D7-1A80-4AB4-B3ED-DBA76FED7601}" presName="hierChild5" presStyleCnt="0"/>
+      <dgm:spPr/>
+    </dgm:pt>
+    <dgm:pt modelId="{80BE7CA7-822A-4122-A7B1-7197F73DCF52}" type="pres">
+      <dgm:prSet presAssocID="{2942B610-A2A7-4B1B-8F9B-074F24F72A29}" presName="Name37" presStyleLbl="parChTrans1D2" presStyleIdx="7" presStyleCnt="9"/>
+      <dgm:spPr/>
+    </dgm:pt>
+    <dgm:pt modelId="{BEC81B2B-A259-4432-A8CB-B8BA1A38CB5B}" type="pres">
+      <dgm:prSet presAssocID="{732FC4A4-A59E-4E50-8B1A-8FFB385EA9A5}" presName="hierRoot2" presStyleCnt="0">
+        <dgm:presLayoutVars>
+          <dgm:hierBranch val="init"/>
+        </dgm:presLayoutVars>
+      </dgm:prSet>
+      <dgm:spPr/>
+    </dgm:pt>
+    <dgm:pt modelId="{C37C6447-4B48-4C41-91BE-AB606F418E13}" type="pres">
+      <dgm:prSet presAssocID="{732FC4A4-A59E-4E50-8B1A-8FFB385EA9A5}" presName="rootComposite" presStyleCnt="0"/>
+      <dgm:spPr/>
+    </dgm:pt>
+    <dgm:pt modelId="{2D5547FD-33C2-4095-8130-469DCCB67A7A}" type="pres">
+      <dgm:prSet presAssocID="{732FC4A4-A59E-4E50-8B1A-8FFB385EA9A5}" presName="rootText" presStyleLbl="node2" presStyleIdx="7" presStyleCnt="9" custScaleX="120226">
+        <dgm:presLayoutVars>
+          <dgm:chPref val="3"/>
+        </dgm:presLayoutVars>
+      </dgm:prSet>
+      <dgm:spPr/>
+      <dgm:t>
+        <a:bodyPr/>
+        <a:lstStyle/>
+        <a:p>
+          <a:endParaRPr lang="en-US"/>
+        </a:p>
+      </dgm:t>
+    </dgm:pt>
+    <dgm:pt modelId="{97DBE272-BFE9-4230-A28F-AC97D485E8C3}" type="pres">
+      <dgm:prSet presAssocID="{732FC4A4-A59E-4E50-8B1A-8FFB385EA9A5}" presName="rootConnector" presStyleLbl="node2" presStyleIdx="7" presStyleCnt="9"/>
+      <dgm:spPr/>
+      <dgm:t>
+        <a:bodyPr/>
+        <a:lstStyle/>
+        <a:p>
+          <a:endParaRPr lang="en-US"/>
+        </a:p>
+      </dgm:t>
+    </dgm:pt>
+    <dgm:pt modelId="{76C3A5A8-80A0-4979-A6F0-4425A67ACAC9}" type="pres">
+      <dgm:prSet presAssocID="{732FC4A4-A59E-4E50-8B1A-8FFB385EA9A5}" presName="hierChild4" presStyleCnt="0"/>
+      <dgm:spPr/>
+    </dgm:pt>
+    <dgm:pt modelId="{BCD8A9D8-3F0F-4FC0-9F86-73019DE67A08}" type="pres">
+      <dgm:prSet presAssocID="{732FC4A4-A59E-4E50-8B1A-8FFB385EA9A5}" presName="hierChild5" presStyleCnt="0"/>
+      <dgm:spPr/>
+    </dgm:pt>
+    <dgm:pt modelId="{BB3DE84D-A031-4E46-A384-EFCD7D00EFAD}" type="pres">
+      <dgm:prSet presAssocID="{CF37D7AA-CC6E-4AAA-83C6-652FF697376D}" presName="Name37" presStyleLbl="parChTrans1D2" presStyleIdx="8" presStyleCnt="9"/>
+      <dgm:spPr/>
+    </dgm:pt>
+    <dgm:pt modelId="{12F530B4-7FA6-407C-B3F3-5C4A66DE586D}" type="pres">
+      <dgm:prSet presAssocID="{416F5D14-6E9B-4169-AC47-12A3089A8D29}" presName="hierRoot2" presStyleCnt="0">
+        <dgm:presLayoutVars>
+          <dgm:hierBranch val="init"/>
+        </dgm:presLayoutVars>
+      </dgm:prSet>
+      <dgm:spPr/>
+    </dgm:pt>
+    <dgm:pt modelId="{0C033353-4F3D-4D21-A5FE-86C952AB557B}" type="pres">
+      <dgm:prSet presAssocID="{416F5D14-6E9B-4169-AC47-12A3089A8D29}" presName="rootComposite" presStyleCnt="0"/>
+      <dgm:spPr/>
+    </dgm:pt>
+    <dgm:pt modelId="{42FBB69A-D07C-4675-A6C0-5C539037C250}" type="pres">
+      <dgm:prSet presAssocID="{416F5D14-6E9B-4169-AC47-12A3089A8D29}" presName="rootText" presStyleLbl="node2" presStyleIdx="8" presStyleCnt="9">
+        <dgm:presLayoutVars>
+          <dgm:chPref val="3"/>
+        </dgm:presLayoutVars>
+      </dgm:prSet>
+      <dgm:spPr/>
+      <dgm:t>
+        <a:bodyPr/>
+        <a:lstStyle/>
+        <a:p>
+          <a:endParaRPr lang="en-US"/>
+        </a:p>
+      </dgm:t>
+    </dgm:pt>
+    <dgm:pt modelId="{D38B0CD6-3ABA-44EE-862A-BD8D41BE9E10}" type="pres">
+      <dgm:prSet presAssocID="{416F5D14-6E9B-4169-AC47-12A3089A8D29}" presName="rootConnector" presStyleLbl="node2" presStyleIdx="8" presStyleCnt="9"/>
+      <dgm:spPr/>
+      <dgm:t>
+        <a:bodyPr/>
+        <a:lstStyle/>
+        <a:p>
+          <a:endParaRPr lang="en-US"/>
+        </a:p>
+      </dgm:t>
+    </dgm:pt>
+    <dgm:pt modelId="{413446E1-EBDB-489B-BA04-F557F038800C}" type="pres">
+      <dgm:prSet presAssocID="{416F5D14-6E9B-4169-AC47-12A3089A8D29}" presName="hierChild4" presStyleCnt="0"/>
+      <dgm:spPr/>
+    </dgm:pt>
+    <dgm:pt modelId="{27C4A1AC-7471-42E9-8BE5-50CEEE27DEF3}" type="pres">
+      <dgm:prSet presAssocID="{416F5D14-6E9B-4169-AC47-12A3089A8D29}" presName="hierChild5" presStyleCnt="0"/>
+      <dgm:spPr/>
+    </dgm:pt>
     <dgm:pt modelId="{4BE4E4D0-0194-4683-BFCC-56DE3C297109}" type="pres">
       <dgm:prSet presAssocID="{04D3410C-BF9F-47BC-A0C2-50FD7716D1CC}" presName="hierChild3" presStyleCnt="0"/>
       <dgm:spPr/>
     </dgm:pt>
   </dgm:ptLst>
   <dgm:cxnLst>
-    <dgm:cxn modelId="{3CCB8D94-EC60-4FF8-8DAE-A38257F4A0F9}" type="presOf" srcId="{2DDBA43B-2D15-415A-8FA9-11D07302FA19}" destId="{6F3785A1-2CBB-4BC7-82E4-7727C75FE890}" srcOrd="1" destOrd="0" presId="urn:microsoft.com/office/officeart/2005/8/layout/orgChart1"/>
-    <dgm:cxn modelId="{8D0E7E72-21A1-456B-A81C-6FEC38D23F12}" type="presOf" srcId="{C0F2CC00-A000-4147-9F36-D902E3C60AC6}" destId="{2337CCE7-7254-4C76-B962-5FBBD0506301}" srcOrd="0" destOrd="0" presId="urn:microsoft.com/office/officeart/2005/8/layout/orgChart1"/>
-    <dgm:cxn modelId="{B9714A0B-5662-4C75-ADF1-DB4587C3A5FC}" srcId="{FC997524-F6D1-45B9-ADBE-74DB01C11CE0}" destId="{A5C2E024-4E50-467B-906E-CBDAE20E94F5}" srcOrd="0" destOrd="0" parTransId="{7E30431A-7150-427E-BC06-9DA78EFE0EE9}" sibTransId="{D402938A-5DBA-418D-8392-04FD8BB3A398}"/>
-    <dgm:cxn modelId="{CF7D29DD-CB1B-442E-886A-D49FB4C66C06}" type="presOf" srcId="{37D4D3F0-0F9F-4374-8E83-CFE419BEFD0A}" destId="{5A22FB93-F2C6-48A2-AA8E-A48296F25735}" srcOrd="0" destOrd="0" presId="urn:microsoft.com/office/officeart/2005/8/layout/orgChart1"/>
-    <dgm:cxn modelId="{CCFA4F59-D7E5-491C-AE10-14B0B9ED5C98}" srcId="{B9BC5233-8B2F-4699-889D-C5EAF695ED84}" destId="{FC997524-F6D1-45B9-ADBE-74DB01C11CE0}" srcOrd="3" destOrd="0" parTransId="{5C8D42A9-75FB-4BE8-943B-BD163AE78AAD}" sibTransId="{43A3AD77-A0A0-4836-883B-59DA6DBC204E}"/>
+    <dgm:cxn modelId="{C0284B0B-D2D0-4820-A5F9-6F59CF843D11}" type="presOf" srcId="{5033F54B-1DA7-4FCF-9698-98DBE566BAC5}" destId="{B26767DA-73EF-4423-9A7E-5BB2A3C04FF4}" srcOrd="0" destOrd="0" presId="urn:microsoft.com/office/officeart/2005/8/layout/orgChart1"/>
+    <dgm:cxn modelId="{EB44CCB1-8DCC-49D8-A7AD-C62F962097F0}" type="presOf" srcId="{B1538848-D4E9-4593-ABF5-D1C7B238EB9F}" destId="{1039F6A8-F34E-4A8A-B773-E49CC2D56F99}" srcOrd="1" destOrd="0" presId="urn:microsoft.com/office/officeart/2005/8/layout/orgChart1"/>
+    <dgm:cxn modelId="{9140E9B1-5043-4237-ABD0-921A378D3E84}" type="presOf" srcId="{B9BC5233-8B2F-4699-889D-C5EAF695ED84}" destId="{CA36E5F1-7A30-421F-A31E-2C9E12BBF60E}" srcOrd="0" destOrd="0" presId="urn:microsoft.com/office/officeart/2005/8/layout/orgChart1"/>
+    <dgm:cxn modelId="{100EA30B-74C1-4B2A-950B-E1818F6FBC97}" type="presOf" srcId="{04D3410C-BF9F-47BC-A0C2-50FD7716D1CC}" destId="{876E0281-E940-4803-9C21-FEC5F38DE21F}" srcOrd="1" destOrd="0" presId="urn:microsoft.com/office/officeart/2005/8/layout/orgChart1"/>
+    <dgm:cxn modelId="{237AA6B8-FD0A-4D68-A088-648021CE2463}" srcId="{04D3410C-BF9F-47BC-A0C2-50FD7716D1CC}" destId="{CE40DEAC-FE4D-49FC-B78E-7685A69FC968}" srcOrd="1" destOrd="0" parTransId="{6FA39A56-614D-40CE-A1B6-CCE7028C3E98}" sibTransId="{D374E4AC-3790-43F2-8F6A-BCB1ACEE1C7B}"/>
+    <dgm:cxn modelId="{7AA70BEB-39BE-444A-8E70-B93C8496E2DE}" type="presOf" srcId="{1322398B-C56B-4B80-856B-9D1D84BD912E}" destId="{3BC295ED-75FF-43BB-A151-5CA176ACAF97}" srcOrd="0" destOrd="0" presId="urn:microsoft.com/office/officeart/2005/8/layout/orgChart1"/>
+    <dgm:cxn modelId="{39D22ECC-9857-4DD7-8468-6624DFE7D95A}" srcId="{04D3410C-BF9F-47BC-A0C2-50FD7716D1CC}" destId="{732FC4A4-A59E-4E50-8B1A-8FFB385EA9A5}" srcOrd="7" destOrd="0" parTransId="{2942B610-A2A7-4B1B-8F9B-074F24F72A29}" sibTransId="{75BF5880-D000-4952-A629-0518984AE365}"/>
+    <dgm:cxn modelId="{FC5F3496-A4BA-4ED0-9D8C-952ECA0C81EF}" type="presOf" srcId="{9B5402F5-5491-41AE-A349-E12223280A4F}" destId="{E4CBF931-C9DA-479F-B949-376DB523D6F3}" srcOrd="0" destOrd="0" presId="urn:microsoft.com/office/officeart/2005/8/layout/orgChart1"/>
+    <dgm:cxn modelId="{8C230DCB-F031-4E51-97F2-0DD295D1F046}" srcId="{9B5402F5-5491-41AE-A349-E12223280A4F}" destId="{04D3410C-BF9F-47BC-A0C2-50FD7716D1CC}" srcOrd="0" destOrd="0" parTransId="{83A2AB12-50A5-45EB-89B2-C022E1504963}" sibTransId="{2DAF81E5-46A6-4088-8418-411DFD20522A}"/>
+    <dgm:cxn modelId="{2278788E-31BC-409E-AAD8-C0758C12DC28}" type="presOf" srcId="{732FC4A4-A59E-4E50-8B1A-8FFB385EA9A5}" destId="{97DBE272-BFE9-4230-A28F-AC97D485E8C3}" srcOrd="1" destOrd="0" presId="urn:microsoft.com/office/officeart/2005/8/layout/orgChart1"/>
+    <dgm:cxn modelId="{711D545E-86F8-4D11-A480-D56BEDA925FD}" type="presOf" srcId="{D35AA8C1-507B-4873-822E-2CB188B16A3A}" destId="{F50B8CA7-D555-44B6-AE98-D85EB8E5BA77}" srcOrd="1" destOrd="0" presId="urn:microsoft.com/office/officeart/2005/8/layout/orgChart1"/>
+    <dgm:cxn modelId="{BAA43CE4-1C76-424E-86E3-1219287D127E}" type="presOf" srcId="{B41E4082-C60B-41E0-B867-265537A9C8E6}" destId="{1FA64379-D753-4737-9942-A7688B88D208}" srcOrd="0" destOrd="0" presId="urn:microsoft.com/office/officeart/2005/8/layout/orgChart1"/>
+    <dgm:cxn modelId="{5BBDC5A0-9379-4238-98CE-E32A33E530CE}" type="presOf" srcId="{04D3410C-BF9F-47BC-A0C2-50FD7716D1CC}" destId="{01E94C18-8E6A-4DB8-8886-3FC5EB11D649}" srcOrd="0" destOrd="0" presId="urn:microsoft.com/office/officeart/2005/8/layout/orgChart1"/>
+    <dgm:cxn modelId="{C93F52A0-9683-4B24-B808-821ABF822AB8}" type="presOf" srcId="{76D28552-E73F-4BF2-9784-A1FE76787246}" destId="{3936AD59-22EF-48E1-9CCA-AE3DFF7DBF67}" srcOrd="0" destOrd="0" presId="urn:microsoft.com/office/officeart/2005/8/layout/orgChart1"/>
+    <dgm:cxn modelId="{68835B76-DED4-44AA-B841-EE78E257C218}" srcId="{04D3410C-BF9F-47BC-A0C2-50FD7716D1CC}" destId="{1322398B-C56B-4B80-856B-9D1D84BD912E}" srcOrd="5" destOrd="0" parTransId="{E73C7F11-817D-44E9-B453-371AF8DC9ECA}" sibTransId="{6A4F160D-1F50-4E68-B1B2-BB1A87F5BAD7}"/>
+    <dgm:cxn modelId="{696C2E18-43C8-4828-BD36-9DF2CDC709A2}" type="presOf" srcId="{3D2EC017-2C6A-42FC-82D6-D15DE2812237}" destId="{FB0CB4E6-564B-433F-A35E-0AE652AFCAF2}" srcOrd="0" destOrd="0" presId="urn:microsoft.com/office/officeart/2005/8/layout/orgChart1"/>
+    <dgm:cxn modelId="{5C63C9C5-E790-4237-8864-BDC925296D6F}" type="presOf" srcId="{3D2EC017-2C6A-42FC-82D6-D15DE2812237}" destId="{10FBF359-4677-4914-8F62-C5EF2E6AB287}" srcOrd="1" destOrd="0" presId="urn:microsoft.com/office/officeart/2005/8/layout/orgChart1"/>
+    <dgm:cxn modelId="{AD69E1BC-A38D-4C95-9C44-506C21C6F443}" type="presOf" srcId="{D7A049D7-1A80-4AB4-B3ED-DBA76FED7601}" destId="{6DD00628-E3F2-4C3A-A336-5977C4A95E56}" srcOrd="1" destOrd="0" presId="urn:microsoft.com/office/officeart/2005/8/layout/orgChart1"/>
+    <dgm:cxn modelId="{F19F466E-7C89-40E3-82DC-DF350B7DE1A9}" srcId="{D7A049D7-1A80-4AB4-B3ED-DBA76FED7601}" destId="{D35AA8C1-507B-4873-822E-2CB188B16A3A}" srcOrd="0" destOrd="0" parTransId="{70BEDD04-D561-4A9C-88FD-21E3585B7BBE}" sibTransId="{145E6091-9030-4B51-8679-213D11E89675}"/>
+    <dgm:cxn modelId="{46A25A55-7D44-45A3-8C51-5665CABFDAD3}" srcId="{D7A049D7-1A80-4AB4-B3ED-DBA76FED7601}" destId="{3D2EC017-2C6A-42FC-82D6-D15DE2812237}" srcOrd="1" destOrd="0" parTransId="{E8E573A6-7DCD-4470-BAFA-8974D900BEEE}" sibTransId="{DFF38C09-E276-423E-B5B6-B6D47FC709F0}"/>
+    <dgm:cxn modelId="{7C0FA5F9-CB69-4F83-90E7-DCAC1B2309A1}" type="presOf" srcId="{CE40DEAC-FE4D-49FC-B78E-7685A69FC968}" destId="{D5EDAC7C-D53B-4653-B850-92AD5DA8ABDF}" srcOrd="1" destOrd="0" presId="urn:microsoft.com/office/officeart/2005/8/layout/orgChart1"/>
+    <dgm:cxn modelId="{B6D0405E-C561-46C0-A465-25C08E2E8957}" type="presOf" srcId="{CF37D7AA-CC6E-4AAA-83C6-652FF697376D}" destId="{BB3DE84D-A031-4E46-A384-EFCD7D00EFAD}" srcOrd="0" destOrd="0" presId="urn:microsoft.com/office/officeart/2005/8/layout/orgChart1"/>
+    <dgm:cxn modelId="{7A663E31-C7E9-4D4F-A0EF-3693919FCEEF}" type="presOf" srcId="{9C8AE78A-099D-493C-BDF2-4A8621511F91}" destId="{B1E59E9F-AE07-49A0-916B-1B577317F7C8}" srcOrd="1" destOrd="0" presId="urn:microsoft.com/office/officeart/2005/8/layout/orgChart1"/>
+    <dgm:cxn modelId="{2E1F8624-DDFE-4166-A110-BB77E10D3965}" type="presOf" srcId="{E8E573A6-7DCD-4470-BAFA-8974D900BEEE}" destId="{9EE71C07-9B32-4CD0-BC4A-81AB33D9F1A4}" srcOrd="0" destOrd="0" presId="urn:microsoft.com/office/officeart/2005/8/layout/orgChart1"/>
+    <dgm:cxn modelId="{839BF730-8926-4B99-8D5F-2FB191D49EFC}" type="presOf" srcId="{416F5D14-6E9B-4169-AC47-12A3089A8D29}" destId="{D38B0CD6-3ABA-44EE-862A-BD8D41BE9E10}" srcOrd="1" destOrd="0" presId="urn:microsoft.com/office/officeart/2005/8/layout/orgChart1"/>
+    <dgm:cxn modelId="{A55C2D33-A40F-4029-9525-31A3DD414784}" type="presOf" srcId="{416F5D14-6E9B-4169-AC47-12A3089A8D29}" destId="{42FBB69A-D07C-4675-A6C0-5C539037C250}" srcOrd="0" destOrd="0" presId="urn:microsoft.com/office/officeart/2005/8/layout/orgChart1"/>
+    <dgm:cxn modelId="{F5BB9BA4-1F11-45A5-BFB2-90AE36A7BA3A}" type="presOf" srcId="{D7A049D7-1A80-4AB4-B3ED-DBA76FED7601}" destId="{8C2EE522-1CDE-4859-842F-03552F568042}" srcOrd="0" destOrd="0" presId="urn:microsoft.com/office/officeart/2005/8/layout/orgChart1"/>
+    <dgm:cxn modelId="{EDC1D47A-E2BB-4CDB-8A03-51E98DAB43E3}" srcId="{04D3410C-BF9F-47BC-A0C2-50FD7716D1CC}" destId="{B9BC5233-8B2F-4699-889D-C5EAF695ED84}" srcOrd="3" destOrd="0" parTransId="{B41E4082-C60B-41E0-B867-265537A9C8E6}" sibTransId="{BC9778F6-E9C9-4640-BCB8-195CDF38ADB0}"/>
+    <dgm:cxn modelId="{51873C92-D8E5-4790-A4E5-8DB643212085}" type="presOf" srcId="{4F7EC12D-58B1-4DA0-8941-2E6EE5FA81A0}" destId="{3770F94D-AAFC-444B-BEBF-B167A2193984}" srcOrd="0" destOrd="0" presId="urn:microsoft.com/office/officeart/2005/8/layout/orgChart1"/>
+    <dgm:cxn modelId="{50E9B0E3-161F-4E83-89AC-14A263978374}" srcId="{04D3410C-BF9F-47BC-A0C2-50FD7716D1CC}" destId="{B1538848-D4E9-4593-ABF5-D1C7B238EB9F}" srcOrd="0" destOrd="0" parTransId="{76D28552-E73F-4BF2-9784-A1FE76787246}" sibTransId="{2AD203FE-A805-4A23-9FE5-E90C70D06E1C}"/>
     <dgm:cxn modelId="{63954B33-C792-4A44-A084-5875E2604808}" srcId="{04D3410C-BF9F-47BC-A0C2-50FD7716D1CC}" destId="{9C8AE78A-099D-493C-BDF2-4A8621511F91}" srcOrd="2" destOrd="0" parTransId="{51175F27-C904-4E3F-A1CC-1BD37597E361}" sibTransId="{CDE4C5E7-2F2D-441A-B149-8BBAE140C938}"/>
-    <dgm:cxn modelId="{12CCC797-4603-4FD8-B8A9-3594970BA41B}" type="presOf" srcId="{86ECC915-E123-4651-8F01-9BA077DBABF8}" destId="{CBBAE366-6B86-4A52-AE41-06D091AEA270}" srcOrd="0" destOrd="0" presId="urn:microsoft.com/office/officeart/2005/8/layout/orgChart1"/>
-    <dgm:cxn modelId="{50E9B0E3-161F-4E83-89AC-14A263978374}" srcId="{04D3410C-BF9F-47BC-A0C2-50FD7716D1CC}" destId="{B1538848-D4E9-4593-ABF5-D1C7B238EB9F}" srcOrd="0" destOrd="0" parTransId="{76D28552-E73F-4BF2-9784-A1FE76787246}" sibTransId="{2AD203FE-A805-4A23-9FE5-E90C70D06E1C}"/>
-    <dgm:cxn modelId="{EC0E403D-234D-44DA-8ADF-7EE5BB5D8F92}" srcId="{FC997524-F6D1-45B9-ADBE-74DB01C11CE0}" destId="{37D4D3F0-0F9F-4374-8E83-CFE419BEFD0A}" srcOrd="4" destOrd="0" parTransId="{DE9806F2-E885-4A58-BBF1-0646327B8EAB}" sibTransId="{61633D8F-ADDA-4BA9-92FB-71EA79A9C047}"/>
-    <dgm:cxn modelId="{8C230DCB-F031-4E51-97F2-0DD295D1F046}" srcId="{9B5402F5-5491-41AE-A349-E12223280A4F}" destId="{04D3410C-BF9F-47BC-A0C2-50FD7716D1CC}" srcOrd="0" destOrd="0" parTransId="{83A2AB12-50A5-45EB-89B2-C022E1504963}" sibTransId="{2DAF81E5-46A6-4088-8418-411DFD20522A}"/>
-    <dgm:cxn modelId="{7A663E31-C7E9-4D4F-A0EF-3693919FCEEF}" type="presOf" srcId="{9C8AE78A-099D-493C-BDF2-4A8621511F91}" destId="{B1E59E9F-AE07-49A0-916B-1B577317F7C8}" srcOrd="1" destOrd="0" presId="urn:microsoft.com/office/officeart/2005/8/layout/orgChart1"/>
-    <dgm:cxn modelId="{BAA43CE4-1C76-424E-86E3-1219287D127E}" type="presOf" srcId="{B41E4082-C60B-41E0-B867-265537A9C8E6}" destId="{1FA64379-D753-4737-9942-A7688B88D208}" srcOrd="0" destOrd="0" presId="urn:microsoft.com/office/officeart/2005/8/layout/orgChart1"/>
-    <dgm:cxn modelId="{1A99EDD3-0405-4BEA-A6B5-8818E158FA95}" type="presOf" srcId="{FC997524-F6D1-45B9-ADBE-74DB01C11CE0}" destId="{9FDE4E52-1BF3-434B-A649-557EEE2EA29B}" srcOrd="1" destOrd="0" presId="urn:microsoft.com/office/officeart/2005/8/layout/orgChart1"/>
-    <dgm:cxn modelId="{C93F52A0-9683-4B24-B808-821ABF822AB8}" type="presOf" srcId="{76D28552-E73F-4BF2-9784-A1FE76787246}" destId="{3936AD59-22EF-48E1-9CCA-AE3DFF7DBF67}" srcOrd="0" destOrd="0" presId="urn:microsoft.com/office/officeart/2005/8/layout/orgChart1"/>
-    <dgm:cxn modelId="{0E3C7BB6-5757-4621-BA25-C47479C0BAE9}" srcId="{B9BC5233-8B2F-4699-889D-C5EAF695ED84}" destId="{74807911-6319-4AC9-B32F-D49645EC4B7B}" srcOrd="1" destOrd="0" parTransId="{42568ABC-6662-4EA6-8B12-2FB95462BFC5}" sibTransId="{2F50AC1E-B7C4-419D-ACE4-134042925034}"/>
+    <dgm:cxn modelId="{BEFD15D9-C78B-47FA-9E46-BE17FABDD3B7}" type="presOf" srcId="{B1538848-D4E9-4593-ABF5-D1C7B238EB9F}" destId="{2DEEA8C2-AABE-4A2D-A408-5AB2C6439BFC}" srcOrd="0" destOrd="0" presId="urn:microsoft.com/office/officeart/2005/8/layout/orgChart1"/>
+    <dgm:cxn modelId="{A5CF237C-F118-44AC-A338-C00E0FA0C495}" type="presOf" srcId="{820A5344-945A-4506-8DCF-D087DF8C5BA9}" destId="{BE1E800F-5A81-46FA-BD58-9082539B75BC}" srcOrd="0" destOrd="0" presId="urn:microsoft.com/office/officeart/2005/8/layout/orgChart1"/>
+    <dgm:cxn modelId="{D8F678C6-FB31-416A-A604-FE14704ACA7C}" type="presOf" srcId="{B9BC5233-8B2F-4699-889D-C5EAF695ED84}" destId="{E0F10D8B-CEF6-4F68-B9E6-192B9CD9019B}" srcOrd="1" destOrd="0" presId="urn:microsoft.com/office/officeart/2005/8/layout/orgChart1"/>
+    <dgm:cxn modelId="{82EFE7DB-8735-4BB0-91CC-62F36FB53393}" type="presOf" srcId="{70BEDD04-D561-4A9C-88FD-21E3585B7BBE}" destId="{AF9014B8-263B-4D18-8FFD-23B56D561BF1}" srcOrd="0" destOrd="0" presId="urn:microsoft.com/office/officeart/2005/8/layout/orgChart1"/>
+    <dgm:cxn modelId="{602F32CB-E5E7-416B-AEA2-02176CC31C83}" srcId="{04D3410C-BF9F-47BC-A0C2-50FD7716D1CC}" destId="{416F5D14-6E9B-4169-AC47-12A3089A8D29}" srcOrd="8" destOrd="0" parTransId="{CF37D7AA-CC6E-4AAA-83C6-652FF697376D}" sibTransId="{3FE07728-79F2-4B90-9C95-618BD34049D1}"/>
+    <dgm:cxn modelId="{0E709387-40A2-455C-9DFB-2DB41D883E47}" type="presOf" srcId="{732FC4A4-A59E-4E50-8B1A-8FFB385EA9A5}" destId="{2D5547FD-33C2-4095-8130-469DCCB67A7A}" srcOrd="0" destOrd="0" presId="urn:microsoft.com/office/officeart/2005/8/layout/orgChart1"/>
+    <dgm:cxn modelId="{68B3E07F-255C-4FCA-AC0D-19926704C394}" srcId="{D7A049D7-1A80-4AB4-B3ED-DBA76FED7601}" destId="{62380B5D-4C1E-4FEA-87A2-FB313D5617DC}" srcOrd="2" destOrd="0" parTransId="{4F7EC12D-58B1-4DA0-8941-2E6EE5FA81A0}" sibTransId="{D918DF3D-340B-4008-81F4-036A6760605D}"/>
+    <dgm:cxn modelId="{08D35F44-EEEE-4D8C-B8FF-D3E96155CAC3}" srcId="{04D3410C-BF9F-47BC-A0C2-50FD7716D1CC}" destId="{820A5344-945A-4506-8DCF-D087DF8C5BA9}" srcOrd="4" destOrd="0" parTransId="{DD6C6DC0-DB60-4A8F-BE99-55C70652C518}" sibTransId="{B812DAA4-F91A-4659-BCEA-8D5F65E93096}"/>
     <dgm:cxn modelId="{5239C8AB-12EE-4CDF-B1CA-7EA94BD32710}" type="presOf" srcId="{9C8AE78A-099D-493C-BDF2-4A8621511F91}" destId="{EB18FACC-C862-4E04-B5BE-B088B959A098}" srcOrd="0" destOrd="0" presId="urn:microsoft.com/office/officeart/2005/8/layout/orgChart1"/>
-    <dgm:cxn modelId="{DD3434C7-D1EA-4918-A8DB-CB011655DF9A}" type="presOf" srcId="{A5C2E024-4E50-467B-906E-CBDAE20E94F5}" destId="{4BD48BBC-2587-41E3-BF29-47513F458CFB}" srcOrd="1" destOrd="0" presId="urn:microsoft.com/office/officeart/2005/8/layout/orgChart1"/>
-    <dgm:cxn modelId="{E3FDA9F6-84DF-4E0C-9785-FFC5EF9D853B}" type="presOf" srcId="{78D83C7A-19B0-4654-A846-7A9E23C40A37}" destId="{D807AF80-1EDE-4A80-8A09-2CD0A20A38C6}" srcOrd="0" destOrd="0" presId="urn:microsoft.com/office/officeart/2005/8/layout/orgChart1"/>
-    <dgm:cxn modelId="{189EBC2F-E7EE-4C80-A6BE-2C71B844B48A}" type="presOf" srcId="{2DDBA43B-2D15-415A-8FA9-11D07302FA19}" destId="{24B878FF-06A4-4898-8D7A-CD5C812F8EC8}" srcOrd="0" destOrd="0" presId="urn:microsoft.com/office/officeart/2005/8/layout/orgChart1"/>
-    <dgm:cxn modelId="{D8019EF1-457E-47A3-B911-7475F9FB12DE}" type="presOf" srcId="{5C8D42A9-75FB-4BE8-943B-BD163AE78AAD}" destId="{82CE0FD8-27AA-4E17-AE6C-23DEB95D897C}" srcOrd="0" destOrd="0" presId="urn:microsoft.com/office/officeart/2005/8/layout/orgChart1"/>
-    <dgm:cxn modelId="{4379C880-FD31-4F8E-A0D3-B6F536888900}" srcId="{B9BC5233-8B2F-4699-889D-C5EAF695ED84}" destId="{1F7EC729-DCBB-4270-BC50-72A74D131E47}" srcOrd="2" destOrd="0" parTransId="{FB1228BC-BEBC-4290-AD37-1D89951445ED}" sibTransId="{5EBAB555-F772-4B50-B897-CEC07E31B465}"/>
-    <dgm:cxn modelId="{80158AB6-5869-4C62-9654-E99421A7F45A}" srcId="{FC997524-F6D1-45B9-ADBE-74DB01C11CE0}" destId="{78D83C7A-19B0-4654-A846-7A9E23C40A37}" srcOrd="1" destOrd="0" parTransId="{7AE6C7CE-3220-4F00-A0D7-E3C429833FF8}" sibTransId="{66B77F3C-AD4F-4125-B227-BBF5F93214BF}"/>
-    <dgm:cxn modelId="{19BFB504-92C5-4A10-91A2-6FFCB70B6C9A}" srcId="{B9BC5233-8B2F-4699-889D-C5EAF695ED84}" destId="{2DDBA43B-2D15-415A-8FA9-11D07302FA19}" srcOrd="0" destOrd="0" parTransId="{86ECC915-E123-4651-8F01-9BA077DBABF8}" sibTransId="{E70B43B0-DD0F-4196-BDEE-A2B24BD4E529}"/>
-    <dgm:cxn modelId="{1C17E941-28C7-4AD7-8999-C1020072A72F}" type="presOf" srcId="{329EC37E-40CC-4C62-9C99-E161BE98A268}" destId="{72D68093-444F-46FB-97BE-2238EFF7535D}" srcOrd="1" destOrd="0" presId="urn:microsoft.com/office/officeart/2005/8/layout/orgChart1"/>
-    <dgm:cxn modelId="{6949B359-9B6C-4B0E-BF7F-CEB450BA9A8B}" type="presOf" srcId="{1F7EC729-DCBB-4270-BC50-72A74D131E47}" destId="{DC694DA9-E3C5-4BB3-820A-C6747B925F78}" srcOrd="1" destOrd="0" presId="urn:microsoft.com/office/officeart/2005/8/layout/orgChart1"/>
-    <dgm:cxn modelId="{3EB74A54-35AE-45FB-B194-5D754ABE4D1D}" type="presOf" srcId="{329EC37E-40CC-4C62-9C99-E161BE98A268}" destId="{F5061BA5-6168-4A5B-A863-3B757437E7E4}" srcOrd="0" destOrd="0" presId="urn:microsoft.com/office/officeart/2005/8/layout/orgChart1"/>
-    <dgm:cxn modelId="{7AA6010B-B9BB-41AF-A03A-F1F8FA8EAD24}" type="presOf" srcId="{A5C2E024-4E50-467B-906E-CBDAE20E94F5}" destId="{2A8AE9FE-1C38-4CFF-9FDB-782F7CC5D64F}" srcOrd="0" destOrd="0" presId="urn:microsoft.com/office/officeart/2005/8/layout/orgChart1"/>
-    <dgm:cxn modelId="{3C636B02-5AC5-4727-B76E-613176B698DF}" srcId="{FC997524-F6D1-45B9-ADBE-74DB01C11CE0}" destId="{329EC37E-40CC-4C62-9C99-E161BE98A268}" srcOrd="2" destOrd="0" parTransId="{7439A4E4-469D-4770-ACB4-84F657D215B8}" sibTransId="{5F64EEB8-D729-46D6-9BE5-A95BEED4EC88}"/>
-    <dgm:cxn modelId="{3893D819-714D-4513-B31E-D24B486F87C4}" type="presOf" srcId="{DE9806F2-E885-4A58-BBF1-0646327B8EAB}" destId="{D01C3B22-5091-4A54-8921-00CBF0F6983B}" srcOrd="0" destOrd="0" presId="urn:microsoft.com/office/officeart/2005/8/layout/orgChart1"/>
-    <dgm:cxn modelId="{237AA6B8-FD0A-4D68-A088-648021CE2463}" srcId="{04D3410C-BF9F-47BC-A0C2-50FD7716D1CC}" destId="{CE40DEAC-FE4D-49FC-B78E-7685A69FC968}" srcOrd="1" destOrd="0" parTransId="{6FA39A56-614D-40CE-A1B6-CCE7028C3E98}" sibTransId="{D374E4AC-3790-43F2-8F6A-BCB1ACEE1C7B}"/>
-    <dgm:cxn modelId="{7B786AEC-8F21-4F3E-90D2-78DE99F9C1B0}" type="presOf" srcId="{74807911-6319-4AC9-B32F-D49645EC4B7B}" destId="{5AC085FA-BDF9-4654-96B4-CB60B57DFB08}" srcOrd="1" destOrd="0" presId="urn:microsoft.com/office/officeart/2005/8/layout/orgChart1"/>
-    <dgm:cxn modelId="{9E2C2CE9-A442-4C7E-9812-5163DB376C7B}" type="presOf" srcId="{78D83C7A-19B0-4654-A846-7A9E23C40A37}" destId="{D80D98EB-65F6-4E2C-9C3B-9F54CBC882DF}" srcOrd="1" destOrd="0" presId="urn:microsoft.com/office/officeart/2005/8/layout/orgChart1"/>
-    <dgm:cxn modelId="{EDC1D47A-E2BB-4CDB-8A03-51E98DAB43E3}" srcId="{04D3410C-BF9F-47BC-A0C2-50FD7716D1CC}" destId="{B9BC5233-8B2F-4699-889D-C5EAF695ED84}" srcOrd="3" destOrd="0" parTransId="{B41E4082-C60B-41E0-B867-265537A9C8E6}" sibTransId="{BC9778F6-E9C9-4640-BCB8-195CDF38ADB0}"/>
-    <dgm:cxn modelId="{BEFD15D9-C78B-47FA-9E46-BE17FABDD3B7}" type="presOf" srcId="{B1538848-D4E9-4593-ABF5-D1C7B238EB9F}" destId="{2DEEA8C2-AABE-4A2D-A408-5AB2C6439BFC}" srcOrd="0" destOrd="0" presId="urn:microsoft.com/office/officeart/2005/8/layout/orgChart1"/>
-    <dgm:cxn modelId="{9403B8F9-C71F-42E3-994B-2D3E42F7D6D1}" type="presOf" srcId="{FC997524-F6D1-45B9-ADBE-74DB01C11CE0}" destId="{A7C6F29D-BE36-4BAC-AEE0-F416F3A8D342}" srcOrd="0" destOrd="0" presId="urn:microsoft.com/office/officeart/2005/8/layout/orgChart1"/>
+    <dgm:cxn modelId="{EB364D24-00BC-497A-8841-B300CE6B7567}" type="presOf" srcId="{62380B5D-4C1E-4FEA-87A2-FB313D5617DC}" destId="{42485A1E-F309-47BA-8BF0-F089F79A5226}" srcOrd="0" destOrd="0" presId="urn:microsoft.com/office/officeart/2005/8/layout/orgChart1"/>
+    <dgm:cxn modelId="{B8AE74FF-4F93-4015-A373-4EB9884A1C02}" type="presOf" srcId="{62380B5D-4C1E-4FEA-87A2-FB313D5617DC}" destId="{B9C1886F-0005-4481-A969-3BF7805AEC4E}" srcOrd="1" destOrd="0" presId="urn:microsoft.com/office/officeart/2005/8/layout/orgChart1"/>
+    <dgm:cxn modelId="{DA229CA6-C68B-4D7A-B0C8-91D5F40F3819}" type="presOf" srcId="{DD6C6DC0-DB60-4A8F-BE99-55C70652C518}" destId="{39BBF1D8-C6A6-4405-AF65-9DBB4DF9DA4E}" srcOrd="0" destOrd="0" presId="urn:microsoft.com/office/officeart/2005/8/layout/orgChart1"/>
+    <dgm:cxn modelId="{A51A6FDA-1446-463D-AA47-919D406CFEE2}" srcId="{04D3410C-BF9F-47BC-A0C2-50FD7716D1CC}" destId="{D7A049D7-1A80-4AB4-B3ED-DBA76FED7601}" srcOrd="6" destOrd="0" parTransId="{5033F54B-1DA7-4FCF-9698-98DBE566BAC5}" sibTransId="{677F0CD2-A21D-4191-A139-B87FE06F642B}"/>
     <dgm:cxn modelId="{03D4DEE9-19B3-447D-B138-AF72931FEC0A}" type="presOf" srcId="{51175F27-C904-4E3F-A1CC-1BD37597E361}" destId="{88A1D685-7B0C-4E71-843E-A4B5B82F522A}" srcOrd="0" destOrd="0" presId="urn:microsoft.com/office/officeart/2005/8/layout/orgChart1"/>
-    <dgm:cxn modelId="{C37CB2E6-70A7-4BDD-BC24-296F1C33A6DD}" type="presOf" srcId="{7439A4E4-469D-4770-ACB4-84F657D215B8}" destId="{D4F46E87-6B0E-4067-B0E4-7CCF6DF38FA3}" srcOrd="0" destOrd="0" presId="urn:microsoft.com/office/officeart/2005/8/layout/orgChart1"/>
-    <dgm:cxn modelId="{E441807A-095A-4B3F-A833-EB74287260B0}" type="presOf" srcId="{1F7EC729-DCBB-4270-BC50-72A74D131E47}" destId="{811234D6-6D00-416A-B15E-7DDC9CAFBCEC}" srcOrd="0" destOrd="0" presId="urn:microsoft.com/office/officeart/2005/8/layout/orgChart1"/>
-    <dgm:cxn modelId="{7C0FA5F9-CB69-4F83-90E7-DCAC1B2309A1}" type="presOf" srcId="{CE40DEAC-FE4D-49FC-B78E-7685A69FC968}" destId="{D5EDAC7C-D53B-4653-B850-92AD5DA8ABDF}" srcOrd="1" destOrd="0" presId="urn:microsoft.com/office/officeart/2005/8/layout/orgChart1"/>
-    <dgm:cxn modelId="{5BBDC5A0-9379-4238-98CE-E32A33E530CE}" type="presOf" srcId="{04D3410C-BF9F-47BC-A0C2-50FD7716D1CC}" destId="{01E94C18-8E6A-4DB8-8886-3FC5EB11D649}" srcOrd="0" destOrd="0" presId="urn:microsoft.com/office/officeart/2005/8/layout/orgChart1"/>
-    <dgm:cxn modelId="{B6A611B3-1901-4EDF-AD79-6513C3519813}" type="presOf" srcId="{FB1228BC-BEBC-4290-AD37-1D89951445ED}" destId="{0213A523-DBE5-4D49-897B-0EAA321B8C00}" srcOrd="0" destOrd="0" presId="urn:microsoft.com/office/officeart/2005/8/layout/orgChart1"/>
-    <dgm:cxn modelId="{FC5F3496-A4BA-4ED0-9D8C-952ECA0C81EF}" type="presOf" srcId="{9B5402F5-5491-41AE-A349-E12223280A4F}" destId="{E4CBF931-C9DA-479F-B949-376DB523D6F3}" srcOrd="0" destOrd="0" presId="urn:microsoft.com/office/officeart/2005/8/layout/orgChart1"/>
-    <dgm:cxn modelId="{88F43902-BB9F-4CBE-ACD8-84E84A38A56A}" type="presOf" srcId="{C0F2CC00-A000-4147-9F36-D902E3C60AC6}" destId="{5184EB54-4ED0-4C9C-9AA8-FE665D0E1186}" srcOrd="1" destOrd="0" presId="urn:microsoft.com/office/officeart/2005/8/layout/orgChart1"/>
-    <dgm:cxn modelId="{4B00B730-B9B7-48C8-9700-4AD9C1207E96}" type="presOf" srcId="{74807911-6319-4AC9-B32F-D49645EC4B7B}" destId="{54978E7B-A547-4CC2-8F72-311820A74969}" srcOrd="0" destOrd="0" presId="urn:microsoft.com/office/officeart/2005/8/layout/orgChart1"/>
-    <dgm:cxn modelId="{D7CDAFD6-D0BF-43A1-BF5D-59BA9CC65636}" type="presOf" srcId="{7AE6C7CE-3220-4F00-A0D7-E3C429833FF8}" destId="{70243543-4008-46D3-866A-2DC5464600C3}" srcOrd="0" destOrd="0" presId="urn:microsoft.com/office/officeart/2005/8/layout/orgChart1"/>
-    <dgm:cxn modelId="{B2825C2B-7E3B-4358-BFF3-EDC191F9DA12}" type="presOf" srcId="{0737EDFA-71A0-4AA7-9D98-0F5331568123}" destId="{33A5EB87-1B28-48FD-9C37-E338CFD8EF53}" srcOrd="0" destOrd="0" presId="urn:microsoft.com/office/officeart/2005/8/layout/orgChart1"/>
-    <dgm:cxn modelId="{BEDEEBD7-0855-49EA-8B9A-4B88A23F58A8}" type="presOf" srcId="{7E30431A-7150-427E-BC06-9DA78EFE0EE9}" destId="{A25A9CAC-809B-4910-88B1-C25C24422B71}" srcOrd="0" destOrd="0" presId="urn:microsoft.com/office/officeart/2005/8/layout/orgChart1"/>
+    <dgm:cxn modelId="{F6A11CD2-C1FB-4B47-96A4-F922A10CFFBC}" type="presOf" srcId="{2942B610-A2A7-4B1B-8F9B-074F24F72A29}" destId="{80BE7CA7-822A-4122-A7B1-7197F73DCF52}" srcOrd="0" destOrd="0" presId="urn:microsoft.com/office/officeart/2005/8/layout/orgChart1"/>
+    <dgm:cxn modelId="{7A882E64-00CA-46C8-BAE3-A7B5F0214F50}" type="presOf" srcId="{D35AA8C1-507B-4873-822E-2CB188B16A3A}" destId="{A4689999-BB02-4CE5-B808-88A5865CAB11}" srcOrd="0" destOrd="0" presId="urn:microsoft.com/office/officeart/2005/8/layout/orgChart1"/>
     <dgm:cxn modelId="{189BB9C5-770A-4D2F-A92E-048424B79C0B}" type="presOf" srcId="{6FA39A56-614D-40CE-A1B6-CCE7028C3E98}" destId="{F7C8F6DF-F708-4DF4-925A-03C362047FC2}" srcOrd="0" destOrd="0" presId="urn:microsoft.com/office/officeart/2005/8/layout/orgChart1"/>
     <dgm:cxn modelId="{734AEA49-5E9A-48A7-B442-7B46B0AA107F}" type="presOf" srcId="{CE40DEAC-FE4D-49FC-B78E-7685A69FC968}" destId="{FA87C916-0CC1-414F-8E55-C72893B39D22}" srcOrd="0" destOrd="0" presId="urn:microsoft.com/office/officeart/2005/8/layout/orgChart1"/>
-    <dgm:cxn modelId="{EB44CCB1-8DCC-49D8-A7AD-C62F962097F0}" type="presOf" srcId="{B1538848-D4E9-4593-ABF5-D1C7B238EB9F}" destId="{1039F6A8-F34E-4A8A-B773-E49CC2D56F99}" srcOrd="1" destOrd="0" presId="urn:microsoft.com/office/officeart/2005/8/layout/orgChart1"/>
-    <dgm:cxn modelId="{D8F678C6-FB31-416A-A604-FE14704ACA7C}" type="presOf" srcId="{B9BC5233-8B2F-4699-889D-C5EAF695ED84}" destId="{E0F10D8B-CEF6-4F68-B9E6-192B9CD9019B}" srcOrd="1" destOrd="0" presId="urn:microsoft.com/office/officeart/2005/8/layout/orgChart1"/>
-    <dgm:cxn modelId="{A1D73126-004E-4FA6-87D1-B2C3B7794128}" type="presOf" srcId="{42568ABC-6662-4EA6-8B12-2FB95462BFC5}" destId="{3E1AF988-A728-45AE-8E46-8B037389EC07}" srcOrd="0" destOrd="0" presId="urn:microsoft.com/office/officeart/2005/8/layout/orgChart1"/>
-    <dgm:cxn modelId="{9140E9B1-5043-4237-ABD0-921A378D3E84}" type="presOf" srcId="{B9BC5233-8B2F-4699-889D-C5EAF695ED84}" destId="{CA36E5F1-7A30-421F-A31E-2C9E12BBF60E}" srcOrd="0" destOrd="0" presId="urn:microsoft.com/office/officeart/2005/8/layout/orgChart1"/>
-    <dgm:cxn modelId="{EDB27FAC-549E-4E57-A222-A165A23FE6F5}" srcId="{FC997524-F6D1-45B9-ADBE-74DB01C11CE0}" destId="{C0F2CC00-A000-4147-9F36-D902E3C60AC6}" srcOrd="3" destOrd="0" parTransId="{0737EDFA-71A0-4AA7-9D98-0F5331568123}" sibTransId="{D6A83E19-2103-4349-8ED1-0FFA62A0A813}"/>
-    <dgm:cxn modelId="{ABA2B41E-09C6-4ACC-BBAB-C8665F60A6BF}" type="presOf" srcId="{37D4D3F0-0F9F-4374-8E83-CFE419BEFD0A}" destId="{1B0FD223-EED2-4215-9CF2-6466C535CD80}" srcOrd="1" destOrd="0" presId="urn:microsoft.com/office/officeart/2005/8/layout/orgChart1"/>
-    <dgm:cxn modelId="{100EA30B-74C1-4B2A-950B-E1818F6FBC97}" type="presOf" srcId="{04D3410C-BF9F-47BC-A0C2-50FD7716D1CC}" destId="{876E0281-E940-4803-9C21-FEC5F38DE21F}" srcOrd="1" destOrd="0" presId="urn:microsoft.com/office/officeart/2005/8/layout/orgChart1"/>
+    <dgm:cxn modelId="{AC70613D-4943-44D7-9394-15AC5C1D0A1C}" type="presOf" srcId="{1322398B-C56B-4B80-856B-9D1D84BD912E}" destId="{68C39AD9-ECFB-412E-831A-0F8DE00753AB}" srcOrd="1" destOrd="0" presId="urn:microsoft.com/office/officeart/2005/8/layout/orgChart1"/>
+    <dgm:cxn modelId="{A5D41749-7D5D-4EFA-A468-90F0C481FA1A}" type="presOf" srcId="{E73C7F11-817D-44E9-B453-371AF8DC9ECA}" destId="{30199E4C-50F6-4984-BEEA-629595632965}" srcOrd="0" destOrd="0" presId="urn:microsoft.com/office/officeart/2005/8/layout/orgChart1"/>
+    <dgm:cxn modelId="{C5889B36-9D28-4234-A244-D8A4E4FE5CD1}" type="presOf" srcId="{820A5344-945A-4506-8DCF-D087DF8C5BA9}" destId="{C39B849D-750A-4C08-A2FD-C2C3A3AEABCE}" srcOrd="1" destOrd="0" presId="urn:microsoft.com/office/officeart/2005/8/layout/orgChart1"/>
     <dgm:cxn modelId="{5C36CAF0-B1BC-40F5-A26D-4BA8708935BF}" type="presParOf" srcId="{E4CBF931-C9DA-479F-B949-376DB523D6F3}" destId="{F2CAC38A-C759-48A4-9FB0-1E0B3FC3A5EF}" srcOrd="0" destOrd="0" presId="urn:microsoft.com/office/officeart/2005/8/layout/orgChart1"/>
     <dgm:cxn modelId="{6CCB1864-ADF4-45DD-A684-C975B6429CC5}" type="presParOf" srcId="{F2CAC38A-C759-48A4-9FB0-1E0B3FC3A5EF}" destId="{48E15447-3E2E-4C01-BFD1-16D9C83E1454}" srcOrd="0" destOrd="0" presId="urn:microsoft.com/office/officeart/2005/8/layout/orgChart1"/>
     <dgm:cxn modelId="{3FFCB2E3-774F-4069-90D5-B0416ADD0E99}" type="presParOf" srcId="{48E15447-3E2E-4C01-BFD1-16D9C83E1454}" destId="{01E94C18-8E6A-4DB8-8886-3FC5EB11D649}" srcOrd="0" destOrd="0" presId="urn:microsoft.com/office/officeart/2005/8/layout/orgChart1"/>
@@ -2031,70 +2148,63 @@
     <dgm:cxn modelId="{71C54AFD-24FD-4F3F-8F93-EECDD4182EA6}" type="presParOf" srcId="{12394770-9A55-4E33-B2B1-6C3C539AD583}" destId="{CA36E5F1-7A30-421F-A31E-2C9E12BBF60E}" srcOrd="0" destOrd="0" presId="urn:microsoft.com/office/officeart/2005/8/layout/orgChart1"/>
     <dgm:cxn modelId="{EEE123C0-C271-46C2-B066-B97556DA7764}" type="presParOf" srcId="{12394770-9A55-4E33-B2B1-6C3C539AD583}" destId="{E0F10D8B-CEF6-4F68-B9E6-192B9CD9019B}" srcOrd="1" destOrd="0" presId="urn:microsoft.com/office/officeart/2005/8/layout/orgChart1"/>
     <dgm:cxn modelId="{3C4EED9E-FDF2-46B7-8FF9-9C6C3719A003}" type="presParOf" srcId="{CDED78F3-16D9-4057-ADD8-32AE7B91AC90}" destId="{0AAD6D41-3B8C-41AC-9C96-AF763C29994C}" srcOrd="1" destOrd="0" presId="urn:microsoft.com/office/officeart/2005/8/layout/orgChart1"/>
-    <dgm:cxn modelId="{BC0AB759-6B03-4BC6-9C1D-08A090E666C8}" type="presParOf" srcId="{0AAD6D41-3B8C-41AC-9C96-AF763C29994C}" destId="{CBBAE366-6B86-4A52-AE41-06D091AEA270}" srcOrd="0" destOrd="0" presId="urn:microsoft.com/office/officeart/2005/8/layout/orgChart1"/>
-    <dgm:cxn modelId="{4CB1ECCC-9F4F-4643-B520-25246B063ABF}" type="presParOf" srcId="{0AAD6D41-3B8C-41AC-9C96-AF763C29994C}" destId="{82489E95-A747-4E74-9018-B926A8C2E827}" srcOrd="1" destOrd="0" presId="urn:microsoft.com/office/officeart/2005/8/layout/orgChart1"/>
-    <dgm:cxn modelId="{59A260A1-EEB0-41AF-B4C4-9C139FD68210}" type="presParOf" srcId="{82489E95-A747-4E74-9018-B926A8C2E827}" destId="{F6CE4022-2FF0-4368-B33C-9C8CAAFB7691}" srcOrd="0" destOrd="0" presId="urn:microsoft.com/office/officeart/2005/8/layout/orgChart1"/>
-    <dgm:cxn modelId="{D4EA35F2-D0AF-45E0-A111-B453D1E8B9AF}" type="presParOf" srcId="{F6CE4022-2FF0-4368-B33C-9C8CAAFB7691}" destId="{24B878FF-06A4-4898-8D7A-CD5C812F8EC8}" srcOrd="0" destOrd="0" presId="urn:microsoft.com/office/officeart/2005/8/layout/orgChart1"/>
-    <dgm:cxn modelId="{EA2C87F8-835B-4851-AF22-B9AA92129B4F}" type="presParOf" srcId="{F6CE4022-2FF0-4368-B33C-9C8CAAFB7691}" destId="{6F3785A1-2CBB-4BC7-82E4-7727C75FE890}" srcOrd="1" destOrd="0" presId="urn:microsoft.com/office/officeart/2005/8/layout/orgChart1"/>
-    <dgm:cxn modelId="{34F7E560-BA03-4E94-8F9F-DB84F55AAA74}" type="presParOf" srcId="{82489E95-A747-4E74-9018-B926A8C2E827}" destId="{6D78D300-98EF-4B8A-B374-9B225BF97B02}" srcOrd="1" destOrd="0" presId="urn:microsoft.com/office/officeart/2005/8/layout/orgChart1"/>
-    <dgm:cxn modelId="{E3B049AE-8EFE-416C-A10F-A37D46456563}" type="presParOf" srcId="{82489E95-A747-4E74-9018-B926A8C2E827}" destId="{FF6FEF03-B2B7-484A-B5B3-19B9781CABAA}" srcOrd="2" destOrd="0" presId="urn:microsoft.com/office/officeart/2005/8/layout/orgChart1"/>
-    <dgm:cxn modelId="{8AC278C6-CF11-4CB5-A07B-1543FFC3DBB9}" type="presParOf" srcId="{0AAD6D41-3B8C-41AC-9C96-AF763C29994C}" destId="{3E1AF988-A728-45AE-8E46-8B037389EC07}" srcOrd="2" destOrd="0" presId="urn:microsoft.com/office/officeart/2005/8/layout/orgChart1"/>
-    <dgm:cxn modelId="{B1E079D0-3E53-4370-94BE-AFFCC29E7A5F}" type="presParOf" srcId="{0AAD6D41-3B8C-41AC-9C96-AF763C29994C}" destId="{7AC6C3D8-C2D1-4D5A-8A93-733A00E0D930}" srcOrd="3" destOrd="0" presId="urn:microsoft.com/office/officeart/2005/8/layout/orgChart1"/>
-    <dgm:cxn modelId="{CE4E47B3-279F-4A98-8908-6EA3ED578B80}" type="presParOf" srcId="{7AC6C3D8-C2D1-4D5A-8A93-733A00E0D930}" destId="{9378F2DE-9CD8-4451-AF18-8CCDD844ABBC}" srcOrd="0" destOrd="0" presId="urn:microsoft.com/office/officeart/2005/8/layout/orgChart1"/>
-    <dgm:cxn modelId="{DE72216A-44AA-4AB1-8A8F-DADF6992AC2C}" type="presParOf" srcId="{9378F2DE-9CD8-4451-AF18-8CCDD844ABBC}" destId="{54978E7B-A547-4CC2-8F72-311820A74969}" srcOrd="0" destOrd="0" presId="urn:microsoft.com/office/officeart/2005/8/layout/orgChart1"/>
-    <dgm:cxn modelId="{162E4199-7555-43EC-9078-63D4B3BB925D}" type="presParOf" srcId="{9378F2DE-9CD8-4451-AF18-8CCDD844ABBC}" destId="{5AC085FA-BDF9-4654-96B4-CB60B57DFB08}" srcOrd="1" destOrd="0" presId="urn:microsoft.com/office/officeart/2005/8/layout/orgChart1"/>
-    <dgm:cxn modelId="{B561A08E-A422-4B6E-B7CC-D27C705122F0}" type="presParOf" srcId="{7AC6C3D8-C2D1-4D5A-8A93-733A00E0D930}" destId="{FA3E07DC-0517-4466-B6B8-B65058007BE8}" srcOrd="1" destOrd="0" presId="urn:microsoft.com/office/officeart/2005/8/layout/orgChart1"/>
-    <dgm:cxn modelId="{4AE88C00-9281-42C5-A5FF-6DC5BFB4DEA1}" type="presParOf" srcId="{7AC6C3D8-C2D1-4D5A-8A93-733A00E0D930}" destId="{532F6B91-B27C-4D48-B704-EE55DB1F4B9A}" srcOrd="2" destOrd="0" presId="urn:microsoft.com/office/officeart/2005/8/layout/orgChart1"/>
-    <dgm:cxn modelId="{38B8010D-5EC0-44ED-B7C5-6DF5C9F2A48C}" type="presParOf" srcId="{0AAD6D41-3B8C-41AC-9C96-AF763C29994C}" destId="{0213A523-DBE5-4D49-897B-0EAA321B8C00}" srcOrd="4" destOrd="0" presId="urn:microsoft.com/office/officeart/2005/8/layout/orgChart1"/>
-    <dgm:cxn modelId="{313C0E6F-0C61-4EF6-9715-D4AED12AC56B}" type="presParOf" srcId="{0AAD6D41-3B8C-41AC-9C96-AF763C29994C}" destId="{0BD4AAED-49EE-4CC3-8BC1-7814C99EA344}" srcOrd="5" destOrd="0" presId="urn:microsoft.com/office/officeart/2005/8/layout/orgChart1"/>
-    <dgm:cxn modelId="{706E41C7-6A77-488B-B73E-7556DD51C5C5}" type="presParOf" srcId="{0BD4AAED-49EE-4CC3-8BC1-7814C99EA344}" destId="{F8641EAD-2C61-4659-B1F9-6BFF41A15ADC}" srcOrd="0" destOrd="0" presId="urn:microsoft.com/office/officeart/2005/8/layout/orgChart1"/>
-    <dgm:cxn modelId="{ECC1B198-99DD-4A1C-9937-8DD2442702A5}" type="presParOf" srcId="{F8641EAD-2C61-4659-B1F9-6BFF41A15ADC}" destId="{811234D6-6D00-416A-B15E-7DDC9CAFBCEC}" srcOrd="0" destOrd="0" presId="urn:microsoft.com/office/officeart/2005/8/layout/orgChart1"/>
-    <dgm:cxn modelId="{A61AFECB-FE7C-4935-854C-DB406273D695}" type="presParOf" srcId="{F8641EAD-2C61-4659-B1F9-6BFF41A15ADC}" destId="{DC694DA9-E3C5-4BB3-820A-C6747B925F78}" srcOrd="1" destOrd="0" presId="urn:microsoft.com/office/officeart/2005/8/layout/orgChart1"/>
-    <dgm:cxn modelId="{8D480360-D346-416A-83CE-A29A4049605B}" type="presParOf" srcId="{0BD4AAED-49EE-4CC3-8BC1-7814C99EA344}" destId="{E6F6FB57-E036-4C0B-9354-16AB731D7A68}" srcOrd="1" destOrd="0" presId="urn:microsoft.com/office/officeart/2005/8/layout/orgChart1"/>
-    <dgm:cxn modelId="{6443B1E5-DAE9-4E4B-ACBA-2F2554669E0C}" type="presParOf" srcId="{0BD4AAED-49EE-4CC3-8BC1-7814C99EA344}" destId="{3E10A73B-D283-418B-A377-EEB77B906173}" srcOrd="2" destOrd="0" presId="urn:microsoft.com/office/officeart/2005/8/layout/orgChart1"/>
-    <dgm:cxn modelId="{FA4CE4AD-CDDE-47B6-82D0-22EF79F2D280}" type="presParOf" srcId="{0AAD6D41-3B8C-41AC-9C96-AF763C29994C}" destId="{82CE0FD8-27AA-4E17-AE6C-23DEB95D897C}" srcOrd="6" destOrd="0" presId="urn:microsoft.com/office/officeart/2005/8/layout/orgChart1"/>
-    <dgm:cxn modelId="{5D9F2A21-437B-4FD0-9ADA-4E48BBD2EA97}" type="presParOf" srcId="{0AAD6D41-3B8C-41AC-9C96-AF763C29994C}" destId="{890E8A4A-9C25-4005-8163-7CFF38CBFD20}" srcOrd="7" destOrd="0" presId="urn:microsoft.com/office/officeart/2005/8/layout/orgChart1"/>
-    <dgm:cxn modelId="{F8D9DB3F-CFC0-4CE2-8483-0A2F6775AFF4}" type="presParOf" srcId="{890E8A4A-9C25-4005-8163-7CFF38CBFD20}" destId="{1A9D4FB6-8CBA-46FE-B5A5-C7E510FCF78F}" srcOrd="0" destOrd="0" presId="urn:microsoft.com/office/officeart/2005/8/layout/orgChart1"/>
-    <dgm:cxn modelId="{F1ED0327-CF5A-4BD0-B8B1-1EEAEB5B98D7}" type="presParOf" srcId="{1A9D4FB6-8CBA-46FE-B5A5-C7E510FCF78F}" destId="{A7C6F29D-BE36-4BAC-AEE0-F416F3A8D342}" srcOrd="0" destOrd="0" presId="urn:microsoft.com/office/officeart/2005/8/layout/orgChart1"/>
-    <dgm:cxn modelId="{875A5A22-C042-43AC-82A3-E73B68D725FF}" type="presParOf" srcId="{1A9D4FB6-8CBA-46FE-B5A5-C7E510FCF78F}" destId="{9FDE4E52-1BF3-434B-A649-557EEE2EA29B}" srcOrd="1" destOrd="0" presId="urn:microsoft.com/office/officeart/2005/8/layout/orgChart1"/>
-    <dgm:cxn modelId="{61669AA9-A37B-4BFC-96B5-106DC822934E}" type="presParOf" srcId="{890E8A4A-9C25-4005-8163-7CFF38CBFD20}" destId="{B44FDD72-F8CD-45DB-BDE4-CAD386E474A3}" srcOrd="1" destOrd="0" presId="urn:microsoft.com/office/officeart/2005/8/layout/orgChart1"/>
-    <dgm:cxn modelId="{122E5202-E45E-41ED-AE4A-EDB299F18C87}" type="presParOf" srcId="{B44FDD72-F8CD-45DB-BDE4-CAD386E474A3}" destId="{A25A9CAC-809B-4910-88B1-C25C24422B71}" srcOrd="0" destOrd="0" presId="urn:microsoft.com/office/officeart/2005/8/layout/orgChart1"/>
-    <dgm:cxn modelId="{1C6E73C3-4CE0-48A7-8982-BD71DBD33F84}" type="presParOf" srcId="{B44FDD72-F8CD-45DB-BDE4-CAD386E474A3}" destId="{61C4F9DA-DD67-43FE-9F97-C155D373CBD3}" srcOrd="1" destOrd="0" presId="urn:microsoft.com/office/officeart/2005/8/layout/orgChart1"/>
-    <dgm:cxn modelId="{4F626EAD-0B65-409C-9D5B-D02CD0AC6AF4}" type="presParOf" srcId="{61C4F9DA-DD67-43FE-9F97-C155D373CBD3}" destId="{2011CE91-BD01-49D9-93B5-E39338594EA7}" srcOrd="0" destOrd="0" presId="urn:microsoft.com/office/officeart/2005/8/layout/orgChart1"/>
-    <dgm:cxn modelId="{1905094F-0B8D-4D4D-9E65-4D915B394DC2}" type="presParOf" srcId="{2011CE91-BD01-49D9-93B5-E39338594EA7}" destId="{2A8AE9FE-1C38-4CFF-9FDB-782F7CC5D64F}" srcOrd="0" destOrd="0" presId="urn:microsoft.com/office/officeart/2005/8/layout/orgChart1"/>
-    <dgm:cxn modelId="{F3BA01E5-9CA1-4240-8790-0C95A976F9CD}" type="presParOf" srcId="{2011CE91-BD01-49D9-93B5-E39338594EA7}" destId="{4BD48BBC-2587-41E3-BF29-47513F458CFB}" srcOrd="1" destOrd="0" presId="urn:microsoft.com/office/officeart/2005/8/layout/orgChart1"/>
-    <dgm:cxn modelId="{9328D8B7-5697-431F-B777-D94C1C1670C2}" type="presParOf" srcId="{61C4F9DA-DD67-43FE-9F97-C155D373CBD3}" destId="{A598B602-098A-4172-9584-2E27FDFBC279}" srcOrd="1" destOrd="0" presId="urn:microsoft.com/office/officeart/2005/8/layout/orgChart1"/>
-    <dgm:cxn modelId="{2A4EDBFD-4EC5-44E0-B358-9B35CCEE4A55}" type="presParOf" srcId="{61C4F9DA-DD67-43FE-9F97-C155D373CBD3}" destId="{45B7FB1E-CC1C-4C6A-9BE0-85AA81542B17}" srcOrd="2" destOrd="0" presId="urn:microsoft.com/office/officeart/2005/8/layout/orgChart1"/>
-    <dgm:cxn modelId="{A84DB353-BC78-4EAA-A94F-2A493BF7A595}" type="presParOf" srcId="{B44FDD72-F8CD-45DB-BDE4-CAD386E474A3}" destId="{70243543-4008-46D3-866A-2DC5464600C3}" srcOrd="2" destOrd="0" presId="urn:microsoft.com/office/officeart/2005/8/layout/orgChart1"/>
-    <dgm:cxn modelId="{E6696020-88D5-4ABE-823D-277084CC8A50}" type="presParOf" srcId="{B44FDD72-F8CD-45DB-BDE4-CAD386E474A3}" destId="{1922CC25-A057-4D0A-AFC2-89B486213592}" srcOrd="3" destOrd="0" presId="urn:microsoft.com/office/officeart/2005/8/layout/orgChart1"/>
-    <dgm:cxn modelId="{DA3C9EF4-7DB9-4BC5-B0DD-7F37675F6006}" type="presParOf" srcId="{1922CC25-A057-4D0A-AFC2-89B486213592}" destId="{2A8E70C6-5957-4450-A8B3-F39F4B251098}" srcOrd="0" destOrd="0" presId="urn:microsoft.com/office/officeart/2005/8/layout/orgChart1"/>
-    <dgm:cxn modelId="{0C900F29-78FB-4FBC-93CF-AF901B42DF08}" type="presParOf" srcId="{2A8E70C6-5957-4450-A8B3-F39F4B251098}" destId="{D807AF80-1EDE-4A80-8A09-2CD0A20A38C6}" srcOrd="0" destOrd="0" presId="urn:microsoft.com/office/officeart/2005/8/layout/orgChart1"/>
-    <dgm:cxn modelId="{4C9653C0-A6CC-4CA7-AE26-A1AABE978160}" type="presParOf" srcId="{2A8E70C6-5957-4450-A8B3-F39F4B251098}" destId="{D80D98EB-65F6-4E2C-9C3B-9F54CBC882DF}" srcOrd="1" destOrd="0" presId="urn:microsoft.com/office/officeart/2005/8/layout/orgChart1"/>
-    <dgm:cxn modelId="{CCEC603D-D30D-4F03-8AD9-6AF6A2AB5D09}" type="presParOf" srcId="{1922CC25-A057-4D0A-AFC2-89B486213592}" destId="{B1F59FA6-F28D-4E60-8F03-913A27EDC91E}" srcOrd="1" destOrd="0" presId="urn:microsoft.com/office/officeart/2005/8/layout/orgChart1"/>
-    <dgm:cxn modelId="{C0403A68-B2F0-4CC9-B231-975CF5A22F3E}" type="presParOf" srcId="{1922CC25-A057-4D0A-AFC2-89B486213592}" destId="{A9335657-1D2A-4F81-B07E-10C01486AE7A}" srcOrd="2" destOrd="0" presId="urn:microsoft.com/office/officeart/2005/8/layout/orgChart1"/>
-    <dgm:cxn modelId="{DA0AC261-EC35-4A64-B659-C95A12D0A175}" type="presParOf" srcId="{B44FDD72-F8CD-45DB-BDE4-CAD386E474A3}" destId="{D4F46E87-6B0E-4067-B0E4-7CCF6DF38FA3}" srcOrd="4" destOrd="0" presId="urn:microsoft.com/office/officeart/2005/8/layout/orgChart1"/>
-    <dgm:cxn modelId="{17C30A01-D613-4371-B98F-5D6E115D92D7}" type="presParOf" srcId="{B44FDD72-F8CD-45DB-BDE4-CAD386E474A3}" destId="{0376EC91-B026-4702-9B9B-330EA037B671}" srcOrd="5" destOrd="0" presId="urn:microsoft.com/office/officeart/2005/8/layout/orgChart1"/>
-    <dgm:cxn modelId="{EEDE6348-ADDE-4375-B8D2-CEC3BB892594}" type="presParOf" srcId="{0376EC91-B026-4702-9B9B-330EA037B671}" destId="{A1CF3E04-B79B-46BE-AC6A-1D844F9EAEB4}" srcOrd="0" destOrd="0" presId="urn:microsoft.com/office/officeart/2005/8/layout/orgChart1"/>
-    <dgm:cxn modelId="{4ABCC6C9-0487-4821-9BF8-AE34459B8C3D}" type="presParOf" srcId="{A1CF3E04-B79B-46BE-AC6A-1D844F9EAEB4}" destId="{F5061BA5-6168-4A5B-A863-3B757437E7E4}" srcOrd="0" destOrd="0" presId="urn:microsoft.com/office/officeart/2005/8/layout/orgChart1"/>
-    <dgm:cxn modelId="{801D383F-9DD5-43E6-A73C-7AF599510A3A}" type="presParOf" srcId="{A1CF3E04-B79B-46BE-AC6A-1D844F9EAEB4}" destId="{72D68093-444F-46FB-97BE-2238EFF7535D}" srcOrd="1" destOrd="0" presId="urn:microsoft.com/office/officeart/2005/8/layout/orgChart1"/>
-    <dgm:cxn modelId="{D952E9C0-9718-4D02-BDAF-509271700B21}" type="presParOf" srcId="{0376EC91-B026-4702-9B9B-330EA037B671}" destId="{7AB3E5C7-BA90-45AF-A54E-C150A3F8B5C0}" srcOrd="1" destOrd="0" presId="urn:microsoft.com/office/officeart/2005/8/layout/orgChart1"/>
-    <dgm:cxn modelId="{A3896810-7AD4-4900-ACC9-85DDAAC22E84}" type="presParOf" srcId="{0376EC91-B026-4702-9B9B-330EA037B671}" destId="{82464122-7BC1-4CC6-8DF4-69497BDB2ADF}" srcOrd="2" destOrd="0" presId="urn:microsoft.com/office/officeart/2005/8/layout/orgChart1"/>
-    <dgm:cxn modelId="{EF7AC9C9-D41E-4BD6-B37C-94FBC600F432}" type="presParOf" srcId="{B44FDD72-F8CD-45DB-BDE4-CAD386E474A3}" destId="{33A5EB87-1B28-48FD-9C37-E338CFD8EF53}" srcOrd="6" destOrd="0" presId="urn:microsoft.com/office/officeart/2005/8/layout/orgChart1"/>
-    <dgm:cxn modelId="{D0CD83D0-5CCB-4CFE-8D66-0C61C79A5D37}" type="presParOf" srcId="{B44FDD72-F8CD-45DB-BDE4-CAD386E474A3}" destId="{C0E959F7-0EB8-4EF8-B89A-F5F4629CA3D0}" srcOrd="7" destOrd="0" presId="urn:microsoft.com/office/officeart/2005/8/layout/orgChart1"/>
-    <dgm:cxn modelId="{963A92C7-F38C-4189-946A-4AF5444DC9D3}" type="presParOf" srcId="{C0E959F7-0EB8-4EF8-B89A-F5F4629CA3D0}" destId="{43148C3E-E524-4ACA-8774-E27603381E06}" srcOrd="0" destOrd="0" presId="urn:microsoft.com/office/officeart/2005/8/layout/orgChart1"/>
-    <dgm:cxn modelId="{C1E641F5-CC5C-4F72-9A17-082F2ABFF09C}" type="presParOf" srcId="{43148C3E-E524-4ACA-8774-E27603381E06}" destId="{2337CCE7-7254-4C76-B962-5FBBD0506301}" srcOrd="0" destOrd="0" presId="urn:microsoft.com/office/officeart/2005/8/layout/orgChart1"/>
-    <dgm:cxn modelId="{3A4105E9-C651-4966-AC95-D85AED89040F}" type="presParOf" srcId="{43148C3E-E524-4ACA-8774-E27603381E06}" destId="{5184EB54-4ED0-4C9C-9AA8-FE665D0E1186}" srcOrd="1" destOrd="0" presId="urn:microsoft.com/office/officeart/2005/8/layout/orgChart1"/>
-    <dgm:cxn modelId="{9388ADA9-6CEE-4CBC-9480-F765CFB23047}" type="presParOf" srcId="{C0E959F7-0EB8-4EF8-B89A-F5F4629CA3D0}" destId="{7A0167B9-73D3-4AB8-8853-7B62509EF5E3}" srcOrd="1" destOrd="0" presId="urn:microsoft.com/office/officeart/2005/8/layout/orgChart1"/>
-    <dgm:cxn modelId="{1037DE1D-5D56-4BD0-B581-EDC7B83346D7}" type="presParOf" srcId="{C0E959F7-0EB8-4EF8-B89A-F5F4629CA3D0}" destId="{07B734A0-1BD7-46B4-8311-B6D9FCE1799B}" srcOrd="2" destOrd="0" presId="urn:microsoft.com/office/officeart/2005/8/layout/orgChart1"/>
-    <dgm:cxn modelId="{43C41B26-85F3-4E06-B573-22A0E06EBEE3}" type="presParOf" srcId="{B44FDD72-F8CD-45DB-BDE4-CAD386E474A3}" destId="{D01C3B22-5091-4A54-8921-00CBF0F6983B}" srcOrd="8" destOrd="0" presId="urn:microsoft.com/office/officeart/2005/8/layout/orgChart1"/>
-    <dgm:cxn modelId="{8D5800B7-C4FB-43F5-A476-85F0E5AD3A4A}" type="presParOf" srcId="{B44FDD72-F8CD-45DB-BDE4-CAD386E474A3}" destId="{67B58192-976A-4629-8C82-EE8900D2D058}" srcOrd="9" destOrd="0" presId="urn:microsoft.com/office/officeart/2005/8/layout/orgChart1"/>
-    <dgm:cxn modelId="{2A1E86DB-9EB0-4CDB-BFBD-86611A42EB29}" type="presParOf" srcId="{67B58192-976A-4629-8C82-EE8900D2D058}" destId="{45A12947-3536-45B9-B99D-ADFFC4AB533D}" srcOrd="0" destOrd="0" presId="urn:microsoft.com/office/officeart/2005/8/layout/orgChart1"/>
-    <dgm:cxn modelId="{9716ABA5-8E0A-4A62-A567-24BBF308CC5B}" type="presParOf" srcId="{45A12947-3536-45B9-B99D-ADFFC4AB533D}" destId="{5A22FB93-F2C6-48A2-AA8E-A48296F25735}" srcOrd="0" destOrd="0" presId="urn:microsoft.com/office/officeart/2005/8/layout/orgChart1"/>
-    <dgm:cxn modelId="{00A488F2-4C98-48C2-B7E0-EA534DD47173}" type="presParOf" srcId="{45A12947-3536-45B9-B99D-ADFFC4AB533D}" destId="{1B0FD223-EED2-4215-9CF2-6466C535CD80}" srcOrd="1" destOrd="0" presId="urn:microsoft.com/office/officeart/2005/8/layout/orgChart1"/>
-    <dgm:cxn modelId="{42FA55DE-D78C-4E2D-9AA8-CE5137D527C3}" type="presParOf" srcId="{67B58192-976A-4629-8C82-EE8900D2D058}" destId="{D7A1A452-A5E7-47C1-9BD5-F5836764B630}" srcOrd="1" destOrd="0" presId="urn:microsoft.com/office/officeart/2005/8/layout/orgChart1"/>
-    <dgm:cxn modelId="{DA4480FD-8A45-4715-BA45-43F0D932E364}" type="presParOf" srcId="{67B58192-976A-4629-8C82-EE8900D2D058}" destId="{0634158B-8D18-403B-A149-8EC04DD37D3D}" srcOrd="2" destOrd="0" presId="urn:microsoft.com/office/officeart/2005/8/layout/orgChart1"/>
-    <dgm:cxn modelId="{18D4B9D4-7430-4B07-8667-D988CCCF8416}" type="presParOf" srcId="{890E8A4A-9C25-4005-8163-7CFF38CBFD20}" destId="{A8AE1D60-22C1-4417-A3AA-A153305D1F5C}" srcOrd="2" destOrd="0" presId="urn:microsoft.com/office/officeart/2005/8/layout/orgChart1"/>
     <dgm:cxn modelId="{57EF7F4C-5D8B-497C-BF57-7BA68E022404}" type="presParOf" srcId="{CDED78F3-16D9-4057-ADD8-32AE7B91AC90}" destId="{783BA56E-D561-4043-AB9D-298738546E89}" srcOrd="2" destOrd="0" presId="urn:microsoft.com/office/officeart/2005/8/layout/orgChart1"/>
+    <dgm:cxn modelId="{F3F7C8F3-05A9-497E-BD97-10F9DC9B925E}" type="presParOf" srcId="{64D5328D-4A33-4248-B87C-979DF934FB89}" destId="{39BBF1D8-C6A6-4405-AF65-9DBB4DF9DA4E}" srcOrd="8" destOrd="0" presId="urn:microsoft.com/office/officeart/2005/8/layout/orgChart1"/>
+    <dgm:cxn modelId="{1C118F6D-FBA4-461A-B23F-080E0A53283D}" type="presParOf" srcId="{64D5328D-4A33-4248-B87C-979DF934FB89}" destId="{83B3227C-3EBF-40F4-8FFB-FF519379CF79}" srcOrd="9" destOrd="0" presId="urn:microsoft.com/office/officeart/2005/8/layout/orgChart1"/>
+    <dgm:cxn modelId="{9D667358-1CF4-4575-AF00-C4EE137E35A0}" type="presParOf" srcId="{83B3227C-3EBF-40F4-8FFB-FF519379CF79}" destId="{E92C56A5-DB76-420D-94D9-4FFFE30F6D7F}" srcOrd="0" destOrd="0" presId="urn:microsoft.com/office/officeart/2005/8/layout/orgChart1"/>
+    <dgm:cxn modelId="{8F297F34-5C3F-4943-AF0E-4F447647683F}" type="presParOf" srcId="{E92C56A5-DB76-420D-94D9-4FFFE30F6D7F}" destId="{BE1E800F-5A81-46FA-BD58-9082539B75BC}" srcOrd="0" destOrd="0" presId="urn:microsoft.com/office/officeart/2005/8/layout/orgChart1"/>
+    <dgm:cxn modelId="{3E81C166-A60B-4620-8F17-5792FE5CBE95}" type="presParOf" srcId="{E92C56A5-DB76-420D-94D9-4FFFE30F6D7F}" destId="{C39B849D-750A-4C08-A2FD-C2C3A3AEABCE}" srcOrd="1" destOrd="0" presId="urn:microsoft.com/office/officeart/2005/8/layout/orgChart1"/>
+    <dgm:cxn modelId="{49652206-562D-4EFC-A82C-C9FEF61A4473}" type="presParOf" srcId="{83B3227C-3EBF-40F4-8FFB-FF519379CF79}" destId="{E08A060C-7066-4D4F-8773-AF92FFBB8375}" srcOrd="1" destOrd="0" presId="urn:microsoft.com/office/officeart/2005/8/layout/orgChart1"/>
+    <dgm:cxn modelId="{6882B637-8A84-4DE8-806E-D950F9805F60}" type="presParOf" srcId="{83B3227C-3EBF-40F4-8FFB-FF519379CF79}" destId="{E6105A2F-0F10-429B-A4C1-15FC8F55B65B}" srcOrd="2" destOrd="0" presId="urn:microsoft.com/office/officeart/2005/8/layout/orgChart1"/>
+    <dgm:cxn modelId="{E339B36A-E881-4731-8CA4-B3A701C2D3CC}" type="presParOf" srcId="{64D5328D-4A33-4248-B87C-979DF934FB89}" destId="{30199E4C-50F6-4984-BEEA-629595632965}" srcOrd="10" destOrd="0" presId="urn:microsoft.com/office/officeart/2005/8/layout/orgChart1"/>
+    <dgm:cxn modelId="{94A974F1-3772-4594-996A-28B19918B4A2}" type="presParOf" srcId="{64D5328D-4A33-4248-B87C-979DF934FB89}" destId="{C3ADFE3E-456E-4F65-A178-D9AA06B13326}" srcOrd="11" destOrd="0" presId="urn:microsoft.com/office/officeart/2005/8/layout/orgChart1"/>
+    <dgm:cxn modelId="{E751D4FA-70CB-4E91-B209-50F2E71DBF20}" type="presParOf" srcId="{C3ADFE3E-456E-4F65-A178-D9AA06B13326}" destId="{EE23184A-0341-44AD-815A-AFF485270A4F}" srcOrd="0" destOrd="0" presId="urn:microsoft.com/office/officeart/2005/8/layout/orgChart1"/>
+    <dgm:cxn modelId="{60125356-D1C0-404B-BC71-28E85E62F125}" type="presParOf" srcId="{EE23184A-0341-44AD-815A-AFF485270A4F}" destId="{3BC295ED-75FF-43BB-A151-5CA176ACAF97}" srcOrd="0" destOrd="0" presId="urn:microsoft.com/office/officeart/2005/8/layout/orgChart1"/>
+    <dgm:cxn modelId="{281CFFCA-8B6B-45B3-882B-5BCA8E3D9FFA}" type="presParOf" srcId="{EE23184A-0341-44AD-815A-AFF485270A4F}" destId="{68C39AD9-ECFB-412E-831A-0F8DE00753AB}" srcOrd="1" destOrd="0" presId="urn:microsoft.com/office/officeart/2005/8/layout/orgChart1"/>
+    <dgm:cxn modelId="{64481CB2-E1B8-40F0-B345-DE2497241B30}" type="presParOf" srcId="{C3ADFE3E-456E-4F65-A178-D9AA06B13326}" destId="{09F051FB-F47D-45D7-A775-9D8F58567A6E}" srcOrd="1" destOrd="0" presId="urn:microsoft.com/office/officeart/2005/8/layout/orgChart1"/>
+    <dgm:cxn modelId="{025C50A7-772C-40B1-96C9-2CD0EBCA9555}" type="presParOf" srcId="{C3ADFE3E-456E-4F65-A178-D9AA06B13326}" destId="{A4B53431-6A20-4EF4-9579-45B2CA3A79EE}" srcOrd="2" destOrd="0" presId="urn:microsoft.com/office/officeart/2005/8/layout/orgChart1"/>
+    <dgm:cxn modelId="{78D72D1B-787C-471A-993F-64D3EA0BCB4E}" type="presParOf" srcId="{64D5328D-4A33-4248-B87C-979DF934FB89}" destId="{B26767DA-73EF-4423-9A7E-5BB2A3C04FF4}" srcOrd="12" destOrd="0" presId="urn:microsoft.com/office/officeart/2005/8/layout/orgChart1"/>
+    <dgm:cxn modelId="{5BF076EF-84F3-49BA-9AFA-79685485BACE}" type="presParOf" srcId="{64D5328D-4A33-4248-B87C-979DF934FB89}" destId="{4BBBCAA6-F086-449C-9F05-242ECB8BEEE5}" srcOrd="13" destOrd="0" presId="urn:microsoft.com/office/officeart/2005/8/layout/orgChart1"/>
+    <dgm:cxn modelId="{B97B3A52-6E54-4923-A8BA-354139298D83}" type="presParOf" srcId="{4BBBCAA6-F086-449C-9F05-242ECB8BEEE5}" destId="{2590FCC8-4043-4EEA-B7F1-91644B138CC0}" srcOrd="0" destOrd="0" presId="urn:microsoft.com/office/officeart/2005/8/layout/orgChart1"/>
+    <dgm:cxn modelId="{05091045-DE27-4029-A97C-303D7ECB51F6}" type="presParOf" srcId="{2590FCC8-4043-4EEA-B7F1-91644B138CC0}" destId="{8C2EE522-1CDE-4859-842F-03552F568042}" srcOrd="0" destOrd="0" presId="urn:microsoft.com/office/officeart/2005/8/layout/orgChart1"/>
+    <dgm:cxn modelId="{628623B9-3B58-415B-88EB-343A6B5423BC}" type="presParOf" srcId="{2590FCC8-4043-4EEA-B7F1-91644B138CC0}" destId="{6DD00628-E3F2-4C3A-A336-5977C4A95E56}" srcOrd="1" destOrd="0" presId="urn:microsoft.com/office/officeart/2005/8/layout/orgChart1"/>
+    <dgm:cxn modelId="{C01EDABE-F5E9-49BB-8F0C-FA2E737E8EF1}" type="presParOf" srcId="{4BBBCAA6-F086-449C-9F05-242ECB8BEEE5}" destId="{67299D7E-D355-4C56-BFE0-7BBA5D3CAD7D}" srcOrd="1" destOrd="0" presId="urn:microsoft.com/office/officeart/2005/8/layout/orgChart1"/>
+    <dgm:cxn modelId="{7204C5CB-8FE9-40F3-9F46-0CE3C7453138}" type="presParOf" srcId="{67299D7E-D355-4C56-BFE0-7BBA5D3CAD7D}" destId="{AF9014B8-263B-4D18-8FFD-23B56D561BF1}" srcOrd="0" destOrd="0" presId="urn:microsoft.com/office/officeart/2005/8/layout/orgChart1"/>
+    <dgm:cxn modelId="{9A330FBB-3F62-4B4B-9B7C-0E0DAD9DEED7}" type="presParOf" srcId="{67299D7E-D355-4C56-BFE0-7BBA5D3CAD7D}" destId="{AC599C4D-D987-4A3E-9518-0F2416935424}" srcOrd="1" destOrd="0" presId="urn:microsoft.com/office/officeart/2005/8/layout/orgChart1"/>
+    <dgm:cxn modelId="{B3A6E1AF-E2F3-4341-BD88-C8444F4FA968}" type="presParOf" srcId="{AC599C4D-D987-4A3E-9518-0F2416935424}" destId="{D22CD245-F1F3-401C-90BD-81299AC19754}" srcOrd="0" destOrd="0" presId="urn:microsoft.com/office/officeart/2005/8/layout/orgChart1"/>
+    <dgm:cxn modelId="{6335BCBE-EDB8-4DCC-BDFB-3E588DDA48B3}" type="presParOf" srcId="{D22CD245-F1F3-401C-90BD-81299AC19754}" destId="{A4689999-BB02-4CE5-B808-88A5865CAB11}" srcOrd="0" destOrd="0" presId="urn:microsoft.com/office/officeart/2005/8/layout/orgChart1"/>
+    <dgm:cxn modelId="{8266D1FF-2C9E-4A2C-9FFD-AAA78CB0A773}" type="presParOf" srcId="{D22CD245-F1F3-401C-90BD-81299AC19754}" destId="{F50B8CA7-D555-44B6-AE98-D85EB8E5BA77}" srcOrd="1" destOrd="0" presId="urn:microsoft.com/office/officeart/2005/8/layout/orgChart1"/>
+    <dgm:cxn modelId="{E8497058-BCC9-4C6F-B9DD-D600E3BEDA3D}" type="presParOf" srcId="{AC599C4D-D987-4A3E-9518-0F2416935424}" destId="{7856F3A5-2A63-47FF-A572-C6649DB32BC6}" srcOrd="1" destOrd="0" presId="urn:microsoft.com/office/officeart/2005/8/layout/orgChart1"/>
+    <dgm:cxn modelId="{EE8731E6-7F8E-4544-8F78-411DC9E887C5}" type="presParOf" srcId="{AC599C4D-D987-4A3E-9518-0F2416935424}" destId="{DC70348E-4998-40F2-9421-11431EB2C2E0}" srcOrd="2" destOrd="0" presId="urn:microsoft.com/office/officeart/2005/8/layout/orgChart1"/>
+    <dgm:cxn modelId="{29C5A5BB-39E6-455B-9773-FE849AB1D3D3}" type="presParOf" srcId="{67299D7E-D355-4C56-BFE0-7BBA5D3CAD7D}" destId="{9EE71C07-9B32-4CD0-BC4A-81AB33D9F1A4}" srcOrd="2" destOrd="0" presId="urn:microsoft.com/office/officeart/2005/8/layout/orgChart1"/>
+    <dgm:cxn modelId="{36ACD050-1EC6-4765-B6B2-9BCBE4678809}" type="presParOf" srcId="{67299D7E-D355-4C56-BFE0-7BBA5D3CAD7D}" destId="{9FC4DDE6-53B2-4870-9366-F6C436C9FEDD}" srcOrd="3" destOrd="0" presId="urn:microsoft.com/office/officeart/2005/8/layout/orgChart1"/>
+    <dgm:cxn modelId="{1781AC52-59CB-4F3B-959E-E0728321F688}" type="presParOf" srcId="{9FC4DDE6-53B2-4870-9366-F6C436C9FEDD}" destId="{2AE62E14-51CE-4E77-81FC-655B272CA9E7}" srcOrd="0" destOrd="0" presId="urn:microsoft.com/office/officeart/2005/8/layout/orgChart1"/>
+    <dgm:cxn modelId="{1496ADC6-CB7B-42BE-A52C-CBF40CF990E2}" type="presParOf" srcId="{2AE62E14-51CE-4E77-81FC-655B272CA9E7}" destId="{FB0CB4E6-564B-433F-A35E-0AE652AFCAF2}" srcOrd="0" destOrd="0" presId="urn:microsoft.com/office/officeart/2005/8/layout/orgChart1"/>
+    <dgm:cxn modelId="{77229D49-1F7A-4F8F-B399-4B4E2E072670}" type="presParOf" srcId="{2AE62E14-51CE-4E77-81FC-655B272CA9E7}" destId="{10FBF359-4677-4914-8F62-C5EF2E6AB287}" srcOrd="1" destOrd="0" presId="urn:microsoft.com/office/officeart/2005/8/layout/orgChart1"/>
+    <dgm:cxn modelId="{3BDEF9BE-A535-4694-B276-0307D124F7CD}" type="presParOf" srcId="{9FC4DDE6-53B2-4870-9366-F6C436C9FEDD}" destId="{D0103A5B-CFFE-4CD8-942E-363518428648}" srcOrd="1" destOrd="0" presId="urn:microsoft.com/office/officeart/2005/8/layout/orgChart1"/>
+    <dgm:cxn modelId="{F234D09B-AFE1-4ECE-8EB4-C2551A3A2D7C}" type="presParOf" srcId="{9FC4DDE6-53B2-4870-9366-F6C436C9FEDD}" destId="{52300726-6655-42D8-931E-9F44BC7A9549}" srcOrd="2" destOrd="0" presId="urn:microsoft.com/office/officeart/2005/8/layout/orgChart1"/>
+    <dgm:cxn modelId="{3D5F1F1B-5DD9-4871-81C2-4F8A508596F6}" type="presParOf" srcId="{67299D7E-D355-4C56-BFE0-7BBA5D3CAD7D}" destId="{3770F94D-AAFC-444B-BEBF-B167A2193984}" srcOrd="4" destOrd="0" presId="urn:microsoft.com/office/officeart/2005/8/layout/orgChart1"/>
+    <dgm:cxn modelId="{FD55184A-D310-48C5-BD38-CB087CD5D7DD}" type="presParOf" srcId="{67299D7E-D355-4C56-BFE0-7BBA5D3CAD7D}" destId="{E5E635F2-CEE0-471C-8F9C-4634D3CBF987}" srcOrd="5" destOrd="0" presId="urn:microsoft.com/office/officeart/2005/8/layout/orgChart1"/>
+    <dgm:cxn modelId="{C42C4A30-B030-4D21-8AAA-DE4E63A95698}" type="presParOf" srcId="{E5E635F2-CEE0-471C-8F9C-4634D3CBF987}" destId="{8777E135-99B7-4A6C-B29A-11198F2BB168}" srcOrd="0" destOrd="0" presId="urn:microsoft.com/office/officeart/2005/8/layout/orgChart1"/>
+    <dgm:cxn modelId="{2DCE72C6-AC7D-43FC-900C-D7119205EE49}" type="presParOf" srcId="{8777E135-99B7-4A6C-B29A-11198F2BB168}" destId="{42485A1E-F309-47BA-8BF0-F089F79A5226}" srcOrd="0" destOrd="0" presId="urn:microsoft.com/office/officeart/2005/8/layout/orgChart1"/>
+    <dgm:cxn modelId="{B145F29F-27F9-49AE-BFEF-2B7713551E72}" type="presParOf" srcId="{8777E135-99B7-4A6C-B29A-11198F2BB168}" destId="{B9C1886F-0005-4481-A969-3BF7805AEC4E}" srcOrd="1" destOrd="0" presId="urn:microsoft.com/office/officeart/2005/8/layout/orgChart1"/>
+    <dgm:cxn modelId="{F23F5F6A-DEB6-4E16-AF79-0D84EC2EC5C3}" type="presParOf" srcId="{E5E635F2-CEE0-471C-8F9C-4634D3CBF987}" destId="{499898F2-FED3-4E5C-A5C2-FAD25711ECD5}" srcOrd="1" destOrd="0" presId="urn:microsoft.com/office/officeart/2005/8/layout/orgChart1"/>
+    <dgm:cxn modelId="{1E266F58-A3E8-47E8-BB72-BAFE99672436}" type="presParOf" srcId="{E5E635F2-CEE0-471C-8F9C-4634D3CBF987}" destId="{F0B9F7A0-513A-4B7C-98EF-1361F40C6D52}" srcOrd="2" destOrd="0" presId="urn:microsoft.com/office/officeart/2005/8/layout/orgChart1"/>
+    <dgm:cxn modelId="{0E05AB8E-7A5A-4158-B63B-EF2D9E570AE5}" type="presParOf" srcId="{4BBBCAA6-F086-449C-9F05-242ECB8BEEE5}" destId="{4AEAFDE2-2B2A-4D69-84E7-269BB3D5D423}" srcOrd="2" destOrd="0" presId="urn:microsoft.com/office/officeart/2005/8/layout/orgChart1"/>
+    <dgm:cxn modelId="{FE5C9111-6B56-46B8-9034-35D00A994F79}" type="presParOf" srcId="{64D5328D-4A33-4248-B87C-979DF934FB89}" destId="{80BE7CA7-822A-4122-A7B1-7197F73DCF52}" srcOrd="14" destOrd="0" presId="urn:microsoft.com/office/officeart/2005/8/layout/orgChart1"/>
+    <dgm:cxn modelId="{C155B6E0-ED0C-4474-9DB4-1699348CD91E}" type="presParOf" srcId="{64D5328D-4A33-4248-B87C-979DF934FB89}" destId="{BEC81B2B-A259-4432-A8CB-B8BA1A38CB5B}" srcOrd="15" destOrd="0" presId="urn:microsoft.com/office/officeart/2005/8/layout/orgChart1"/>
+    <dgm:cxn modelId="{19A28616-D6A9-4ECA-959E-5C528D5075B6}" type="presParOf" srcId="{BEC81B2B-A259-4432-A8CB-B8BA1A38CB5B}" destId="{C37C6447-4B48-4C41-91BE-AB606F418E13}" srcOrd="0" destOrd="0" presId="urn:microsoft.com/office/officeart/2005/8/layout/orgChart1"/>
+    <dgm:cxn modelId="{6D90D0BD-15A8-40FE-9A79-3DCF27E7D811}" type="presParOf" srcId="{C37C6447-4B48-4C41-91BE-AB606F418E13}" destId="{2D5547FD-33C2-4095-8130-469DCCB67A7A}" srcOrd="0" destOrd="0" presId="urn:microsoft.com/office/officeart/2005/8/layout/orgChart1"/>
+    <dgm:cxn modelId="{1FE87F3B-EAAE-406F-B640-EF376F21395A}" type="presParOf" srcId="{C37C6447-4B48-4C41-91BE-AB606F418E13}" destId="{97DBE272-BFE9-4230-A28F-AC97D485E8C3}" srcOrd="1" destOrd="0" presId="urn:microsoft.com/office/officeart/2005/8/layout/orgChart1"/>
+    <dgm:cxn modelId="{2A1CE299-1A50-4672-951D-863D42482A5A}" type="presParOf" srcId="{BEC81B2B-A259-4432-A8CB-B8BA1A38CB5B}" destId="{76C3A5A8-80A0-4979-A6F0-4425A67ACAC9}" srcOrd="1" destOrd="0" presId="urn:microsoft.com/office/officeart/2005/8/layout/orgChart1"/>
+    <dgm:cxn modelId="{4C6DD752-E7E3-4068-9EDC-58D76C40E5D4}" type="presParOf" srcId="{BEC81B2B-A259-4432-A8CB-B8BA1A38CB5B}" destId="{BCD8A9D8-3F0F-4FC0-9F86-73019DE67A08}" srcOrd="2" destOrd="0" presId="urn:microsoft.com/office/officeart/2005/8/layout/orgChart1"/>
+    <dgm:cxn modelId="{6C762AA0-B617-4E26-AF13-5E30592A0C31}" type="presParOf" srcId="{64D5328D-4A33-4248-B87C-979DF934FB89}" destId="{BB3DE84D-A031-4E46-A384-EFCD7D00EFAD}" srcOrd="16" destOrd="0" presId="urn:microsoft.com/office/officeart/2005/8/layout/orgChart1"/>
+    <dgm:cxn modelId="{F2E42B75-02B6-4B2D-B789-A478EACB24CD}" type="presParOf" srcId="{64D5328D-4A33-4248-B87C-979DF934FB89}" destId="{12F530B4-7FA6-407C-B3F3-5C4A66DE586D}" srcOrd="17" destOrd="0" presId="urn:microsoft.com/office/officeart/2005/8/layout/orgChart1"/>
+    <dgm:cxn modelId="{BD8A61DA-6C37-4300-9BE8-5C93D7A80409}" type="presParOf" srcId="{12F530B4-7FA6-407C-B3F3-5C4A66DE586D}" destId="{0C033353-4F3D-4D21-A5FE-86C952AB557B}" srcOrd="0" destOrd="0" presId="urn:microsoft.com/office/officeart/2005/8/layout/orgChart1"/>
+    <dgm:cxn modelId="{0E105A7C-5F29-4B67-9439-A26076A3F31A}" type="presParOf" srcId="{0C033353-4F3D-4D21-A5FE-86C952AB557B}" destId="{42FBB69A-D07C-4675-A6C0-5C539037C250}" srcOrd="0" destOrd="0" presId="urn:microsoft.com/office/officeart/2005/8/layout/orgChart1"/>
+    <dgm:cxn modelId="{0E131CCA-A930-4B0D-8907-E9E0F925736E}" type="presParOf" srcId="{0C033353-4F3D-4D21-A5FE-86C952AB557B}" destId="{D38B0CD6-3ABA-44EE-862A-BD8D41BE9E10}" srcOrd="1" destOrd="0" presId="urn:microsoft.com/office/officeart/2005/8/layout/orgChart1"/>
+    <dgm:cxn modelId="{A09D4FE1-A066-4BE5-9FE1-9EBAA7A6EB3F}" type="presParOf" srcId="{12F530B4-7FA6-407C-B3F3-5C4A66DE586D}" destId="{413446E1-EBDB-489B-BA04-F557F038800C}" srcOrd="1" destOrd="0" presId="urn:microsoft.com/office/officeart/2005/8/layout/orgChart1"/>
+    <dgm:cxn modelId="{0AEE3409-17BE-4B09-A82E-4606902BF0D1}" type="presParOf" srcId="{12F530B4-7FA6-407C-B3F3-5C4A66DE586D}" destId="{27C4A1AC-7471-42E9-8BE5-50CEEE27DEF3}" srcOrd="2" destOrd="0" presId="urn:microsoft.com/office/officeart/2005/8/layout/orgChart1"/>
     <dgm:cxn modelId="{3F84DCF7-70CC-4FAF-AF02-D13F4351786E}" type="presParOf" srcId="{F2CAC38A-C759-48A4-9FB0-1E0B3FC3A5EF}" destId="{4BE4E4D0-0194-4683-BFCC-56DE3C297109}" srcOrd="2" destOrd="0" presId="urn:microsoft.com/office/officeart/2005/8/layout/orgChart1"/>
   </dgm:cxnLst>
   <dgm:bg/>
@@ -2115,15 +2225,15 @@
       <dsp:cNvGrpSpPr/>
     </dsp:nvGrpSpPr>
     <dsp:grpSpPr/>
-    <dsp:sp modelId="{D01C3B22-5091-4A54-8921-00CBF0F6983B}">
+    <dsp:sp modelId="{BB3DE84D-A031-4E46-A384-EFCD7D00EFAD}">
       <dsp:nvSpPr>
         <dsp:cNvPr id="0" name=""/>
         <dsp:cNvSpPr/>
       </dsp:nvSpPr>
       <dsp:spPr>
         <a:xfrm>
-          <a:off x="6823173" y="1761599"/>
-          <a:ext cx="268990" cy="3025965"/>
+          <a:off x="5498123" y="1435086"/>
+          <a:ext cx="5034737" cy="192739"/>
         </a:xfrm>
         <a:custGeom>
           <a:avLst/>
@@ -2137,10 +2247,134 @@
                 <a:pt x="0" y="0"/>
               </a:moveTo>
               <a:lnTo>
-                <a:pt x="0" y="3025965"/>
+                <a:pt x="0" y="96369"/>
               </a:lnTo>
               <a:lnTo>
-                <a:pt x="268990" y="3025965"/>
+                <a:pt x="5034737" y="96369"/>
+              </a:lnTo>
+              <a:lnTo>
+                <a:pt x="5034737" y="192739"/>
+              </a:lnTo>
+            </a:path>
+          </a:pathLst>
+        </a:custGeom>
+        <a:noFill/>
+        <a:ln w="12700" cap="flat" cmpd="sng" algn="ctr">
+          <a:solidFill>
+            <a:schemeClr val="accent1">
+              <a:shade val="60000"/>
+              <a:hueOff val="0"/>
+              <a:satOff val="0"/>
+              <a:lumOff val="0"/>
+              <a:alphaOff val="0"/>
+            </a:schemeClr>
+          </a:solidFill>
+          <a:prstDash val="solid"/>
+          <a:miter lim="800000"/>
+        </a:ln>
+        <a:effectLst/>
+      </dsp:spPr>
+      <dsp:style>
+        <a:lnRef idx="2">
+          <a:scrgbClr r="0" g="0" b="0"/>
+        </a:lnRef>
+        <a:fillRef idx="0">
+          <a:scrgbClr r="0" g="0" b="0"/>
+        </a:fillRef>
+        <a:effectRef idx="0">
+          <a:scrgbClr r="0" g="0" b="0"/>
+        </a:effectRef>
+        <a:fontRef idx="minor"/>
+      </dsp:style>
+    </dsp:sp>
+    <dsp:sp modelId="{80BE7CA7-822A-4122-A7B1-7197F73DCF52}">
+      <dsp:nvSpPr>
+        <dsp:cNvPr id="0" name=""/>
+        <dsp:cNvSpPr/>
+      </dsp:nvSpPr>
+      <dsp:spPr>
+        <a:xfrm>
+          <a:off x="5498123" y="1435086"/>
+          <a:ext cx="3831371" cy="192739"/>
+        </a:xfrm>
+        <a:custGeom>
+          <a:avLst/>
+          <a:gdLst/>
+          <a:ahLst/>
+          <a:cxnLst/>
+          <a:rect l="0" t="0" r="0" b="0"/>
+          <a:pathLst>
+            <a:path>
+              <a:moveTo>
+                <a:pt x="0" y="0"/>
+              </a:moveTo>
+              <a:lnTo>
+                <a:pt x="0" y="96369"/>
+              </a:lnTo>
+              <a:lnTo>
+                <a:pt x="3831371" y="96369"/>
+              </a:lnTo>
+              <a:lnTo>
+                <a:pt x="3831371" y="192739"/>
+              </a:lnTo>
+            </a:path>
+          </a:pathLst>
+        </a:custGeom>
+        <a:noFill/>
+        <a:ln w="12700" cap="flat" cmpd="sng" algn="ctr">
+          <a:solidFill>
+            <a:schemeClr val="accent1">
+              <a:shade val="60000"/>
+              <a:hueOff val="0"/>
+              <a:satOff val="0"/>
+              <a:lumOff val="0"/>
+              <a:alphaOff val="0"/>
+            </a:schemeClr>
+          </a:solidFill>
+          <a:prstDash val="solid"/>
+          <a:miter lim="800000"/>
+        </a:ln>
+        <a:effectLst/>
+      </dsp:spPr>
+      <dsp:style>
+        <a:lnRef idx="2">
+          <a:scrgbClr r="0" g="0" b="0"/>
+        </a:lnRef>
+        <a:fillRef idx="0">
+          <a:scrgbClr r="0" g="0" b="0"/>
+        </a:fillRef>
+        <a:effectRef idx="0">
+          <a:scrgbClr r="0" g="0" b="0"/>
+        </a:effectRef>
+        <a:fontRef idx="minor"/>
+      </dsp:style>
+    </dsp:sp>
+    <dsp:sp modelId="{3770F94D-AAFC-444B-BEBF-B167A2193984}">
+      <dsp:nvSpPr>
+        <dsp:cNvPr id="0" name=""/>
+        <dsp:cNvSpPr/>
+      </dsp:nvSpPr>
+      <dsp:spPr>
+        <a:xfrm>
+          <a:off x="7759006" y="2086729"/>
+          <a:ext cx="137671" cy="1725479"/>
+        </a:xfrm>
+        <a:custGeom>
+          <a:avLst/>
+          <a:gdLst/>
+          <a:ahLst/>
+          <a:cxnLst/>
+          <a:rect l="0" t="0" r="0" b="0"/>
+          <a:pathLst>
+            <a:path>
+              <a:moveTo>
+                <a:pt x="0" y="0"/>
+              </a:moveTo>
+              <a:lnTo>
+                <a:pt x="0" y="1725479"/>
+              </a:lnTo>
+              <a:lnTo>
+                <a:pt x="137671" y="1725479"/>
               </a:lnTo>
             </a:path>
           </a:pathLst>
@@ -2174,15 +2408,15 @@
         <a:fontRef idx="minor"/>
       </dsp:style>
     </dsp:sp>
-    <dsp:sp modelId="{33A5EB87-1B28-48FD-9C37-E338CFD8EF53}">
+    <dsp:sp modelId="{9EE71C07-9B32-4CD0-BC4A-81AB33D9F1A4}">
       <dsp:nvSpPr>
         <dsp:cNvPr id="0" name=""/>
         <dsp:cNvSpPr/>
       </dsp:nvSpPr>
       <dsp:spPr>
         <a:xfrm>
-          <a:off x="6823173" y="1761599"/>
-          <a:ext cx="268990" cy="2374924"/>
+          <a:off x="7759006" y="2086729"/>
+          <a:ext cx="137671" cy="1073835"/>
         </a:xfrm>
         <a:custGeom>
           <a:avLst/>
@@ -2196,10 +2430,10 @@
                 <a:pt x="0" y="0"/>
               </a:moveTo>
               <a:lnTo>
-                <a:pt x="0" y="2374924"/>
+                <a:pt x="0" y="1073835"/>
               </a:lnTo>
               <a:lnTo>
-                <a:pt x="268990" y="2374924"/>
+                <a:pt x="137671" y="1073835"/>
               </a:lnTo>
             </a:path>
           </a:pathLst>
@@ -2233,15 +2467,15 @@
         <a:fontRef idx="minor"/>
       </dsp:style>
     </dsp:sp>
-    <dsp:sp modelId="{D4F46E87-6B0E-4067-B0E4-7CCF6DF38FA3}">
+    <dsp:sp modelId="{AF9014B8-263B-4D18-8FFD-23B56D561BF1}">
       <dsp:nvSpPr>
         <dsp:cNvPr id="0" name=""/>
         <dsp:cNvSpPr/>
       </dsp:nvSpPr>
       <dsp:spPr>
         <a:xfrm>
-          <a:off x="6823173" y="1761599"/>
-          <a:ext cx="268990" cy="1723883"/>
+          <a:off x="7759006" y="2086729"/>
+          <a:ext cx="137671" cy="422191"/>
         </a:xfrm>
         <a:custGeom>
           <a:avLst/>
@@ -2255,10 +2489,10 @@
                 <a:pt x="0" y="0"/>
               </a:moveTo>
               <a:lnTo>
-                <a:pt x="0" y="1723883"/>
+                <a:pt x="0" y="422191"/>
               </a:lnTo>
               <a:lnTo>
-                <a:pt x="268990" y="1723883"/>
+                <a:pt x="137671" y="422191"/>
               </a:lnTo>
             </a:path>
           </a:pathLst>
@@ -2292,15 +2526,15 @@
         <a:fontRef idx="minor"/>
       </dsp:style>
     </dsp:sp>
-    <dsp:sp modelId="{70243543-4008-46D3-866A-2DC5464600C3}">
+    <dsp:sp modelId="{B26767DA-73EF-4423-9A7E-5BB2A3C04FF4}">
       <dsp:nvSpPr>
         <dsp:cNvPr id="0" name=""/>
         <dsp:cNvSpPr/>
       </dsp:nvSpPr>
       <dsp:spPr>
         <a:xfrm>
-          <a:off x="6823173" y="1761599"/>
-          <a:ext cx="268990" cy="1072842"/>
+          <a:off x="5498123" y="1435086"/>
+          <a:ext cx="2628005" cy="192739"/>
         </a:xfrm>
         <a:custGeom>
           <a:avLst/>
@@ -2314,10 +2548,13 @@
                 <a:pt x="0" y="0"/>
               </a:moveTo>
               <a:lnTo>
-                <a:pt x="0" y="1072842"/>
+                <a:pt x="0" y="96369"/>
               </a:lnTo>
               <a:lnTo>
-                <a:pt x="268990" y="1072842"/>
+                <a:pt x="2628005" y="96369"/>
+              </a:lnTo>
+              <a:lnTo>
+                <a:pt x="2628005" y="192739"/>
               </a:lnTo>
             </a:path>
           </a:pathLst>
@@ -2326,7 +2563,7 @@
         <a:ln w="12700" cap="flat" cmpd="sng" algn="ctr">
           <a:solidFill>
             <a:schemeClr val="accent1">
-              <a:shade val="80000"/>
+              <a:shade val="60000"/>
               <a:hueOff val="0"/>
               <a:satOff val="0"/>
               <a:lumOff val="0"/>
@@ -2351,15 +2588,15 @@
         <a:fontRef idx="minor"/>
       </dsp:style>
     </dsp:sp>
-    <dsp:sp modelId="{A25A9CAC-809B-4910-88B1-C25C24422B71}">
+    <dsp:sp modelId="{30199E4C-50F6-4984-BEEA-629595632965}">
       <dsp:nvSpPr>
         <dsp:cNvPr id="0" name=""/>
         <dsp:cNvSpPr/>
       </dsp:nvSpPr>
       <dsp:spPr>
         <a:xfrm>
-          <a:off x="6823173" y="1761599"/>
-          <a:ext cx="268990" cy="421801"/>
+          <a:off x="5498123" y="1435086"/>
+          <a:ext cx="1517458" cy="192739"/>
         </a:xfrm>
         <a:custGeom>
           <a:avLst/>
@@ -2373,10 +2610,13 @@
                 <a:pt x="0" y="0"/>
               </a:moveTo>
               <a:lnTo>
-                <a:pt x="0" y="421801"/>
+                <a:pt x="0" y="96369"/>
               </a:lnTo>
               <a:lnTo>
-                <a:pt x="268990" y="421801"/>
+                <a:pt x="1517458" y="96369"/>
+              </a:lnTo>
+              <a:lnTo>
+                <a:pt x="1517458" y="192739"/>
               </a:lnTo>
             </a:path>
           </a:pathLst>
@@ -2385,7 +2625,7 @@
         <a:ln w="12700" cap="flat" cmpd="sng" algn="ctr">
           <a:solidFill>
             <a:schemeClr val="accent1">
-              <a:shade val="80000"/>
+              <a:shade val="60000"/>
               <a:hueOff val="0"/>
               <a:satOff val="0"/>
               <a:lumOff val="0"/>
@@ -2410,15 +2650,15 @@
         <a:fontRef idx="minor"/>
       </dsp:style>
     </dsp:sp>
-    <dsp:sp modelId="{82CE0FD8-27AA-4E17-AE6C-23DEB95D897C}">
+    <dsp:sp modelId="{39BBF1D8-C6A6-4405-AF65-9DBB4DF9DA4E}">
       <dsp:nvSpPr>
         <dsp:cNvPr id="0" name=""/>
         <dsp:cNvSpPr/>
       </dsp:nvSpPr>
       <dsp:spPr>
         <a:xfrm>
-          <a:off x="4985965" y="1110558"/>
-          <a:ext cx="2554515" cy="192561"/>
+          <a:off x="5498123" y="1435086"/>
+          <a:ext cx="105960" cy="192739"/>
         </a:xfrm>
         <a:custGeom>
           <a:avLst/>
@@ -2432,13 +2672,13 @@
                 <a:pt x="0" y="0"/>
               </a:moveTo>
               <a:lnTo>
-                <a:pt x="0" y="96280"/>
+                <a:pt x="0" y="96369"/>
               </a:lnTo>
               <a:lnTo>
-                <a:pt x="2554515" y="96280"/>
+                <a:pt x="105960" y="96369"/>
               </a:lnTo>
               <a:lnTo>
-                <a:pt x="2554515" y="192561"/>
+                <a:pt x="105960" y="192739"/>
               </a:lnTo>
             </a:path>
           </a:pathLst>
@@ -2447,193 +2687,7 @@
         <a:ln w="12700" cap="flat" cmpd="sng" algn="ctr">
           <a:solidFill>
             <a:schemeClr val="accent1">
-              <a:shade val="80000"/>
-              <a:hueOff val="0"/>
-              <a:satOff val="0"/>
-              <a:lumOff val="0"/>
-              <a:alphaOff val="0"/>
-            </a:schemeClr>
-          </a:solidFill>
-          <a:prstDash val="solid"/>
-          <a:miter lim="800000"/>
-        </a:ln>
-        <a:effectLst/>
-      </dsp:spPr>
-      <dsp:style>
-        <a:lnRef idx="2">
-          <a:scrgbClr r="0" g="0" b="0"/>
-        </a:lnRef>
-        <a:fillRef idx="0">
-          <a:scrgbClr r="0" g="0" b="0"/>
-        </a:fillRef>
-        <a:effectRef idx="0">
-          <a:scrgbClr r="0" g="0" b="0"/>
-        </a:effectRef>
-        <a:fontRef idx="minor"/>
-      </dsp:style>
-    </dsp:sp>
-    <dsp:sp modelId="{0213A523-DBE5-4D49-897B-0EAA321B8C00}">
-      <dsp:nvSpPr>
-        <dsp:cNvPr id="0" name=""/>
-        <dsp:cNvSpPr/>
-      </dsp:nvSpPr>
-      <dsp:spPr>
-        <a:xfrm>
-          <a:off x="4985965" y="1110558"/>
-          <a:ext cx="767834" cy="192561"/>
-        </a:xfrm>
-        <a:custGeom>
-          <a:avLst/>
-          <a:gdLst/>
-          <a:ahLst/>
-          <a:cxnLst/>
-          <a:rect l="0" t="0" r="0" b="0"/>
-          <a:pathLst>
-            <a:path>
-              <a:moveTo>
-                <a:pt x="0" y="0"/>
-              </a:moveTo>
-              <a:lnTo>
-                <a:pt x="0" y="96280"/>
-              </a:lnTo>
-              <a:lnTo>
-                <a:pt x="767834" y="96280"/>
-              </a:lnTo>
-              <a:lnTo>
-                <a:pt x="767834" y="192561"/>
-              </a:lnTo>
-            </a:path>
-          </a:pathLst>
-        </a:custGeom>
-        <a:noFill/>
-        <a:ln w="12700" cap="flat" cmpd="sng" algn="ctr">
-          <a:solidFill>
-            <a:schemeClr val="accent1">
-              <a:shade val="80000"/>
-              <a:hueOff val="0"/>
-              <a:satOff val="0"/>
-              <a:lumOff val="0"/>
-              <a:alphaOff val="0"/>
-            </a:schemeClr>
-          </a:solidFill>
-          <a:prstDash val="solid"/>
-          <a:miter lim="800000"/>
-        </a:ln>
-        <a:effectLst/>
-      </dsp:spPr>
-      <dsp:style>
-        <a:lnRef idx="2">
-          <a:scrgbClr r="0" g="0" b="0"/>
-        </a:lnRef>
-        <a:fillRef idx="0">
-          <a:scrgbClr r="0" g="0" b="0"/>
-        </a:fillRef>
-        <a:effectRef idx="0">
-          <a:scrgbClr r="0" g="0" b="0"/>
-        </a:effectRef>
-        <a:fontRef idx="minor"/>
-      </dsp:style>
-    </dsp:sp>
-    <dsp:sp modelId="{3E1AF988-A728-45AE-8E46-8B037389EC07}">
-      <dsp:nvSpPr>
-        <dsp:cNvPr id="0" name=""/>
-        <dsp:cNvSpPr/>
-      </dsp:nvSpPr>
-      <dsp:spPr>
-        <a:xfrm>
-          <a:off x="4302143" y="1110558"/>
-          <a:ext cx="683822" cy="192561"/>
-        </a:xfrm>
-        <a:custGeom>
-          <a:avLst/>
-          <a:gdLst/>
-          <a:ahLst/>
-          <a:cxnLst/>
-          <a:rect l="0" t="0" r="0" b="0"/>
-          <a:pathLst>
-            <a:path>
-              <a:moveTo>
-                <a:pt x="683822" y="0"/>
-              </a:moveTo>
-              <a:lnTo>
-                <a:pt x="683822" y="96280"/>
-              </a:lnTo>
-              <a:lnTo>
-                <a:pt x="0" y="96280"/>
-              </a:lnTo>
-              <a:lnTo>
-                <a:pt x="0" y="192561"/>
-              </a:lnTo>
-            </a:path>
-          </a:pathLst>
-        </a:custGeom>
-        <a:noFill/>
-        <a:ln w="12700" cap="flat" cmpd="sng" algn="ctr">
-          <a:solidFill>
-            <a:schemeClr val="accent1">
-              <a:shade val="80000"/>
-              <a:hueOff val="0"/>
-              <a:satOff val="0"/>
-              <a:lumOff val="0"/>
-              <a:alphaOff val="0"/>
-            </a:schemeClr>
-          </a:solidFill>
-          <a:prstDash val="solid"/>
-          <a:miter lim="800000"/>
-        </a:ln>
-        <a:effectLst/>
-      </dsp:spPr>
-      <dsp:style>
-        <a:lnRef idx="2">
-          <a:scrgbClr r="0" g="0" b="0"/>
-        </a:lnRef>
-        <a:fillRef idx="0">
-          <a:scrgbClr r="0" g="0" b="0"/>
-        </a:fillRef>
-        <a:effectRef idx="0">
-          <a:scrgbClr r="0" g="0" b="0"/>
-        </a:effectRef>
-        <a:fontRef idx="minor"/>
-      </dsp:style>
-    </dsp:sp>
-    <dsp:sp modelId="{CBBAE366-6B86-4A52-AE41-06D091AEA270}">
-      <dsp:nvSpPr>
-        <dsp:cNvPr id="0" name=""/>
-        <dsp:cNvSpPr/>
-      </dsp:nvSpPr>
-      <dsp:spPr>
-        <a:xfrm>
-          <a:off x="2541393" y="1110558"/>
-          <a:ext cx="2444571" cy="192561"/>
-        </a:xfrm>
-        <a:custGeom>
-          <a:avLst/>
-          <a:gdLst/>
-          <a:ahLst/>
-          <a:cxnLst/>
-          <a:rect l="0" t="0" r="0" b="0"/>
-          <a:pathLst>
-            <a:path>
-              <a:moveTo>
-                <a:pt x="2444571" y="0"/>
-              </a:moveTo>
-              <a:lnTo>
-                <a:pt x="2444571" y="96280"/>
-              </a:lnTo>
-              <a:lnTo>
-                <a:pt x="0" y="96280"/>
-              </a:lnTo>
-              <a:lnTo>
-                <a:pt x="0" y="192561"/>
-              </a:lnTo>
-            </a:path>
-          </a:pathLst>
-        </a:custGeom>
-        <a:noFill/>
-        <a:ln w="12700" cap="flat" cmpd="sng" algn="ctr">
-          <a:solidFill>
-            <a:schemeClr val="accent1">
-              <a:shade val="80000"/>
+              <a:shade val="60000"/>
               <a:hueOff val="0"/>
               <a:satOff val="0"/>
               <a:lumOff val="0"/>
@@ -2665,8 +2719,8 @@
       </dsp:nvSpPr>
       <dsp:spPr>
         <a:xfrm>
-          <a:off x="3321684" y="459517"/>
-          <a:ext cx="1664280" cy="192561"/>
+          <a:off x="3993808" y="1435086"/>
+          <a:ext cx="1504314" cy="192739"/>
         </a:xfrm>
         <a:custGeom>
           <a:avLst/>
@@ -2677,16 +2731,16 @@
           <a:pathLst>
             <a:path>
               <a:moveTo>
-                <a:pt x="0" y="0"/>
+                <a:pt x="1504314" y="0"/>
               </a:moveTo>
               <a:lnTo>
-                <a:pt x="0" y="96280"/>
+                <a:pt x="1504314" y="96369"/>
               </a:lnTo>
               <a:lnTo>
-                <a:pt x="1664280" y="96280"/>
+                <a:pt x="0" y="96369"/>
               </a:lnTo>
               <a:lnTo>
-                <a:pt x="1664280" y="192561"/>
+                <a:pt x="0" y="192739"/>
               </a:lnTo>
             </a:path>
           </a:pathLst>
@@ -2727,8 +2781,8 @@
       </dsp:nvSpPr>
       <dsp:spPr>
         <a:xfrm>
-          <a:off x="3321684" y="459517"/>
-          <a:ext cx="356165" cy="192561"/>
+          <a:off x="2684481" y="1435086"/>
+          <a:ext cx="2813641" cy="192739"/>
         </a:xfrm>
         <a:custGeom>
           <a:avLst/>
@@ -2739,16 +2793,16 @@
           <a:pathLst>
             <a:path>
               <a:moveTo>
-                <a:pt x="0" y="0"/>
+                <a:pt x="2813641" y="0"/>
               </a:moveTo>
               <a:lnTo>
-                <a:pt x="0" y="96280"/>
+                <a:pt x="2813641" y="96369"/>
               </a:lnTo>
               <a:lnTo>
-                <a:pt x="356165" y="96280"/>
+                <a:pt x="0" y="96369"/>
               </a:lnTo>
               <a:lnTo>
-                <a:pt x="356165" y="192561"/>
+                <a:pt x="0" y="192739"/>
               </a:lnTo>
             </a:path>
           </a:pathLst>
@@ -2789,8 +2843,8 @@
       </dsp:nvSpPr>
       <dsp:spPr>
         <a:xfrm>
-          <a:off x="2568329" y="459517"/>
-          <a:ext cx="753355" cy="192561"/>
+          <a:off x="1573934" y="1435086"/>
+          <a:ext cx="3924189" cy="192739"/>
         </a:xfrm>
         <a:custGeom>
           <a:avLst/>
@@ -2801,16 +2855,16 @@
           <a:pathLst>
             <a:path>
               <a:moveTo>
-                <a:pt x="753355" y="0"/>
+                <a:pt x="3924189" y="0"/>
               </a:moveTo>
               <a:lnTo>
-                <a:pt x="753355" y="96280"/>
+                <a:pt x="3924189" y="96369"/>
               </a:lnTo>
               <a:lnTo>
-                <a:pt x="0" y="96280"/>
+                <a:pt x="0" y="96369"/>
               </a:lnTo>
               <a:lnTo>
-                <a:pt x="0" y="192561"/>
+                <a:pt x="0" y="192739"/>
               </a:lnTo>
             </a:path>
           </a:pathLst>
@@ -2851,8 +2905,8 @@
       </dsp:nvSpPr>
       <dsp:spPr>
         <a:xfrm>
-          <a:off x="1458808" y="459517"/>
-          <a:ext cx="1862875" cy="192561"/>
+          <a:off x="463386" y="1435086"/>
+          <a:ext cx="5034737" cy="192739"/>
         </a:xfrm>
         <a:custGeom>
           <a:avLst/>
@@ -2863,16 +2917,16 @@
           <a:pathLst>
             <a:path>
               <a:moveTo>
-                <a:pt x="1862875" y="0"/>
+                <a:pt x="5034737" y="0"/>
               </a:moveTo>
               <a:lnTo>
-                <a:pt x="1862875" y="96280"/>
+                <a:pt x="5034737" y="96369"/>
               </a:lnTo>
               <a:lnTo>
-                <a:pt x="0" y="96280"/>
+                <a:pt x="0" y="96369"/>
               </a:lnTo>
               <a:lnTo>
-                <a:pt x="0" y="192561"/>
+                <a:pt x="0" y="192739"/>
               </a:lnTo>
             </a:path>
           </a:pathLst>
@@ -2913,8 +2967,8 @@
       </dsp:nvSpPr>
       <dsp:spPr>
         <a:xfrm>
-          <a:off x="2863204" y="1038"/>
-          <a:ext cx="916959" cy="458479"/>
+          <a:off x="5039219" y="976181"/>
+          <a:ext cx="917808" cy="458904"/>
         </a:xfrm>
         <a:prstGeom prst="rect">
           <a:avLst/>
@@ -2980,8 +3034,8 @@
         </a:p>
       </dsp:txBody>
       <dsp:txXfrm>
-        <a:off x="2863204" y="1038"/>
-        <a:ext cx="916959" cy="458479"/>
+        <a:off x="5039219" y="976181"/>
+        <a:ext cx="917808" cy="458904"/>
       </dsp:txXfrm>
     </dsp:sp>
     <dsp:sp modelId="{2DEEA8C2-AABE-4A2D-A408-5AB2C6439BFC}">
@@ -2991,8 +3045,8 @@
       </dsp:nvSpPr>
       <dsp:spPr>
         <a:xfrm>
-          <a:off x="1000329" y="652079"/>
-          <a:ext cx="916959" cy="458479"/>
+          <a:off x="4482" y="1627825"/>
+          <a:ext cx="917808" cy="458904"/>
         </a:xfrm>
         <a:prstGeom prst="rect">
           <a:avLst/>
@@ -3058,8 +3112,8 @@
         </a:p>
       </dsp:txBody>
       <dsp:txXfrm>
-        <a:off x="1000329" y="652079"/>
-        <a:ext cx="916959" cy="458479"/>
+        <a:off x="4482" y="1627825"/>
+        <a:ext cx="917808" cy="458904"/>
       </dsp:txXfrm>
     </dsp:sp>
     <dsp:sp modelId="{FA87C916-0CC1-414F-8E55-C72893B39D22}">
@@ -3069,8 +3123,8 @@
       </dsp:nvSpPr>
       <dsp:spPr>
         <a:xfrm>
-          <a:off x="2109849" y="652079"/>
-          <a:ext cx="916959" cy="458479"/>
+          <a:off x="1115029" y="1627825"/>
+          <a:ext cx="917808" cy="458904"/>
         </a:xfrm>
         <a:prstGeom prst="rect">
           <a:avLst/>
@@ -3136,8 +3190,8 @@
         </a:p>
       </dsp:txBody>
       <dsp:txXfrm>
-        <a:off x="2109849" y="652079"/>
-        <a:ext cx="916959" cy="458479"/>
+        <a:off x="1115029" y="1627825"/>
+        <a:ext cx="917808" cy="458904"/>
       </dsp:txXfrm>
     </dsp:sp>
     <dsp:sp modelId="{EB18FACC-C862-4E04-B5BE-B088B959A098}">
@@ -3147,8 +3201,8 @@
       </dsp:nvSpPr>
       <dsp:spPr>
         <a:xfrm>
-          <a:off x="3219370" y="652079"/>
-          <a:ext cx="916959" cy="458479"/>
+          <a:off x="2225577" y="1627825"/>
+          <a:ext cx="917808" cy="458904"/>
         </a:xfrm>
         <a:prstGeom prst="rect">
           <a:avLst/>
@@ -3208,14 +3262,14 @@
           </a:pPr>
           <a:r>
             <a:rPr lang="en-US" sz="1600" kern="1200" dirty="0" smtClean="0"/>
-            <a:t>Images</a:t>
+            <a:t>assets</a:t>
           </a:r>
           <a:endParaRPr lang="en-US" sz="1600" kern="1200" dirty="0"/>
         </a:p>
       </dsp:txBody>
       <dsp:txXfrm>
-        <a:off x="3219370" y="652079"/>
-        <a:ext cx="916959" cy="458479"/>
+        <a:off x="2225577" y="1627825"/>
+        <a:ext cx="917808" cy="458904"/>
       </dsp:txXfrm>
     </dsp:sp>
     <dsp:sp modelId="{CA36E5F1-7A30-421F-A31E-2C9E12BBF60E}">
@@ -3225,8 +3279,8 @@
       </dsp:nvSpPr>
       <dsp:spPr>
         <a:xfrm>
-          <a:off x="4328890" y="652079"/>
-          <a:ext cx="1314149" cy="458479"/>
+          <a:off x="3336125" y="1627825"/>
+          <a:ext cx="1315365" cy="458904"/>
         </a:xfrm>
         <a:prstGeom prst="rect">
           <a:avLst/>
@@ -3286,25 +3340,25 @@
           </a:pPr>
           <a:r>
             <a:rPr lang="en-US" sz="1600" kern="1200" dirty="0" smtClean="0"/>
-            <a:t>Components</a:t>
+            <a:t>auth</a:t>
           </a:r>
           <a:endParaRPr lang="en-US" sz="1600" kern="1200" dirty="0"/>
         </a:p>
       </dsp:txBody>
       <dsp:txXfrm>
-        <a:off x="4328890" y="652079"/>
-        <a:ext cx="1314149" cy="458479"/>
+        <a:off x="3336125" y="1627825"/>
+        <a:ext cx="1315365" cy="458904"/>
       </dsp:txXfrm>
     </dsp:sp>
-    <dsp:sp modelId="{24B878FF-06A4-4898-8D7A-CD5C812F8EC8}">
+    <dsp:sp modelId="{BE1E800F-5A81-46FA-BD58-9082539B75BC}">
       <dsp:nvSpPr>
         <dsp:cNvPr id="0" name=""/>
         <dsp:cNvSpPr/>
       </dsp:nvSpPr>
       <dsp:spPr>
         <a:xfrm>
-          <a:off x="1534815" y="1303120"/>
-          <a:ext cx="2013156" cy="458479"/>
+          <a:off x="4844231" y="1627825"/>
+          <a:ext cx="1519706" cy="458904"/>
         </a:xfrm>
         <a:prstGeom prst="rect">
           <a:avLst/>
@@ -3363,26 +3417,26 @@
             </a:spcAft>
           </a:pPr>
           <a:r>
-            <a:rPr lang="en-US" sz="1600" kern="1200" baseline="0" dirty="0" smtClean="0"/>
-            <a:t>LoginPage.jsx</a:t>
+            <a:rPr lang="en-US" sz="1600" kern="1200" dirty="0" smtClean="0"/>
+            <a:t>components</a:t>
           </a:r>
-          <a:endParaRPr lang="en-US" sz="1600" kern="1200" baseline="0" dirty="0"/>
+          <a:endParaRPr lang="en-US" sz="1600" kern="1200" dirty="0"/>
         </a:p>
       </dsp:txBody>
       <dsp:txXfrm>
-        <a:off x="1534815" y="1303120"/>
-        <a:ext cx="2013156" cy="458479"/>
+        <a:off x="4844231" y="1627825"/>
+        <a:ext cx="1519706" cy="458904"/>
       </dsp:txXfrm>
     </dsp:sp>
-    <dsp:sp modelId="{54978E7B-A547-4CC2-8F72-311820A74969}">
+    <dsp:sp modelId="{3BC295ED-75FF-43BB-A151-5CA176ACAF97}">
       <dsp:nvSpPr>
         <dsp:cNvPr id="0" name=""/>
         <dsp:cNvSpPr/>
       </dsp:nvSpPr>
       <dsp:spPr>
         <a:xfrm>
-          <a:off x="3740533" y="1303120"/>
-          <a:ext cx="1123219" cy="458479"/>
+          <a:off x="6556677" y="1627825"/>
+          <a:ext cx="917808" cy="458904"/>
         </a:xfrm>
         <a:prstGeom prst="rect">
           <a:avLst/>
@@ -3441,26 +3495,26 @@
             </a:spcAft>
           </a:pPr>
           <a:r>
-            <a:rPr lang="en-US" sz="1600" kern="1200" baseline="0" dirty="0" smtClean="0"/>
-            <a:t>AppPage.jsx</a:t>
+            <a:rPr lang="en-US" sz="1600" kern="1200" dirty="0" smtClean="0"/>
+            <a:t>helpers</a:t>
           </a:r>
-          <a:endParaRPr lang="en-US" sz="1600" kern="1200" baseline="0" dirty="0"/>
+          <a:endParaRPr lang="en-US" sz="1600" kern="1200" dirty="0"/>
         </a:p>
       </dsp:txBody>
       <dsp:txXfrm>
-        <a:off x="3740533" y="1303120"/>
-        <a:ext cx="1123219" cy="458479"/>
+        <a:off x="6556677" y="1627825"/>
+        <a:ext cx="917808" cy="458904"/>
       </dsp:txXfrm>
     </dsp:sp>
-    <dsp:sp modelId="{811234D6-6D00-416A-B15E-7DDC9CAFBCEC}">
+    <dsp:sp modelId="{8C2EE522-1CDE-4859-842F-03552F568042}">
       <dsp:nvSpPr>
         <dsp:cNvPr id="0" name=""/>
         <dsp:cNvSpPr/>
       </dsp:nvSpPr>
       <dsp:spPr>
         <a:xfrm>
-          <a:off x="5056314" y="1303120"/>
-          <a:ext cx="1394970" cy="458479"/>
+          <a:off x="7667225" y="1627825"/>
+          <a:ext cx="917808" cy="458904"/>
         </a:xfrm>
         <a:prstGeom prst="rect">
           <a:avLst/>
@@ -3519,26 +3573,26 @@
             </a:spcAft>
           </a:pPr>
           <a:r>
-            <a:rPr lang="en-US" sz="1600" kern="1200" baseline="0" dirty="0" smtClean="0"/>
-            <a:t>EndPage.jsx</a:t>
+            <a:rPr lang="en-US" sz="1600" kern="1200" dirty="0" smtClean="0"/>
+            <a:t>pages</a:t>
           </a:r>
-          <a:endParaRPr lang="en-US" sz="1600" kern="1200" baseline="0" dirty="0"/>
+          <a:endParaRPr lang="en-US" sz="1600" kern="1200" dirty="0"/>
         </a:p>
       </dsp:txBody>
       <dsp:txXfrm>
-        <a:off x="5056314" y="1303120"/>
-        <a:ext cx="1394970" cy="458479"/>
+        <a:off x="7667225" y="1627825"/>
+        <a:ext cx="917808" cy="458904"/>
       </dsp:txXfrm>
     </dsp:sp>
-    <dsp:sp modelId="{A7C6F29D-BE36-4BAC-AEE0-F416F3A8D342}">
+    <dsp:sp modelId="{A4689999-BB02-4CE5-B808-88A5865CAB11}">
       <dsp:nvSpPr>
         <dsp:cNvPr id="0" name=""/>
         <dsp:cNvSpPr/>
       </dsp:nvSpPr>
       <dsp:spPr>
         <a:xfrm>
-          <a:off x="6643846" y="1303120"/>
-          <a:ext cx="1793269" cy="458479"/>
+          <a:off x="7896677" y="2279469"/>
+          <a:ext cx="917808" cy="458904"/>
         </a:xfrm>
         <a:prstGeom prst="rect">
           <a:avLst/>
@@ -3597,26 +3651,26 @@
             </a:spcAft>
           </a:pPr>
           <a:r>
-            <a:rPr lang="en-US" sz="1600" kern="1200" baseline="0" dirty="0" smtClean="0"/>
-            <a:t>command_components</a:t>
+            <a:rPr lang="en-US" sz="1600" kern="1200" dirty="0" smtClean="0"/>
+            <a:t>AppPage</a:t>
           </a:r>
-          <a:endParaRPr lang="en-US" sz="1600" kern="1200" baseline="0" dirty="0"/>
+          <a:endParaRPr lang="en-US" sz="1600" kern="1200" dirty="0"/>
         </a:p>
       </dsp:txBody>
       <dsp:txXfrm>
-        <a:off x="6643846" y="1303120"/>
-        <a:ext cx="1793269" cy="458479"/>
+        <a:off x="7896677" y="2279469"/>
+        <a:ext cx="917808" cy="458904"/>
       </dsp:txXfrm>
     </dsp:sp>
-    <dsp:sp modelId="{2A8AE9FE-1C38-4CFF-9FDB-782F7CC5D64F}">
+    <dsp:sp modelId="{FB0CB4E6-564B-433F-A35E-0AE652AFCAF2}">
       <dsp:nvSpPr>
         <dsp:cNvPr id="0" name=""/>
         <dsp:cNvSpPr/>
       </dsp:nvSpPr>
       <dsp:spPr>
         <a:xfrm>
-          <a:off x="7092163" y="1954161"/>
-          <a:ext cx="2516805" cy="458479"/>
+          <a:off x="7896677" y="2931113"/>
+          <a:ext cx="917808" cy="458904"/>
         </a:xfrm>
         <a:prstGeom prst="rect">
           <a:avLst/>
@@ -3675,26 +3729,26 @@
             </a:spcAft>
           </a:pPr>
           <a:r>
-            <a:rPr lang="en-US" sz="1600" kern="1200" baseline="0" dirty="0" smtClean="0"/>
-            <a:t>CompleteComponent.jsx</a:t>
+            <a:rPr lang="en-US" sz="1600" kern="1200" dirty="0" smtClean="0"/>
+            <a:t>EndPage</a:t>
           </a:r>
-          <a:endParaRPr lang="en-US" sz="1600" kern="1200" baseline="0" dirty="0"/>
+          <a:endParaRPr lang="en-US" sz="1600" kern="1200" dirty="0"/>
         </a:p>
       </dsp:txBody>
       <dsp:txXfrm>
-        <a:off x="7092163" y="1954161"/>
-        <a:ext cx="2516805" cy="458479"/>
+        <a:off x="7896677" y="2931113"/>
+        <a:ext cx="917808" cy="458904"/>
       </dsp:txXfrm>
     </dsp:sp>
-    <dsp:sp modelId="{D807AF80-1EDE-4A80-8A09-2CD0A20A38C6}">
+    <dsp:sp modelId="{42485A1E-F309-47BA-8BF0-F089F79A5226}">
       <dsp:nvSpPr>
         <dsp:cNvPr id="0" name=""/>
         <dsp:cNvSpPr/>
       </dsp:nvSpPr>
       <dsp:spPr>
         <a:xfrm>
-          <a:off x="7092163" y="2605202"/>
-          <a:ext cx="2518318" cy="458479"/>
+          <a:off x="7896677" y="3582756"/>
+          <a:ext cx="917808" cy="458904"/>
         </a:xfrm>
         <a:prstGeom prst="rect">
           <a:avLst/>
@@ -3753,26 +3807,26 @@
             </a:spcAft>
           </a:pPr>
           <a:r>
-            <a:rPr lang="en-US" sz="1600" kern="1200" baseline="0" dirty="0" smtClean="0"/>
-            <a:t>DateComponent.jsx</a:t>
+            <a:rPr lang="en-US" sz="1600" kern="1200" dirty="0" smtClean="0"/>
+            <a:t>LoginPage</a:t>
           </a:r>
-          <a:endParaRPr lang="en-US" sz="1600" kern="1200" baseline="0" dirty="0"/>
+          <a:endParaRPr lang="en-US" sz="1600" kern="1200" dirty="0"/>
         </a:p>
       </dsp:txBody>
       <dsp:txXfrm>
-        <a:off x="7092163" y="2605202"/>
-        <a:ext cx="2518318" cy="458479"/>
+        <a:off x="7896677" y="3582756"/>
+        <a:ext cx="917808" cy="458904"/>
       </dsp:txXfrm>
     </dsp:sp>
-    <dsp:sp modelId="{F5061BA5-6168-4A5B-A863-3B757437E7E4}">
+    <dsp:sp modelId="{2D5547FD-33C2-4095-8130-469DCCB67A7A}">
       <dsp:nvSpPr>
         <dsp:cNvPr id="0" name=""/>
         <dsp:cNvSpPr/>
       </dsp:nvSpPr>
       <dsp:spPr>
         <a:xfrm>
-          <a:off x="7092163" y="3256243"/>
-          <a:ext cx="2543167" cy="458479"/>
+          <a:off x="8777773" y="1627825"/>
+          <a:ext cx="1103443" cy="458904"/>
         </a:xfrm>
         <a:prstGeom prst="rect">
           <a:avLst/>
@@ -3831,26 +3885,26 @@
             </a:spcAft>
           </a:pPr>
           <a:r>
-            <a:rPr lang="en-US" sz="1600" kern="1200" baseline="0" dirty="0" smtClean="0"/>
-            <a:t>MapComponent.jsx</a:t>
+            <a:rPr lang="en-US" sz="1600" kern="1200" dirty="0" smtClean="0"/>
+            <a:t>socket.io</a:t>
           </a:r>
-          <a:endParaRPr lang="en-US" sz="1600" kern="1200" baseline="0" dirty="0"/>
+          <a:endParaRPr lang="en-US" sz="1600" kern="1200" dirty="0"/>
         </a:p>
       </dsp:txBody>
       <dsp:txXfrm>
-        <a:off x="7092163" y="3256243"/>
-        <a:ext cx="2543167" cy="458479"/>
+        <a:off x="8777773" y="1627825"/>
+        <a:ext cx="1103443" cy="458904"/>
       </dsp:txXfrm>
     </dsp:sp>
-    <dsp:sp modelId="{2337CCE7-7254-4C76-B962-5FBBD0506301}">
+    <dsp:sp modelId="{42FBB69A-D07C-4675-A6C0-5C539037C250}">
       <dsp:nvSpPr>
         <dsp:cNvPr id="0" name=""/>
         <dsp:cNvSpPr/>
       </dsp:nvSpPr>
       <dsp:spPr>
         <a:xfrm>
-          <a:off x="7092163" y="3907284"/>
-          <a:ext cx="2563781" cy="458479"/>
+          <a:off x="10073956" y="1627825"/>
+          <a:ext cx="917808" cy="458904"/>
         </a:xfrm>
         <a:prstGeom prst="rect">
           <a:avLst/>
@@ -3909,93 +3963,15 @@
             </a:spcAft>
           </a:pPr>
           <a:r>
-            <a:rPr lang="en-US" sz="1600" kern="1200" baseline="0" dirty="0" smtClean="0"/>
-            <a:t>RateComponent.jsx</a:t>
+            <a:rPr lang="en-US" sz="1600" kern="1200" dirty="0" smtClean="0"/>
+            <a:t>utils</a:t>
           </a:r>
-          <a:endParaRPr lang="en-US" sz="1600" kern="1200" baseline="0" dirty="0"/>
+          <a:endParaRPr lang="en-US" sz="1600" kern="1200" dirty="0"/>
         </a:p>
       </dsp:txBody>
       <dsp:txXfrm>
-        <a:off x="7092163" y="3907284"/>
-        <a:ext cx="2563781" cy="458479"/>
-      </dsp:txXfrm>
-    </dsp:sp>
-    <dsp:sp modelId="{5A22FB93-F2C6-48A2-AA8E-A48296F25735}">
-      <dsp:nvSpPr>
-        <dsp:cNvPr id="0" name=""/>
-        <dsp:cNvSpPr/>
-      </dsp:nvSpPr>
-      <dsp:spPr>
-        <a:xfrm>
-          <a:off x="7092163" y="4558325"/>
-          <a:ext cx="2581368" cy="458479"/>
-        </a:xfrm>
-        <a:prstGeom prst="rect">
-          <a:avLst/>
-        </a:prstGeom>
-        <a:solidFill>
-          <a:schemeClr val="accent1">
-            <a:hueOff val="0"/>
-            <a:satOff val="0"/>
-            <a:lumOff val="0"/>
-            <a:alphaOff val="0"/>
-          </a:schemeClr>
-        </a:solidFill>
-        <a:ln w="12700" cap="flat" cmpd="sng" algn="ctr">
-          <a:solidFill>
-            <a:schemeClr val="lt1">
-              <a:hueOff val="0"/>
-              <a:satOff val="0"/>
-              <a:lumOff val="0"/>
-              <a:alphaOff val="0"/>
-            </a:schemeClr>
-          </a:solidFill>
-          <a:prstDash val="solid"/>
-          <a:miter lim="800000"/>
-        </a:ln>
-        <a:effectLst/>
-      </dsp:spPr>
-      <dsp:style>
-        <a:lnRef idx="2">
-          <a:scrgbClr r="0" g="0" b="0"/>
-        </a:lnRef>
-        <a:fillRef idx="1">
-          <a:scrgbClr r="0" g="0" b="0"/>
-        </a:fillRef>
-        <a:effectRef idx="0">
-          <a:scrgbClr r="0" g="0" b="0"/>
-        </a:effectRef>
-        <a:fontRef idx="minor">
-          <a:schemeClr val="lt1"/>
-        </a:fontRef>
-      </dsp:style>
-      <dsp:txBody>
-        <a:bodyPr spcFirstLastPara="0" vert="horz" wrap="square" lIns="10160" tIns="10160" rIns="10160" bIns="10160" numCol="1" spcCol="1270" anchor="ctr" anchorCtr="0">
-          <a:noAutofit/>
-        </a:bodyPr>
-        <a:lstStyle/>
-        <a:p>
-          <a:pPr lvl="0" algn="ctr" defTabSz="711200">
-            <a:lnSpc>
-              <a:spcPct val="90000"/>
-            </a:lnSpc>
-            <a:spcBef>
-              <a:spcPct val="0"/>
-            </a:spcBef>
-            <a:spcAft>
-              <a:spcPct val="35000"/>
-            </a:spcAft>
-          </a:pPr>
-          <a:r>
-            <a:rPr lang="en-US" sz="1600" kern="1200" baseline="0" dirty="0" smtClean="0"/>
-            <a:t>command_socket.js</a:t>
-          </a:r>
-          <a:endParaRPr lang="en-US" sz="1600" kern="1200" baseline="0" dirty="0"/>
-        </a:p>
-      </dsp:txBody>
-      <dsp:txXfrm>
-        <a:off x="7092163" y="4558325"/>
-        <a:ext cx="2581368" cy="458479"/>
+        <a:off x="10073956" y="1627825"/>
+        <a:ext cx="917808" cy="458904"/>
       </dsp:txXfrm>
     </dsp:sp>
   </dsp:spTree>
@@ -6313,7 +6289,7 @@
           <a:p>
             <a:fld id="{D20C7FCD-DF48-49BF-AE29-784F30C52858}" type="datetimeFigureOut">
               <a:rPr lang="en-US" smtClean="0"/>
-              <a:t>10/16/2021</a:t>
+              <a:t>11/2/2021</a:t>
             </a:fld>
             <a:endParaRPr lang="en-US" dirty="0"/>
           </a:p>
@@ -6483,7 +6459,7 @@
           <a:p>
             <a:fld id="{D20C7FCD-DF48-49BF-AE29-784F30C52858}" type="datetimeFigureOut">
               <a:rPr lang="en-US" smtClean="0"/>
-              <a:t>10/16/2021</a:t>
+              <a:t>11/2/2021</a:t>
             </a:fld>
             <a:endParaRPr lang="en-US" dirty="0"/>
           </a:p>
@@ -6663,7 +6639,7 @@
           <a:p>
             <a:fld id="{D20C7FCD-DF48-49BF-AE29-784F30C52858}" type="datetimeFigureOut">
               <a:rPr lang="en-US" smtClean="0"/>
-              <a:t>10/16/2021</a:t>
+              <a:t>11/2/2021</a:t>
             </a:fld>
             <a:endParaRPr lang="en-US" dirty="0"/>
           </a:p>
@@ -6833,7 +6809,7 @@
           <a:p>
             <a:fld id="{D20C7FCD-DF48-49BF-AE29-784F30C52858}" type="datetimeFigureOut">
               <a:rPr lang="en-US" smtClean="0"/>
-              <a:t>10/16/2021</a:t>
+              <a:t>11/2/2021</a:t>
             </a:fld>
             <a:endParaRPr lang="en-US" dirty="0"/>
           </a:p>
@@ -7079,7 +7055,7 @@
           <a:p>
             <a:fld id="{D20C7FCD-DF48-49BF-AE29-784F30C52858}" type="datetimeFigureOut">
               <a:rPr lang="en-US" smtClean="0"/>
-              <a:t>10/16/2021</a:t>
+              <a:t>11/2/2021</a:t>
             </a:fld>
             <a:endParaRPr lang="en-US" dirty="0"/>
           </a:p>
@@ -7311,7 +7287,7 @@
           <a:p>
             <a:fld id="{D20C7FCD-DF48-49BF-AE29-784F30C52858}" type="datetimeFigureOut">
               <a:rPr lang="en-US" smtClean="0"/>
-              <a:t>10/16/2021</a:t>
+              <a:t>11/2/2021</a:t>
             </a:fld>
             <a:endParaRPr lang="en-US" dirty="0"/>
           </a:p>
@@ -7678,7 +7654,7 @@
           <a:p>
             <a:fld id="{D20C7FCD-DF48-49BF-AE29-784F30C52858}" type="datetimeFigureOut">
               <a:rPr lang="en-US" smtClean="0"/>
-              <a:t>10/16/2021</a:t>
+              <a:t>11/2/2021</a:t>
             </a:fld>
             <a:endParaRPr lang="en-US" dirty="0"/>
           </a:p>
@@ -7796,7 +7772,7 @@
           <a:p>
             <a:fld id="{D20C7FCD-DF48-49BF-AE29-784F30C52858}" type="datetimeFigureOut">
               <a:rPr lang="en-US" smtClean="0"/>
-              <a:t>10/16/2021</a:t>
+              <a:t>11/2/2021</a:t>
             </a:fld>
             <a:endParaRPr lang="en-US" dirty="0"/>
           </a:p>
@@ -7891,7 +7867,7 @@
           <a:p>
             <a:fld id="{D20C7FCD-DF48-49BF-AE29-784F30C52858}" type="datetimeFigureOut">
               <a:rPr lang="en-US" smtClean="0"/>
-              <a:t>10/16/2021</a:t>
+              <a:t>11/2/2021</a:t>
             </a:fld>
             <a:endParaRPr lang="en-US" dirty="0"/>
           </a:p>
@@ -8168,7 +8144,7 @@
           <a:p>
             <a:fld id="{D20C7FCD-DF48-49BF-AE29-784F30C52858}" type="datetimeFigureOut">
               <a:rPr lang="en-US" smtClean="0"/>
-              <a:t>10/16/2021</a:t>
+              <a:t>11/2/2021</a:t>
             </a:fld>
             <a:endParaRPr lang="en-US" dirty="0"/>
           </a:p>
@@ -8421,7 +8397,7 @@
           <a:p>
             <a:fld id="{D20C7FCD-DF48-49BF-AE29-784F30C52858}" type="datetimeFigureOut">
               <a:rPr lang="en-US" smtClean="0"/>
-              <a:t>10/16/2021</a:t>
+              <a:t>11/2/2021</a:t>
             </a:fld>
             <a:endParaRPr lang="en-US" dirty="0"/>
           </a:p>
@@ -8634,7 +8610,7 @@
           <a:p>
             <a:fld id="{D20C7FCD-DF48-49BF-AE29-784F30C52858}" type="datetimeFigureOut">
               <a:rPr lang="en-US" smtClean="0"/>
-              <a:t>10/16/2021</a:t>
+              <a:t>11/2/2021</a:t>
             </a:fld>
             <a:endParaRPr lang="en-US" dirty="0"/>
           </a:p>
@@ -9962,7 +9938,6 @@
               <a:rPr lang="en-US" sz="2000" dirty="0" smtClean="0"/>
               <a:t>Module - Rate : User Response</a:t>
             </a:r>
-            <a:endParaRPr lang="en-US" sz="2000" dirty="0" smtClean="0"/>
           </a:p>
           <a:p>
             <a:pPr marL="514350" indent="-514350">
@@ -10405,7 +10380,11 @@
           <a:p>
             <a:r>
               <a:rPr lang="en-US" dirty="0"/>
-              <a:t>Application – Project </a:t>
+              <a:t>Application – </a:t>
+            </a:r>
+            <a:r>
+              <a:rPr lang="en-US" dirty="0" smtClean="0"/>
+              <a:t>Basic Project </a:t>
             </a:r>
             <a:r>
               <a:rPr lang="en-US" dirty="0" smtClean="0"/>
@@ -10425,14 +10404,14 @@
             <p:ph idx="1"/>
             <p:extLst>
               <p:ext uri="{D42A27DB-BD31-4B8C-83A1-F6EECF244321}">
-                <p14:modId xmlns:p14="http://schemas.microsoft.com/office/powerpoint/2010/main" val="3601023238"/>
+                <p14:modId xmlns:p14="http://schemas.microsoft.com/office/powerpoint/2010/main" val="325615954"/>
               </p:ext>
             </p:extLst>
           </p:nvPr>
         </p:nvGraphicFramePr>
         <p:xfrm>
           <a:off x="679938" y="1444505"/>
-          <a:ext cx="10673861" cy="5017843"/>
+          <a:ext cx="10996247" cy="5017843"/>
         </p:xfrm>
         <a:graphic>
           <a:graphicData uri="http://schemas.openxmlformats.org/drawingml/2006/diagram">
